--- a/img/paper/pipeline.pptx
+++ b/img/paper/pipeline.pptx
@@ -13,8 +13,8 @@
   <p:sldIdLst>
     <p:sldId id="532" r:id="rId2"/>
   </p:sldIdLst>
-  <p:sldSz cx="10171113" cy="5721350"/>
-  <p:notesSz cx="6858000" cy="9144000"/>
+  <p:sldSz cx="9144000" cy="2468563"/>
+  <p:notesSz cx="7104063" cy="10234613"/>
   <p:custDataLst>
     <p:tags r:id="rId5"/>
   </p:custDataLst>
@@ -22,8 +22,8 @@
     <a:defPPr>
       <a:defRPr lang="de-DE"/>
     </a:defPPr>
-    <a:lvl1pPr marL="0" algn="l" defTabSz="914400" rtl="0" eaLnBrk="1" latinLnBrk="0" hangingPunct="1">
-      <a:defRPr sz="1800" kern="1200">
+    <a:lvl1pPr marL="0" algn="l" defTabSz="591106" rtl="0" eaLnBrk="1" latinLnBrk="0" hangingPunct="1">
+      <a:defRPr sz="1164" kern="1200">
         <a:solidFill>
           <a:schemeClr val="tx1"/>
         </a:solidFill>
@@ -32,8 +32,8 @@
         <a:cs typeface="+mn-cs"/>
       </a:defRPr>
     </a:lvl1pPr>
-    <a:lvl2pPr marL="457200" algn="l" defTabSz="914400" rtl="0" eaLnBrk="1" latinLnBrk="0" hangingPunct="1">
-      <a:defRPr sz="1800" kern="1200">
+    <a:lvl2pPr marL="295553" algn="l" defTabSz="591106" rtl="0" eaLnBrk="1" latinLnBrk="0" hangingPunct="1">
+      <a:defRPr sz="1164" kern="1200">
         <a:solidFill>
           <a:schemeClr val="tx1"/>
         </a:solidFill>
@@ -42,8 +42,8 @@
         <a:cs typeface="+mn-cs"/>
       </a:defRPr>
     </a:lvl2pPr>
-    <a:lvl3pPr marL="914400" algn="l" defTabSz="914400" rtl="0" eaLnBrk="1" latinLnBrk="0" hangingPunct="1">
-      <a:defRPr sz="1800" kern="1200">
+    <a:lvl3pPr marL="591106" algn="l" defTabSz="591106" rtl="0" eaLnBrk="1" latinLnBrk="0" hangingPunct="1">
+      <a:defRPr sz="1164" kern="1200">
         <a:solidFill>
           <a:schemeClr val="tx1"/>
         </a:solidFill>
@@ -52,8 +52,8 @@
         <a:cs typeface="+mn-cs"/>
       </a:defRPr>
     </a:lvl3pPr>
-    <a:lvl4pPr marL="1371600" algn="l" defTabSz="914400" rtl="0" eaLnBrk="1" latinLnBrk="0" hangingPunct="1">
-      <a:defRPr sz="1800" kern="1200">
+    <a:lvl4pPr marL="886659" algn="l" defTabSz="591106" rtl="0" eaLnBrk="1" latinLnBrk="0" hangingPunct="1">
+      <a:defRPr sz="1164" kern="1200">
         <a:solidFill>
           <a:schemeClr val="tx1"/>
         </a:solidFill>
@@ -62,8 +62,8 @@
         <a:cs typeface="+mn-cs"/>
       </a:defRPr>
     </a:lvl4pPr>
-    <a:lvl5pPr marL="1828800" algn="l" defTabSz="914400" rtl="0" eaLnBrk="1" latinLnBrk="0" hangingPunct="1">
-      <a:defRPr sz="1800" kern="1200">
+    <a:lvl5pPr marL="1182212" algn="l" defTabSz="591106" rtl="0" eaLnBrk="1" latinLnBrk="0" hangingPunct="1">
+      <a:defRPr sz="1164" kern="1200">
         <a:solidFill>
           <a:schemeClr val="tx1"/>
         </a:solidFill>
@@ -72,8 +72,8 @@
         <a:cs typeface="+mn-cs"/>
       </a:defRPr>
     </a:lvl5pPr>
-    <a:lvl6pPr marL="2286000" algn="l" defTabSz="914400" rtl="0" eaLnBrk="1" latinLnBrk="0" hangingPunct="1">
-      <a:defRPr sz="1800" kern="1200">
+    <a:lvl6pPr marL="1477766" algn="l" defTabSz="591106" rtl="0" eaLnBrk="1" latinLnBrk="0" hangingPunct="1">
+      <a:defRPr sz="1164" kern="1200">
         <a:solidFill>
           <a:schemeClr val="tx1"/>
         </a:solidFill>
@@ -82,8 +82,8 @@
         <a:cs typeface="+mn-cs"/>
       </a:defRPr>
     </a:lvl6pPr>
-    <a:lvl7pPr marL="2743200" algn="l" defTabSz="914400" rtl="0" eaLnBrk="1" latinLnBrk="0" hangingPunct="1">
-      <a:defRPr sz="1800" kern="1200">
+    <a:lvl7pPr marL="1773319" algn="l" defTabSz="591106" rtl="0" eaLnBrk="1" latinLnBrk="0" hangingPunct="1">
+      <a:defRPr sz="1164" kern="1200">
         <a:solidFill>
           <a:schemeClr val="tx1"/>
         </a:solidFill>
@@ -92,8 +92,8 @@
         <a:cs typeface="+mn-cs"/>
       </a:defRPr>
     </a:lvl7pPr>
-    <a:lvl8pPr marL="3200400" algn="l" defTabSz="914400" rtl="0" eaLnBrk="1" latinLnBrk="0" hangingPunct="1">
-      <a:defRPr sz="1800" kern="1200">
+    <a:lvl8pPr marL="2068872" algn="l" defTabSz="591106" rtl="0" eaLnBrk="1" latinLnBrk="0" hangingPunct="1">
+      <a:defRPr sz="1164" kern="1200">
         <a:solidFill>
           <a:schemeClr val="tx1"/>
         </a:solidFill>
@@ -102,8 +102,8 @@
         <a:cs typeface="+mn-cs"/>
       </a:defRPr>
     </a:lvl8pPr>
-    <a:lvl9pPr marL="3657600" algn="l" defTabSz="914400" rtl="0" eaLnBrk="1" latinLnBrk="0" hangingPunct="1">
-      <a:defRPr sz="1800" kern="1200">
+    <a:lvl9pPr marL="2364426" algn="l" defTabSz="591106" rtl="0" eaLnBrk="1" latinLnBrk="0" hangingPunct="1">
+      <a:defRPr sz="1164" kern="1200">
         <a:solidFill>
           <a:schemeClr val="tx1"/>
         </a:solidFill>
@@ -119,12 +119,12 @@
     </p:ext>
     <p:ext uri="{2D200454-40CA-4A62-9FC3-DE9A4176ACB9}">
       <p15:notesGuideLst xmlns:p15="http://schemas.microsoft.com/office/powerpoint/2012/main">
-        <p15:guide id="1" orient="horz" pos="2880">
+        <p15:guide id="1" orient="horz" pos="3224" userDrawn="1">
           <p15:clr>
             <a:srgbClr val="A4A3A4"/>
           </p15:clr>
         </p15:guide>
-        <p15:guide id="2" pos="2160">
+        <p15:guide id="2" pos="2238" userDrawn="1">
           <p15:clr>
             <a:srgbClr val="A4A3A4"/>
           </p15:clr>
@@ -181,18 +181,18 @@
         </p:nvSpPr>
         <p:spPr>
           <a:xfrm>
-            <a:off x="0" y="0"/>
-            <a:ext cx="2971800" cy="324000"/>
+            <a:off x="1" y="0"/>
+            <a:ext cx="3078427" cy="362644"/>
           </a:xfrm>
           <a:prstGeom prst="rect">
             <a:avLst/>
           </a:prstGeom>
         </p:spPr>
         <p:txBody>
-          <a:bodyPr vert="horz" lIns="91440" tIns="45720" rIns="91440" bIns="45720" rtlCol="0"/>
+          <a:bodyPr vert="horz" lIns="99075" tIns="49538" rIns="99075" bIns="49538" rtlCol="0"/>
           <a:lstStyle>
             <a:lvl1pPr algn="l">
-              <a:defRPr sz="1200"/>
+              <a:defRPr sz="1300"/>
             </a:lvl1pPr>
           </a:lstStyle>
           <a:p>
@@ -212,24 +212,24 @@
         </p:nvSpPr>
         <p:spPr>
           <a:xfrm>
-            <a:off x="3884613" y="0"/>
-            <a:ext cx="2971800" cy="324000"/>
+            <a:off x="4023993" y="0"/>
+            <a:ext cx="3078427" cy="362644"/>
           </a:xfrm>
           <a:prstGeom prst="rect">
             <a:avLst/>
           </a:prstGeom>
         </p:spPr>
         <p:txBody>
-          <a:bodyPr vert="horz" lIns="91440" tIns="45720" rIns="91440" bIns="45720" rtlCol="0"/>
+          <a:bodyPr vert="horz" lIns="99075" tIns="49538" rIns="99075" bIns="49538" rtlCol="0"/>
           <a:lstStyle>
             <a:lvl1pPr algn="r">
-              <a:defRPr sz="1200"/>
+              <a:defRPr sz="1300"/>
             </a:lvl1pPr>
           </a:lstStyle>
           <a:p>
             <a:fld id="{44A3762E-A522-41F7-B71E-E8E9707C82DC}" type="datetimeFigureOut">
               <a:rPr lang="de-DE" smtClean="0"/>
-              <a:t>28.05.2022</a:t>
+              <a:t>09.06.2022</a:t>
             </a:fld>
             <a:endParaRPr lang="de-DE"/>
           </a:p>
@@ -247,18 +247,18 @@
         </p:nvSpPr>
         <p:spPr>
           <a:xfrm>
-            <a:off x="0" y="8820000"/>
-            <a:ext cx="2971800" cy="324000"/>
+            <a:off x="1" y="9871969"/>
+            <a:ext cx="3078427" cy="362644"/>
           </a:xfrm>
           <a:prstGeom prst="rect">
             <a:avLst/>
           </a:prstGeom>
         </p:spPr>
         <p:txBody>
-          <a:bodyPr vert="horz" lIns="91440" tIns="45720" rIns="91440" bIns="45720" rtlCol="0" anchor="b"/>
+          <a:bodyPr vert="horz" lIns="99075" tIns="49538" rIns="99075" bIns="49538" rtlCol="0" anchor="b"/>
           <a:lstStyle>
             <a:lvl1pPr algn="l">
-              <a:defRPr sz="1200"/>
+              <a:defRPr sz="1300"/>
             </a:lvl1pPr>
           </a:lstStyle>
           <a:p>
@@ -278,18 +278,18 @@
         </p:nvSpPr>
         <p:spPr>
           <a:xfrm>
-            <a:off x="3884613" y="8820000"/>
-            <a:ext cx="2971800" cy="324000"/>
+            <a:off x="4023993" y="9871969"/>
+            <a:ext cx="3078427" cy="362644"/>
           </a:xfrm>
           <a:prstGeom prst="rect">
             <a:avLst/>
           </a:prstGeom>
         </p:spPr>
         <p:txBody>
-          <a:bodyPr vert="horz" lIns="91440" tIns="45720" rIns="91440" bIns="45720" rtlCol="0" anchor="b"/>
+          <a:bodyPr vert="horz" lIns="99075" tIns="49538" rIns="99075" bIns="49538" rtlCol="0" anchor="b"/>
           <a:lstStyle>
             <a:lvl1pPr algn="r">
-              <a:defRPr sz="1200"/>
+              <a:defRPr sz="1300"/>
             </a:lvl1pPr>
           </a:lstStyle>
           <a:p>
@@ -347,18 +347,18 @@
         </p:nvSpPr>
         <p:spPr>
           <a:xfrm>
-            <a:off x="0" y="0"/>
-            <a:ext cx="2971800" cy="324000"/>
+            <a:off x="1" y="0"/>
+            <a:ext cx="3078427" cy="362644"/>
           </a:xfrm>
           <a:prstGeom prst="rect">
             <a:avLst/>
           </a:prstGeom>
         </p:spPr>
         <p:txBody>
-          <a:bodyPr vert="horz" lIns="91440" tIns="45720" rIns="91440" bIns="45720" rtlCol="0"/>
+          <a:bodyPr vert="horz" lIns="99075" tIns="49538" rIns="99075" bIns="49538" rtlCol="0"/>
           <a:lstStyle>
             <a:lvl1pPr algn="l">
-              <a:defRPr sz="1200"/>
+              <a:defRPr sz="1300"/>
             </a:lvl1pPr>
           </a:lstStyle>
           <a:p>
@@ -378,24 +378,24 @@
         </p:nvSpPr>
         <p:spPr>
           <a:xfrm>
-            <a:off x="3884613" y="0"/>
-            <a:ext cx="2971800" cy="324000"/>
+            <a:off x="4023993" y="0"/>
+            <a:ext cx="3078427" cy="362644"/>
           </a:xfrm>
           <a:prstGeom prst="rect">
             <a:avLst/>
           </a:prstGeom>
         </p:spPr>
         <p:txBody>
-          <a:bodyPr vert="horz" lIns="91440" tIns="45720" rIns="91440" bIns="45720" rtlCol="0"/>
+          <a:bodyPr vert="horz" lIns="99075" tIns="49538" rIns="99075" bIns="49538" rtlCol="0"/>
           <a:lstStyle>
             <a:lvl1pPr algn="r">
-              <a:defRPr sz="1200"/>
+              <a:defRPr sz="1300"/>
             </a:lvl1pPr>
           </a:lstStyle>
           <a:p>
             <a:fld id="{5A4A0280-7445-4B27-8488-589517C4B039}" type="datetimeFigureOut">
               <a:rPr lang="de-DE" smtClean="0"/>
-              <a:t>28.05.2022</a:t>
+              <a:t>09.06.2022</a:t>
             </a:fld>
             <a:endParaRPr lang="de-DE"/>
           </a:p>
@@ -413,8 +413,8 @@
         </p:nvSpPr>
         <p:spPr>
           <a:xfrm>
-            <a:off x="122238" y="447675"/>
-            <a:ext cx="6613525" cy="3721100"/>
+            <a:off x="-4159250" y="501650"/>
+            <a:ext cx="15422563" cy="4164013"/>
           </a:xfrm>
           <a:prstGeom prst="rect">
             <a:avLst/>
@@ -427,7 +427,7 @@
           </a:ln>
         </p:spPr>
         <p:txBody>
-          <a:bodyPr vert="horz" lIns="91440" tIns="45720" rIns="91440" bIns="45720" rtlCol="0" anchor="ctr"/>
+          <a:bodyPr vert="horz" lIns="99075" tIns="49538" rIns="99075" bIns="49538" rtlCol="0" anchor="ctr"/>
           <a:lstStyle/>
           <a:p>
             <a:endParaRPr lang="de-DE"/>
@@ -446,8 +446,8 @@
         </p:nvSpPr>
         <p:spPr>
           <a:xfrm>
-            <a:off x="669925" y="4286992"/>
-            <a:ext cx="5518150" cy="4429496"/>
+            <a:off x="693962" y="4798305"/>
+            <a:ext cx="5716140" cy="4957806"/>
           </a:xfrm>
           <a:prstGeom prst="rect">
             <a:avLst/>
@@ -533,18 +533,18 @@
         </p:nvSpPr>
         <p:spPr>
           <a:xfrm>
-            <a:off x="0" y="8820000"/>
-            <a:ext cx="2971800" cy="324000"/>
+            <a:off x="1" y="9871969"/>
+            <a:ext cx="3078427" cy="362644"/>
           </a:xfrm>
           <a:prstGeom prst="rect">
             <a:avLst/>
           </a:prstGeom>
         </p:spPr>
         <p:txBody>
-          <a:bodyPr vert="horz" lIns="91440" tIns="45720" rIns="91440" bIns="45720" rtlCol="0" anchor="b"/>
+          <a:bodyPr vert="horz" lIns="99075" tIns="49538" rIns="99075" bIns="49538" rtlCol="0" anchor="b"/>
           <a:lstStyle>
             <a:lvl1pPr algn="l">
-              <a:defRPr sz="1200"/>
+              <a:defRPr sz="1300"/>
             </a:lvl1pPr>
           </a:lstStyle>
           <a:p>
@@ -564,18 +564,18 @@
         </p:nvSpPr>
         <p:spPr>
           <a:xfrm>
-            <a:off x="3884613" y="8820000"/>
-            <a:ext cx="2971800" cy="324000"/>
+            <a:off x="4023993" y="9871969"/>
+            <a:ext cx="3078427" cy="362644"/>
           </a:xfrm>
           <a:prstGeom prst="rect">
             <a:avLst/>
           </a:prstGeom>
         </p:spPr>
         <p:txBody>
-          <a:bodyPr vert="horz" lIns="91440" tIns="45720" rIns="91440" bIns="45720" rtlCol="0" anchor="b"/>
+          <a:bodyPr vert="horz" lIns="99075" tIns="49538" rIns="99075" bIns="49538" rtlCol="0" anchor="b"/>
           <a:lstStyle>
             <a:lvl1pPr algn="r">
-              <a:defRPr sz="1200"/>
+              <a:defRPr sz="1300"/>
             </a:lvl1pPr>
           </a:lstStyle>
           <a:p>
@@ -597,8 +597,8 @@
   <p:clrMap bg1="lt1" tx1="dk1" bg2="lt2" tx2="dk2" accent1="accent1" accent2="accent2" accent3="accent3" accent4="accent4" accent5="accent5" accent6="accent6" hlink="hlink" folHlink="folHlink"/>
   <p:hf sldNum="0" hdr="0" ftr="0" dt="0"/>
   <p:notesStyle>
-    <a:lvl1pPr marL="0" algn="l" defTabSz="914400" rtl="0" eaLnBrk="1" latinLnBrk="0" hangingPunct="1">
-      <a:defRPr sz="1200" kern="1200">
+    <a:lvl1pPr marL="0" algn="l" defTabSz="591106" rtl="0" eaLnBrk="1" latinLnBrk="0" hangingPunct="1">
+      <a:defRPr sz="775" kern="1200">
         <a:solidFill>
           <a:schemeClr val="tx1"/>
         </a:solidFill>
@@ -607,9 +607,9 @@
         <a:cs typeface="+mn-cs"/>
       </a:defRPr>
     </a:lvl1pPr>
-    <a:lvl2pPr marL="88900" indent="-88900" algn="l" defTabSz="914400" rtl="0" eaLnBrk="1" latinLnBrk="0" hangingPunct="1">
+    <a:lvl2pPr marL="57469" indent="-57469" algn="l" defTabSz="591106" rtl="0" eaLnBrk="1" latinLnBrk="0" hangingPunct="1">
       <a:lnSpc>
-        <a:spcPts val="1530"/>
+        <a:spcPts val="989"/>
       </a:lnSpc>
       <a:buClr>
         <a:schemeClr val="tx1"/>
@@ -617,7 +617,7 @@
       <a:buSzPct val="90000"/>
       <a:buFont typeface="Arial" pitchFamily="34" charset="0"/>
       <a:buChar char="•"/>
-      <a:defRPr sz="1200" kern="1200">
+      <a:defRPr sz="775" kern="1200">
         <a:solidFill>
           <a:schemeClr val="tx1"/>
         </a:solidFill>
@@ -626,9 +626,9 @@
         <a:cs typeface="+mn-cs"/>
       </a:defRPr>
     </a:lvl2pPr>
-    <a:lvl3pPr marL="177800" indent="-88900" algn="l" defTabSz="914400" rtl="0" eaLnBrk="1" latinLnBrk="0" hangingPunct="1">
+    <a:lvl3pPr marL="114938" indent="-57469" algn="l" defTabSz="591106" rtl="0" eaLnBrk="1" latinLnBrk="0" hangingPunct="1">
       <a:lnSpc>
-        <a:spcPts val="1530"/>
+        <a:spcPts val="989"/>
       </a:lnSpc>
       <a:buClr>
         <a:schemeClr val="tx1"/>
@@ -636,7 +636,7 @@
       <a:buSzPct val="90000"/>
       <a:buFont typeface="Arial" pitchFamily="34" charset="0"/>
       <a:buChar char="•"/>
-      <a:defRPr sz="1200" kern="1200">
+      <a:defRPr sz="775" kern="1200">
         <a:solidFill>
           <a:schemeClr val="tx1"/>
         </a:solidFill>
@@ -645,9 +645,9 @@
         <a:cs typeface="+mn-cs"/>
       </a:defRPr>
     </a:lvl3pPr>
-    <a:lvl4pPr marL="266700" indent="-88900" algn="l" defTabSz="914400" rtl="0" eaLnBrk="1" latinLnBrk="0" hangingPunct="1">
+    <a:lvl4pPr marL="172407" indent="-57469" algn="l" defTabSz="591106" rtl="0" eaLnBrk="1" latinLnBrk="0" hangingPunct="1">
       <a:lnSpc>
-        <a:spcPts val="1530"/>
+        <a:spcPts val="989"/>
       </a:lnSpc>
       <a:buClr>
         <a:schemeClr val="tx1"/>
@@ -655,7 +655,7 @@
       <a:buSzPct val="90000"/>
       <a:buFont typeface="Arial" pitchFamily="34" charset="0"/>
       <a:buChar char="•"/>
-      <a:defRPr sz="1200" kern="1200">
+      <a:defRPr sz="775" kern="1200">
         <a:solidFill>
           <a:schemeClr val="tx1"/>
         </a:solidFill>
@@ -664,9 +664,9 @@
         <a:cs typeface="+mn-cs"/>
       </a:defRPr>
     </a:lvl4pPr>
-    <a:lvl5pPr marL="361950" indent="-95250" algn="l" defTabSz="914400" rtl="0" eaLnBrk="1" latinLnBrk="0" hangingPunct="1">
+    <a:lvl5pPr marL="233980" indent="-61573" algn="l" defTabSz="591106" rtl="0" eaLnBrk="1" latinLnBrk="0" hangingPunct="1">
       <a:lnSpc>
-        <a:spcPts val="1530"/>
+        <a:spcPts val="989"/>
       </a:lnSpc>
       <a:buClr>
         <a:schemeClr val="tx1"/>
@@ -674,7 +674,7 @@
       <a:buSzPct val="90000"/>
       <a:buFont typeface="Arial" pitchFamily="34" charset="0"/>
       <a:buChar char="•"/>
-      <a:defRPr sz="1200" kern="1200">
+      <a:defRPr sz="775" kern="1200">
         <a:solidFill>
           <a:schemeClr val="tx1"/>
         </a:solidFill>
@@ -683,9 +683,9 @@
         <a:cs typeface="+mn-cs"/>
       </a:defRPr>
     </a:lvl5pPr>
-    <a:lvl6pPr marL="450850" indent="-88900" algn="l" defTabSz="914400" rtl="0" eaLnBrk="1" latinLnBrk="0" hangingPunct="1">
+    <a:lvl6pPr marL="291449" indent="-57469" algn="l" defTabSz="591106" rtl="0" eaLnBrk="1" latinLnBrk="0" hangingPunct="1">
       <a:lnSpc>
-        <a:spcPts val="1530"/>
+        <a:spcPts val="989"/>
       </a:lnSpc>
       <a:buClr>
         <a:schemeClr val="tx1"/>
@@ -693,7 +693,7 @@
       <a:buSzPct val="90000"/>
       <a:buFont typeface="Arial" pitchFamily="34" charset="0"/>
       <a:buChar char="•"/>
-      <a:defRPr sz="1200" kern="1200">
+      <a:defRPr sz="775" kern="1200">
         <a:solidFill>
           <a:schemeClr val="tx1"/>
         </a:solidFill>
@@ -702,9 +702,9 @@
         <a:cs typeface="+mn-cs"/>
       </a:defRPr>
     </a:lvl6pPr>
-    <a:lvl7pPr marL="450850" indent="-88900" algn="l" defTabSz="914400" rtl="0" eaLnBrk="1" latinLnBrk="0" hangingPunct="1">
+    <a:lvl7pPr marL="291449" indent="-57469" algn="l" defTabSz="591106" rtl="0" eaLnBrk="1" latinLnBrk="0" hangingPunct="1">
       <a:lnSpc>
-        <a:spcPts val="1530"/>
+        <a:spcPts val="989"/>
       </a:lnSpc>
       <a:buClr>
         <a:schemeClr val="tx1"/>
@@ -712,7 +712,7 @@
       <a:buSzPct val="90000"/>
       <a:buFont typeface="Arial" pitchFamily="34" charset="0"/>
       <a:buChar char="•"/>
-      <a:defRPr sz="1200" kern="1200">
+      <a:defRPr sz="775" kern="1200">
         <a:solidFill>
           <a:schemeClr val="tx1"/>
         </a:solidFill>
@@ -721,9 +721,9 @@
         <a:cs typeface="+mn-cs"/>
       </a:defRPr>
     </a:lvl7pPr>
-    <a:lvl8pPr marL="450850" indent="-88900" algn="l" defTabSz="914400" rtl="0" eaLnBrk="1" latinLnBrk="0" hangingPunct="1">
+    <a:lvl8pPr marL="291449" indent="-57469" algn="l" defTabSz="591106" rtl="0" eaLnBrk="1" latinLnBrk="0" hangingPunct="1">
       <a:lnSpc>
-        <a:spcPts val="1530"/>
+        <a:spcPts val="989"/>
       </a:lnSpc>
       <a:buClr>
         <a:schemeClr val="tx1"/>
@@ -731,7 +731,7 @@
       <a:buSzPct val="90000"/>
       <a:buFont typeface="Arial" pitchFamily="34" charset="0"/>
       <a:buChar char="•"/>
-      <a:defRPr sz="1200" kern="1200">
+      <a:defRPr sz="775" kern="1200">
         <a:solidFill>
           <a:schemeClr val="tx1"/>
         </a:solidFill>
@@ -740,9 +740,9 @@
         <a:cs typeface="+mn-cs"/>
       </a:defRPr>
     </a:lvl8pPr>
-    <a:lvl9pPr marL="450850" indent="-88900" algn="l" defTabSz="914400" rtl="0" eaLnBrk="1" latinLnBrk="0" hangingPunct="1">
+    <a:lvl9pPr marL="291449" indent="-57469" algn="l" defTabSz="591106" rtl="0" eaLnBrk="1" latinLnBrk="0" hangingPunct="1">
       <a:lnSpc>
-        <a:spcPts val="1530"/>
+        <a:spcPts val="989"/>
       </a:lnSpc>
       <a:buClr>
         <a:schemeClr val="tx1"/>
@@ -750,7 +750,7 @@
       <a:buSzPct val="90000"/>
       <a:buFont typeface="Arial" pitchFamily="34" charset="0"/>
       <a:buChar char="•"/>
-      <a:defRPr sz="1200" kern="1200">
+      <a:defRPr sz="775" kern="1200">
         <a:solidFill>
           <a:schemeClr val="tx1"/>
         </a:solidFill>
@@ -790,7 +790,12 @@
             <p:ph type="sldImg"/>
           </p:nvPr>
         </p:nvSpPr>
-        <p:spPr/>
+        <p:spPr>
+          <a:xfrm>
+            <a:off x="-4159250" y="501650"/>
+            <a:ext cx="15422563" cy="4164013"/>
+          </a:xfrm>
+        </p:spPr>
       </p:sp>
       <p:sp>
         <p:nvSpPr>
@@ -850,56 +855,6 @@
           <a:chExt cx="0" cy="0"/>
         </a:xfrm>
       </p:grpSpPr>
-      <p:pic>
-        <p:nvPicPr>
-          <p:cNvPr id="5" name="Picture 3">
-            <a:extLst>
-              <a:ext uri="{FF2B5EF4-FFF2-40B4-BE49-F238E27FC236}">
-                <a16:creationId xmlns:a16="http://schemas.microsoft.com/office/drawing/2014/main" id="{8583D35B-AE2F-4BB5-9B4C-650A03BB37B4}"/>
-              </a:ext>
-            </a:extLst>
-          </p:cNvPr>
-          <p:cNvPicPr>
-            <a:picLocks noChangeAspect="1" noChangeArrowheads="1"/>
-          </p:cNvPicPr>
-          <p:nvPr userDrawn="1">
-            <p:custDataLst>
-              <p:tags r:id="rId1"/>
-            </p:custDataLst>
-          </p:nvPr>
-        </p:nvPicPr>
-        <p:blipFill>
-          <a:blip r:embed="rId3" cstate="print">
-            <a:extLst>
-              <a:ext uri="{28A0092B-C50C-407E-A947-70E740481C1C}">
-                <a14:useLocalDpi xmlns:a14="http://schemas.microsoft.com/office/drawing/2010/main"/>
-              </a:ext>
-            </a:extLst>
-          </a:blip>
-          <a:stretch>
-            <a:fillRect/>
-          </a:stretch>
-        </p:blipFill>
-        <p:spPr bwMode="auto">
-          <a:xfrm>
-            <a:off x="3645557" y="2121381"/>
-            <a:ext cx="2879999" cy="1478589"/>
-          </a:xfrm>
-          <a:prstGeom prst="rect">
-            <a:avLst/>
-          </a:prstGeom>
-          <a:noFill/>
-          <a:extLst>
-            <a:ext uri="{909E8E84-426E-40DD-AFC4-6F175D3DCCD1}">
-              <a14:hiddenFill xmlns:a14="http://schemas.microsoft.com/office/drawing/2010/main">
-                <a:solidFill>
-                  <a:srgbClr val="FFFFFF"/>
-                </a:solidFill>
-              </a14:hiddenFill>
-            </a:ext>
-          </a:extLst>
-        </p:spPr>
-      </p:pic>
     </p:spTree>
     <p:extLst>
       <p:ext uri="{BB962C8B-B14F-4D97-AF65-F5344CB8AC3E}">
@@ -944,8 +899,8 @@
         </p:nvSpPr>
         <p:spPr>
           <a:xfrm>
-            <a:off x="761069" y="842310"/>
-            <a:ext cx="9410045" cy="4036730"/>
+            <a:off x="684216" y="363428"/>
+            <a:ext cx="8459788" cy="1741708"/>
           </a:xfrm>
           <a:prstGeom prst="rect">
             <a:avLst/>
@@ -978,13 +933,13 @@
           </a:fontRef>
         </p:style>
         <p:txBody>
-          <a:bodyPr wrap="none" lIns="120131" tIns="40044" rIns="120131" bIns="40044" rtlCol="0" anchor="ctr" anchorCtr="0">
+          <a:bodyPr wrap="none" lIns="160175" tIns="53392" rIns="160175" bIns="53392" rtlCol="0" anchor="ctr" anchorCtr="0">
             <a:normAutofit/>
           </a:bodyPr>
           <a:lstStyle/>
           <a:p>
             <a:pPr algn="ctr"/>
-            <a:endParaRPr lang="de-DE" sz="2002" dirty="0" err="1">
+            <a:endParaRPr lang="de-DE" sz="2670" dirty="0" err="1">
               <a:latin typeface="+mj-lt"/>
             </a:endParaRPr>
           </a:p>
@@ -1008,8 +963,8 @@
         </p:nvSpPr>
         <p:spPr>
           <a:xfrm>
-            <a:off x="307024" y="264556"/>
-            <a:ext cx="9587864" cy="369332"/>
+            <a:off x="276023" y="114148"/>
+            <a:ext cx="8619650" cy="159354"/>
           </a:xfrm>
           <a:prstGeom prst="rect">
             <a:avLst/>
@@ -1025,7 +980,7 @@
           <a:p>
             <a:pPr algn="l"/>
             <a:r>
-              <a:rPr lang="de-DE" sz="2400" b="1" dirty="0"/>
+              <a:rPr lang="de-DE" sz="3200" b="1" dirty="0"/>
               <a:t>Überschrift durch Klicken hinzufügen</a:t>
             </a:r>
           </a:p>
@@ -1049,8 +1004,8 @@
         </p:nvSpPr>
         <p:spPr>
           <a:xfrm>
-            <a:off x="1045288" y="1124607"/>
-            <a:ext cx="8848725" cy="3468906"/>
+            <a:off x="939734" y="485233"/>
+            <a:ext cx="7955151" cy="1496713"/>
           </a:xfrm>
           <a:prstGeom prst="rect">
             <a:avLst/>
@@ -1062,39 +1017,39 @@
             <a:noAutofit/>
           </a:bodyPr>
           <a:lstStyle>
-            <a:lvl1pPr marL="200214" indent="-200214">
+            <a:lvl1pPr marL="266957" indent="-266957">
               <a:spcBef>
-                <a:spcPts val="667"/>
+                <a:spcPts val="889"/>
               </a:spcBef>
               <a:buFontTx/>
               <a:buBlip>
                 <a:blip r:embed="rId2"/>
               </a:buBlip>
-              <a:defRPr sz="1200">
+              <a:defRPr sz="1600">
                 <a:solidFill>
                   <a:schemeClr val="tx1"/>
                 </a:solidFill>
               </a:defRPr>
             </a:lvl1pPr>
-            <a:lvl2pPr marL="600642" indent="-200214">
+            <a:lvl2pPr marL="800875" indent="-266957">
               <a:spcBef>
-                <a:spcPts val="667"/>
+                <a:spcPts val="889"/>
               </a:spcBef>
-              <a:defRPr sz="1200">
+              <a:defRPr sz="1600">
                 <a:solidFill>
                   <a:schemeClr val="tx1"/>
                 </a:solidFill>
               </a:defRPr>
             </a:lvl2pPr>
-            <a:lvl3pPr marL="1201284" indent="-200214">
+            <a:lvl3pPr marL="1601750" indent="-266957">
               <a:spcBef>
-                <a:spcPts val="667"/>
+                <a:spcPts val="889"/>
               </a:spcBef>
               <a:buFontTx/>
               <a:buBlip>
                 <a:blip r:embed="rId2"/>
               </a:buBlip>
-              <a:defRPr sz="1200">
+              <a:defRPr sz="1600">
                 <a:solidFill>
                   <a:schemeClr val="tx1"/>
                 </a:solidFill>
@@ -1102,9 +1057,9 @@
             </a:lvl3pPr>
             <a:lvl4pPr>
               <a:spcBef>
-                <a:spcPts val="667"/>
+                <a:spcPts val="889"/>
               </a:spcBef>
-              <a:defRPr sz="1200">
+              <a:defRPr sz="1600">
                 <a:solidFill>
                   <a:schemeClr val="tx1"/>
                 </a:solidFill>
@@ -1112,9 +1067,9 @@
             </a:lvl4pPr>
             <a:lvl5pPr>
               <a:spcBef>
-                <a:spcPts val="667"/>
+                <a:spcPts val="889"/>
               </a:spcBef>
-              <a:defRPr sz="1200">
+              <a:defRPr sz="1600">
                 <a:solidFill>
                   <a:schemeClr val="tx1"/>
                 </a:solidFill>
@@ -1202,8 +1157,8 @@
         </p:nvSpPr>
         <p:spPr>
           <a:xfrm>
-            <a:off x="761069" y="842310"/>
-            <a:ext cx="9410045" cy="4036730"/>
+            <a:off x="684216" y="363428"/>
+            <a:ext cx="8459788" cy="1741708"/>
           </a:xfrm>
           <a:prstGeom prst="rect">
             <a:avLst/>
@@ -1236,13 +1191,13 @@
           </a:fontRef>
         </p:style>
         <p:txBody>
-          <a:bodyPr wrap="none" lIns="120131" tIns="40044" rIns="120131" bIns="40044" rtlCol="0" anchor="ctr" anchorCtr="0">
+          <a:bodyPr wrap="none" lIns="160175" tIns="53392" rIns="160175" bIns="53392" rtlCol="0" anchor="ctr" anchorCtr="0">
             <a:normAutofit/>
           </a:bodyPr>
           <a:lstStyle/>
           <a:p>
             <a:pPr algn="ctr"/>
-            <a:endParaRPr lang="de-DE" sz="2002" dirty="0" err="1">
+            <a:endParaRPr lang="de-DE" sz="2670" dirty="0" err="1">
               <a:latin typeface="+mj-lt"/>
             </a:endParaRPr>
           </a:p>
@@ -1266,8 +1221,8 @@
         </p:nvSpPr>
         <p:spPr>
           <a:xfrm>
-            <a:off x="1045289" y="1127840"/>
-            <a:ext cx="2759949" cy="3471148"/>
+            <a:off x="939732" y="486628"/>
+            <a:ext cx="2481240" cy="1497679"/>
           </a:xfrm>
           <a:prstGeom prst="rect">
             <a:avLst/>
@@ -1279,53 +1234,53 @@
             <a:noAutofit/>
           </a:bodyPr>
           <a:lstStyle>
-            <a:lvl1pPr marL="200214" indent="-200214">
+            <a:lvl1pPr marL="266957" indent="-266957">
               <a:spcBef>
-                <a:spcPts val="667"/>
+                <a:spcPts val="889"/>
               </a:spcBef>
               <a:buFontTx/>
               <a:buBlip>
                 <a:blip r:embed="rId2"/>
               </a:buBlip>
-              <a:defRPr sz="1200">
+              <a:defRPr sz="1600">
                 <a:solidFill>
                   <a:schemeClr val="tx1"/>
                 </a:solidFill>
               </a:defRPr>
             </a:lvl1pPr>
-            <a:lvl2pPr marL="600642" indent="-200214">
+            <a:lvl2pPr marL="800875" indent="-266957">
               <a:spcBef>
-                <a:spcPts val="667"/>
+                <a:spcPts val="889"/>
               </a:spcBef>
-              <a:defRPr sz="1200">
+              <a:defRPr sz="1600">
                 <a:solidFill>
                   <a:schemeClr val="tx1"/>
                 </a:solidFill>
               </a:defRPr>
             </a:lvl2pPr>
-            <a:lvl3pPr marL="1201284" indent="-200214">
+            <a:lvl3pPr marL="1601750" indent="-266957">
               <a:spcBef>
-                <a:spcPts val="667"/>
+                <a:spcPts val="889"/>
               </a:spcBef>
               <a:buFontTx/>
               <a:buBlip>
                 <a:blip r:embed="rId2"/>
               </a:buBlip>
-              <a:defRPr sz="1200">
+              <a:defRPr sz="1600">
                 <a:solidFill>
                   <a:schemeClr val="tx1"/>
                 </a:solidFill>
               </a:defRPr>
             </a:lvl3pPr>
             <a:lvl4pPr>
-              <a:defRPr sz="1557">
+              <a:defRPr sz="2077">
                 <a:solidFill>
                   <a:schemeClr val="tx1"/>
                 </a:solidFill>
               </a:defRPr>
             </a:lvl4pPr>
             <a:lvl5pPr>
-              <a:defRPr sz="1557">
+              <a:defRPr sz="2077">
                 <a:solidFill>
                   <a:schemeClr val="tx1"/>
                 </a:solidFill>
@@ -1373,8 +1328,8 @@
         </p:nvSpPr>
         <p:spPr>
           <a:xfrm>
-            <a:off x="4095114" y="1127840"/>
-            <a:ext cx="2754673" cy="3471148"/>
+            <a:off x="3681578" y="486628"/>
+            <a:ext cx="2476498" cy="1497679"/>
           </a:xfrm>
           <a:prstGeom prst="rect">
             <a:avLst/>
@@ -1386,53 +1341,53 @@
             <a:noAutofit/>
           </a:bodyPr>
           <a:lstStyle>
-            <a:lvl1pPr marL="200214" indent="-200214">
+            <a:lvl1pPr marL="266957" indent="-266957">
               <a:spcBef>
-                <a:spcPts val="667"/>
+                <a:spcPts val="889"/>
               </a:spcBef>
               <a:buFontTx/>
               <a:buBlip>
                 <a:blip r:embed="rId2"/>
               </a:buBlip>
-              <a:defRPr sz="1200">
+              <a:defRPr sz="1600">
                 <a:solidFill>
                   <a:schemeClr val="tx1"/>
                 </a:solidFill>
               </a:defRPr>
             </a:lvl1pPr>
-            <a:lvl2pPr marL="600642" indent="-200214">
+            <a:lvl2pPr marL="800875" indent="-266957">
               <a:spcBef>
-                <a:spcPts val="667"/>
+                <a:spcPts val="889"/>
               </a:spcBef>
-              <a:defRPr sz="1200">
+              <a:defRPr sz="1600">
                 <a:solidFill>
                   <a:schemeClr val="tx1"/>
                 </a:solidFill>
               </a:defRPr>
             </a:lvl2pPr>
-            <a:lvl3pPr marL="1201284" indent="-200214">
+            <a:lvl3pPr marL="1601750" indent="-266957">
               <a:spcBef>
-                <a:spcPts val="667"/>
+                <a:spcPts val="889"/>
               </a:spcBef>
               <a:buFontTx/>
               <a:buBlip>
                 <a:blip r:embed="rId2"/>
               </a:buBlip>
-              <a:defRPr sz="1200">
+              <a:defRPr sz="1600">
                 <a:solidFill>
                   <a:schemeClr val="tx1"/>
                 </a:solidFill>
               </a:defRPr>
             </a:lvl3pPr>
             <a:lvl4pPr>
-              <a:defRPr sz="1557">
+              <a:defRPr sz="2077">
                 <a:solidFill>
                   <a:schemeClr val="tx1"/>
                 </a:solidFill>
               </a:defRPr>
             </a:lvl4pPr>
             <a:lvl5pPr>
-              <a:defRPr sz="1557">
+              <a:defRPr sz="2077">
                 <a:solidFill>
                   <a:schemeClr val="tx1"/>
                 </a:solidFill>
@@ -1480,8 +1435,8 @@
         </p:nvSpPr>
         <p:spPr>
           <a:xfrm>
-            <a:off x="7139464" y="1127840"/>
-            <a:ext cx="2754673" cy="3471148"/>
+            <a:off x="6418499" y="486628"/>
+            <a:ext cx="2476498" cy="1497679"/>
           </a:xfrm>
           <a:prstGeom prst="rect">
             <a:avLst/>
@@ -1493,53 +1448,53 @@
             <a:noAutofit/>
           </a:bodyPr>
           <a:lstStyle>
-            <a:lvl1pPr marL="200214" indent="-200214">
+            <a:lvl1pPr marL="266957" indent="-266957">
               <a:spcBef>
-                <a:spcPts val="667"/>
+                <a:spcPts val="889"/>
               </a:spcBef>
               <a:buFontTx/>
               <a:buBlip>
                 <a:blip r:embed="rId2"/>
               </a:buBlip>
-              <a:defRPr sz="1200">
+              <a:defRPr sz="1600">
                 <a:solidFill>
                   <a:schemeClr val="tx1"/>
                 </a:solidFill>
               </a:defRPr>
             </a:lvl1pPr>
-            <a:lvl2pPr marL="600642" indent="-200214">
+            <a:lvl2pPr marL="800875" indent="-266957">
               <a:spcBef>
-                <a:spcPts val="667"/>
+                <a:spcPts val="889"/>
               </a:spcBef>
-              <a:defRPr sz="1200">
+              <a:defRPr sz="1600">
                 <a:solidFill>
                   <a:schemeClr val="tx1"/>
                 </a:solidFill>
               </a:defRPr>
             </a:lvl2pPr>
-            <a:lvl3pPr marL="1201284" indent="-200214">
+            <a:lvl3pPr marL="1601750" indent="-266957">
               <a:spcBef>
-                <a:spcPts val="667"/>
+                <a:spcPts val="889"/>
               </a:spcBef>
               <a:buFontTx/>
               <a:buBlip>
                 <a:blip r:embed="rId2"/>
               </a:buBlip>
-              <a:defRPr sz="1200">
+              <a:defRPr sz="1600">
                 <a:solidFill>
                   <a:schemeClr val="tx1"/>
                 </a:solidFill>
               </a:defRPr>
             </a:lvl3pPr>
             <a:lvl4pPr>
-              <a:defRPr sz="1557">
+              <a:defRPr sz="2077">
                 <a:solidFill>
                   <a:schemeClr val="tx1"/>
                 </a:solidFill>
               </a:defRPr>
             </a:lvl4pPr>
             <a:lvl5pPr>
-              <a:defRPr sz="1557">
+              <a:defRPr sz="2077">
                 <a:solidFill>
                   <a:schemeClr val="tx1"/>
                 </a:solidFill>
@@ -1587,8 +1542,8 @@
         </p:nvSpPr>
         <p:spPr>
           <a:xfrm>
-            <a:off x="307024" y="264556"/>
-            <a:ext cx="9587864" cy="369332"/>
+            <a:off x="276023" y="114148"/>
+            <a:ext cx="8619650" cy="159354"/>
           </a:xfrm>
           <a:prstGeom prst="rect">
             <a:avLst/>
@@ -1604,7 +1559,7 @@
           <a:p>
             <a:pPr algn="l"/>
             <a:r>
-              <a:rPr lang="de-DE" sz="2400" b="1" dirty="0"/>
+              <a:rPr lang="de-DE" sz="3200" b="1" dirty="0"/>
               <a:t>Überschrift durch Klicken hinzufügen</a:t>
             </a:r>
           </a:p>
@@ -1654,8 +1609,8 @@
         </p:nvSpPr>
         <p:spPr>
           <a:xfrm>
-            <a:off x="761069" y="842310"/>
-            <a:ext cx="9410045" cy="4036730"/>
+            <a:off x="684216" y="363428"/>
+            <a:ext cx="8459788" cy="1741708"/>
           </a:xfrm>
           <a:prstGeom prst="rect">
             <a:avLst/>
@@ -1688,13 +1643,13 @@
           </a:fontRef>
         </p:style>
         <p:txBody>
-          <a:bodyPr wrap="none" lIns="120131" tIns="40044" rIns="120131" bIns="40044" rtlCol="0" anchor="ctr" anchorCtr="0">
+          <a:bodyPr wrap="none" lIns="160175" tIns="53392" rIns="160175" bIns="53392" rtlCol="0" anchor="ctr" anchorCtr="0">
             <a:normAutofit/>
           </a:bodyPr>
           <a:lstStyle/>
           <a:p>
             <a:pPr algn="ctr"/>
-            <a:endParaRPr lang="de-DE" sz="2002" dirty="0" err="1">
+            <a:endParaRPr lang="de-DE" sz="2670" dirty="0" err="1">
               <a:latin typeface="+mj-lt"/>
             </a:endParaRPr>
           </a:p>
@@ -1718,8 +1673,8 @@
         </p:nvSpPr>
         <p:spPr>
           <a:xfrm>
-            <a:off x="7134510" y="845489"/>
-            <a:ext cx="3036603" cy="4033551"/>
+            <a:off x="6414043" y="364798"/>
+            <a:ext cx="2729958" cy="1740337"/>
           </a:xfrm>
           <a:prstGeom prst="rect">
             <a:avLst/>
@@ -1730,7 +1685,7 @@
           <a:lstStyle>
             <a:lvl1pPr marL="0" indent="0" algn="ctr">
               <a:buNone/>
-              <a:defRPr sz="1335"/>
+              <a:defRPr sz="1781"/>
             </a:lvl1pPr>
           </a:lstStyle>
           <a:p>
@@ -1760,8 +1715,8 @@
         </p:nvSpPr>
         <p:spPr>
           <a:xfrm>
-            <a:off x="1045289" y="1127838"/>
-            <a:ext cx="5804774" cy="3471149"/>
+            <a:off x="939734" y="486625"/>
+            <a:ext cx="5218590" cy="1497680"/>
           </a:xfrm>
           <a:prstGeom prst="rect">
             <a:avLst/>
@@ -1773,53 +1728,53 @@
             <a:noAutofit/>
           </a:bodyPr>
           <a:lstStyle>
-            <a:lvl1pPr marL="200214" indent="-200214">
+            <a:lvl1pPr marL="266957" indent="-266957">
               <a:spcBef>
-                <a:spcPts val="667"/>
+                <a:spcPts val="889"/>
               </a:spcBef>
               <a:buFontTx/>
               <a:buBlip>
                 <a:blip r:embed="rId2"/>
               </a:buBlip>
-              <a:defRPr sz="1200">
+              <a:defRPr sz="1600">
                 <a:solidFill>
                   <a:schemeClr val="tx1"/>
                 </a:solidFill>
               </a:defRPr>
             </a:lvl1pPr>
-            <a:lvl2pPr marL="600642" indent="-200214">
+            <a:lvl2pPr marL="800875" indent="-266957">
               <a:spcBef>
-                <a:spcPts val="667"/>
+                <a:spcPts val="889"/>
               </a:spcBef>
-              <a:defRPr sz="1200">
+              <a:defRPr sz="1600">
                 <a:solidFill>
                   <a:schemeClr val="tx1"/>
                 </a:solidFill>
               </a:defRPr>
             </a:lvl2pPr>
-            <a:lvl3pPr marL="1201284" indent="-200214">
+            <a:lvl3pPr marL="1601750" indent="-266957">
               <a:spcBef>
-                <a:spcPts val="667"/>
+                <a:spcPts val="889"/>
               </a:spcBef>
               <a:buFontTx/>
               <a:buBlip>
                 <a:blip r:embed="rId2"/>
               </a:buBlip>
-              <a:defRPr sz="1200">
+              <a:defRPr sz="1600">
                 <a:solidFill>
                   <a:schemeClr val="tx1"/>
                 </a:solidFill>
               </a:defRPr>
             </a:lvl3pPr>
             <a:lvl4pPr>
-              <a:defRPr sz="1557">
+              <a:defRPr sz="2077">
                 <a:solidFill>
                   <a:schemeClr val="tx1"/>
                 </a:solidFill>
               </a:defRPr>
             </a:lvl4pPr>
             <a:lvl5pPr>
-              <a:defRPr sz="1557">
+              <a:defRPr sz="2077">
                 <a:solidFill>
                   <a:schemeClr val="tx1"/>
                 </a:solidFill>
@@ -1867,8 +1822,8 @@
         </p:nvSpPr>
         <p:spPr>
           <a:xfrm>
-            <a:off x="307024" y="264556"/>
-            <a:ext cx="9587864" cy="369332"/>
+            <a:off x="276023" y="114148"/>
+            <a:ext cx="8619650" cy="159354"/>
           </a:xfrm>
           <a:prstGeom prst="rect">
             <a:avLst/>
@@ -1884,7 +1839,7 @@
           <a:p>
             <a:pPr algn="l"/>
             <a:r>
-              <a:rPr lang="de-DE" sz="2400" b="1" dirty="0"/>
+              <a:rPr lang="de-DE" sz="3200" b="1" dirty="0"/>
               <a:t>Überschrift durch Klicken hinzufügen</a:t>
             </a:r>
           </a:p>
@@ -1938,8 +1893,8 @@
         </p:nvSpPr>
         <p:spPr>
           <a:xfrm>
-            <a:off x="4535861" y="847607"/>
-            <a:ext cx="5637642" cy="2496244"/>
+            <a:off x="4077818" y="365714"/>
+            <a:ext cx="5068332" cy="1077041"/>
           </a:xfrm>
           <a:custGeom>
             <a:avLst/>
@@ -2096,7 +2051,7 @@
           <a:lstStyle>
             <a:lvl1pPr marL="0" indent="0" algn="ctr">
               <a:buNone/>
-              <a:defRPr sz="1335"/>
+              <a:defRPr sz="1781"/>
             </a:lvl1pPr>
           </a:lstStyle>
           <a:p>
@@ -2122,8 +2077,8 @@
         </p:nvSpPr>
         <p:spPr>
           <a:xfrm flipH="1">
-            <a:off x="5725650" y="3338030"/>
-            <a:ext cx="4447087" cy="1541006"/>
+            <a:off x="5147460" y="1440243"/>
+            <a:ext cx="3998007" cy="664890"/>
           </a:xfrm>
           <a:custGeom>
             <a:avLst/>
@@ -2275,13 +2230,13 @@
           </a:fontRef>
         </p:style>
         <p:txBody>
-          <a:bodyPr wrap="none" lIns="120131" tIns="40044" rIns="120131" bIns="40044" rtlCol="0" anchor="ctr" anchorCtr="0">
+          <a:bodyPr wrap="none" lIns="160175" tIns="53392" rIns="160175" bIns="53392" rtlCol="0" anchor="ctr" anchorCtr="0">
             <a:normAutofit/>
           </a:bodyPr>
           <a:lstStyle/>
           <a:p>
             <a:pPr algn="ctr"/>
-            <a:endParaRPr lang="de-DE" sz="2002" dirty="0" err="1">
+            <a:endParaRPr lang="de-DE" sz="2670" dirty="0" err="1">
               <a:latin typeface="+mj-lt"/>
             </a:endParaRPr>
           </a:p>
@@ -2305,8 +2260,8 @@
         </p:nvSpPr>
         <p:spPr>
           <a:xfrm>
-            <a:off x="768302" y="847608"/>
-            <a:ext cx="4895494" cy="2493378"/>
+            <a:off x="690719" y="365714"/>
+            <a:ext cx="4401130" cy="1075806"/>
           </a:xfrm>
           <a:custGeom>
             <a:avLst/>
@@ -2381,7 +2336,7 @@
           <a:lstStyle>
             <a:lvl1pPr marL="0" indent="0" algn="ctr">
               <a:buNone/>
-              <a:defRPr sz="1335"/>
+              <a:defRPr sz="1781"/>
             </a:lvl1pPr>
           </a:lstStyle>
           <a:p>
@@ -2407,8 +2362,8 @@
         </p:nvSpPr>
         <p:spPr>
           <a:xfrm flipH="1">
-            <a:off x="766365" y="3340985"/>
-            <a:ext cx="5633833" cy="1538055"/>
+            <a:off x="688978" y="1441523"/>
+            <a:ext cx="5064910" cy="663617"/>
           </a:xfrm>
           <a:custGeom>
             <a:avLst/>
@@ -2510,13 +2465,13 @@
           </a:fontRef>
         </p:style>
         <p:txBody>
-          <a:bodyPr wrap="none" lIns="120131" tIns="40044" rIns="120131" bIns="40044" rtlCol="0" anchor="ctr" anchorCtr="0">
+          <a:bodyPr wrap="none" lIns="160175" tIns="53392" rIns="160175" bIns="53392" rtlCol="0" anchor="ctr" anchorCtr="0">
             <a:normAutofit/>
           </a:bodyPr>
           <a:lstStyle/>
           <a:p>
             <a:pPr algn="ctr"/>
-            <a:endParaRPr lang="de-DE" sz="2002" dirty="0" err="1">
+            <a:endParaRPr lang="de-DE" sz="2670" dirty="0" err="1">
               <a:latin typeface="+mj-lt"/>
             </a:endParaRPr>
           </a:p>
@@ -2540,8 +2495,8 @@
         </p:nvSpPr>
         <p:spPr>
           <a:xfrm>
-            <a:off x="1044519" y="3646311"/>
-            <a:ext cx="4567294" cy="184666"/>
+            <a:off x="939043" y="1573261"/>
+            <a:ext cx="4106072" cy="246221"/>
           </a:xfrm>
           <a:prstGeom prst="rect">
             <a:avLst/>
@@ -2552,7 +2507,7 @@
             <a:spAutoFit/>
           </a:bodyPr>
           <a:lstStyle>
-            <a:lvl1pPr marL="0" marR="0" indent="0" algn="l" defTabSz="1017087" rtl="0" eaLnBrk="1" fontAlgn="auto" latinLnBrk="0" hangingPunct="1">
+            <a:lvl1pPr marL="0" marR="0" indent="0" algn="l" defTabSz="1356148" rtl="0" eaLnBrk="1" fontAlgn="auto" latinLnBrk="0" hangingPunct="1">
               <a:lnSpc>
                 <a:spcPct val="100000"/>
               </a:lnSpc>
@@ -2567,7 +2522,7 @@
               <a:buFont typeface="Arial" pitchFamily="34" charset="0"/>
               <a:buNone/>
               <a:tabLst/>
-              <a:defRPr sz="1200" b="1"/>
+              <a:defRPr sz="1600" b="1"/>
             </a:lvl1pPr>
           </a:lstStyle>
           <a:p>
@@ -2597,8 +2552,8 @@
         </p:nvSpPr>
         <p:spPr>
           <a:xfrm>
-            <a:off x="6326560" y="3646311"/>
-            <a:ext cx="3556292" cy="184666"/>
+            <a:off x="5687685" y="1573261"/>
+            <a:ext cx="3197167" cy="246221"/>
           </a:xfrm>
           <a:prstGeom prst="rect">
             <a:avLst/>
@@ -2609,7 +2564,7 @@
             <a:spAutoFit/>
           </a:bodyPr>
           <a:lstStyle>
-            <a:lvl1pPr marL="0" marR="0" indent="0" algn="l" defTabSz="1017087" rtl="0" eaLnBrk="1" fontAlgn="auto" latinLnBrk="0" hangingPunct="1">
+            <a:lvl1pPr marL="0" marR="0" indent="0" algn="l" defTabSz="1356148" rtl="0" eaLnBrk="1" fontAlgn="auto" latinLnBrk="0" hangingPunct="1">
               <a:lnSpc>
                 <a:spcPct val="100000"/>
               </a:lnSpc>
@@ -2624,7 +2579,7 @@
               <a:buFont typeface="Arial" pitchFamily="34" charset="0"/>
               <a:buNone/>
               <a:tabLst/>
-              <a:defRPr sz="1200" b="1"/>
+              <a:defRPr sz="1600" b="1"/>
             </a:lvl1pPr>
           </a:lstStyle>
           <a:p>
@@ -2654,8 +2609,8 @@
         </p:nvSpPr>
         <p:spPr>
           <a:xfrm>
-            <a:off x="1044520" y="3905462"/>
-            <a:ext cx="4567293" cy="693525"/>
+            <a:off x="939044" y="1685074"/>
+            <a:ext cx="4106071" cy="299232"/>
           </a:xfrm>
           <a:prstGeom prst="rect">
             <a:avLst/>
@@ -2664,12 +2619,12 @@
         <p:txBody>
           <a:bodyPr lIns="0" tIns="0" rIns="0" bIns="0"/>
           <a:lstStyle>
-            <a:lvl1pPr marL="190704" marR="0" indent="-190704" algn="l" defTabSz="1017087" rtl="0" eaLnBrk="1" fontAlgn="auto" latinLnBrk="0" hangingPunct="1">
+            <a:lvl1pPr marL="254278" marR="0" indent="-254278" algn="l" defTabSz="1356148" rtl="0" eaLnBrk="1" fontAlgn="auto" latinLnBrk="0" hangingPunct="1">
               <a:lnSpc>
                 <a:spcPct val="100000"/>
               </a:lnSpc>
               <a:spcBef>
-                <a:spcPts val="667"/>
+                <a:spcPts val="889"/>
               </a:spcBef>
               <a:spcAft>
                 <a:spcPts val="0"/>
@@ -2681,7 +2636,7 @@
                 <a:blip r:embed="rId2"/>
               </a:buBlip>
               <a:tabLst/>
-              <a:defRPr sz="1200"/>
+              <a:defRPr sz="1600"/>
             </a:lvl1pPr>
           </a:lstStyle>
           <a:p>
@@ -2711,8 +2666,8 @@
         </p:nvSpPr>
         <p:spPr>
           <a:xfrm>
-            <a:off x="6453415" y="3905463"/>
-            <a:ext cx="3436321" cy="184666"/>
+            <a:off x="5801731" y="1685075"/>
+            <a:ext cx="3089310" cy="492443"/>
           </a:xfrm>
           <a:prstGeom prst="rect">
             <a:avLst/>
@@ -2723,7 +2678,7 @@
             <a:spAutoFit/>
           </a:bodyPr>
           <a:lstStyle>
-            <a:lvl1pPr marL="190704" marR="0" indent="-190704" algn="l" defTabSz="1017087" rtl="0" eaLnBrk="1" fontAlgn="auto" latinLnBrk="0" hangingPunct="1">
+            <a:lvl1pPr marL="254278" marR="0" indent="-254278" algn="l" defTabSz="1356148" rtl="0" eaLnBrk="1" fontAlgn="auto" latinLnBrk="0" hangingPunct="1">
               <a:lnSpc>
                 <a:spcPct val="100000"/>
               </a:lnSpc>
@@ -2731,7 +2686,7 @@
                 <a:spcPts val="0"/>
               </a:spcBef>
               <a:spcAft>
-                <a:spcPts val="667"/>
+                <a:spcPts val="889"/>
               </a:spcAft>
               <a:buClrTx/>
               <a:buSzTx/>
@@ -2740,7 +2695,7 @@
                 <a:blip r:embed="rId2"/>
               </a:buBlip>
               <a:tabLst/>
-              <a:defRPr sz="1200"/>
+              <a:defRPr sz="1600"/>
             </a:lvl1pPr>
           </a:lstStyle>
           <a:p>
@@ -2770,8 +2725,8 @@
         </p:nvSpPr>
         <p:spPr>
           <a:xfrm>
-            <a:off x="6559990" y="4167465"/>
-            <a:ext cx="3328548" cy="184666"/>
+            <a:off x="5897540" y="1798120"/>
+            <a:ext cx="2992420" cy="492443"/>
           </a:xfrm>
           <a:prstGeom prst="rect">
             <a:avLst/>
@@ -2782,7 +2737,7 @@
             <a:spAutoFit/>
           </a:bodyPr>
           <a:lstStyle>
-            <a:lvl1pPr marL="190704" marR="0" indent="-190704" algn="l" defTabSz="1017087" rtl="0" eaLnBrk="1" fontAlgn="auto" latinLnBrk="0" hangingPunct="1">
+            <a:lvl1pPr marL="254278" marR="0" indent="-254278" algn="l" defTabSz="1356148" rtl="0" eaLnBrk="1" fontAlgn="auto" latinLnBrk="0" hangingPunct="1">
               <a:lnSpc>
                 <a:spcPct val="100000"/>
               </a:lnSpc>
@@ -2790,7 +2745,7 @@
                 <a:spcPts val="0"/>
               </a:spcBef>
               <a:spcAft>
-                <a:spcPts val="667"/>
+                <a:spcPts val="889"/>
               </a:spcAft>
               <a:buClrTx/>
               <a:buSzTx/>
@@ -2799,7 +2754,7 @@
                 <a:blip r:embed="rId2"/>
               </a:buBlip>
               <a:tabLst/>
-              <a:defRPr sz="1200"/>
+              <a:defRPr sz="1600"/>
             </a:lvl1pPr>
           </a:lstStyle>
           <a:p>
@@ -2829,8 +2784,8 @@
         </p:nvSpPr>
         <p:spPr>
           <a:xfrm>
-            <a:off x="6699745" y="4421023"/>
-            <a:ext cx="3187220" cy="184666"/>
+            <a:off x="6023186" y="1907522"/>
+            <a:ext cx="2865362" cy="492443"/>
           </a:xfrm>
           <a:prstGeom prst="rect">
             <a:avLst/>
@@ -2841,7 +2796,7 @@
             <a:spAutoFit/>
           </a:bodyPr>
           <a:lstStyle>
-            <a:lvl1pPr marL="190704" marR="0" indent="-190704" algn="l" defTabSz="1017087" rtl="0" eaLnBrk="1" fontAlgn="auto" latinLnBrk="0" hangingPunct="1">
+            <a:lvl1pPr marL="254278" marR="0" indent="-254278" algn="l" defTabSz="1356148" rtl="0" eaLnBrk="1" fontAlgn="auto" latinLnBrk="0" hangingPunct="1">
               <a:lnSpc>
                 <a:spcPct val="100000"/>
               </a:lnSpc>
@@ -2849,7 +2804,7 @@
                 <a:spcPts val="0"/>
               </a:spcBef>
               <a:spcAft>
-                <a:spcPts val="667"/>
+                <a:spcPts val="889"/>
               </a:spcAft>
               <a:buClrTx/>
               <a:buSzTx/>
@@ -2858,7 +2813,7 @@
                 <a:blip r:embed="rId2"/>
               </a:buBlip>
               <a:tabLst/>
-              <a:defRPr sz="1200"/>
+              <a:defRPr sz="1600"/>
             </a:lvl1pPr>
           </a:lstStyle>
           <a:p>
@@ -2888,8 +2843,8 @@
         </p:nvSpPr>
         <p:spPr>
           <a:xfrm>
-            <a:off x="307024" y="264556"/>
-            <a:ext cx="9587864" cy="369332"/>
+            <a:off x="276023" y="114148"/>
+            <a:ext cx="8619650" cy="159354"/>
           </a:xfrm>
           <a:prstGeom prst="rect">
             <a:avLst/>
@@ -2905,7 +2860,7 @@
           <a:p>
             <a:pPr algn="l"/>
             <a:r>
-              <a:rPr lang="de-DE" sz="2400" b="1" dirty="0"/>
+              <a:rPr lang="de-DE" sz="3200" b="1" dirty="0"/>
               <a:t>Überschrift durch Klicken hinzufügen</a:t>
             </a:r>
           </a:p>
@@ -2924,12 +2879,12 @@
   <p:extLst>
     <p:ext uri="{DCECCB84-F9BA-43D5-87BE-67443E8EF086}">
       <p15:sldGuideLst xmlns:p15="http://schemas.microsoft.com/office/powerpoint/2012/main">
-        <p15:guide id="1" orient="horz" pos="2104">
+        <p15:guide id="1" orient="horz" pos="908" userDrawn="1">
           <p15:clr>
             <a:srgbClr val="FBAE40"/>
           </p15:clr>
         </p15:guide>
-        <p15:guide id="2" orient="horz" pos="2296">
+        <p15:guide id="2" orient="horz" pos="991" userDrawn="1">
           <p15:clr>
             <a:srgbClr val="FBAE40"/>
           </p15:clr>
@@ -2971,8 +2926,8 @@
         </p:nvSpPr>
         <p:spPr>
           <a:xfrm>
-            <a:off x="2281438" y="842309"/>
-            <a:ext cx="3128762" cy="1958840"/>
+            <a:off x="2051054" y="363427"/>
+            <a:ext cx="2812809" cy="845172"/>
           </a:xfrm>
           <a:prstGeom prst="rect">
             <a:avLst/>
@@ -3001,13 +2956,13 @@
           </a:fontRef>
         </p:style>
         <p:txBody>
-          <a:bodyPr wrap="none" lIns="120131" tIns="40044" rIns="120131" bIns="40044" rtlCol="0" anchor="ctr" anchorCtr="0">
+          <a:bodyPr wrap="none" lIns="160175" tIns="53392" rIns="160175" bIns="53392" rtlCol="0" anchor="ctr" anchorCtr="0">
             <a:normAutofit/>
           </a:bodyPr>
           <a:lstStyle/>
           <a:p>
             <a:pPr algn="ctr"/>
-            <a:endParaRPr lang="de-DE" sz="2002" dirty="0" err="1">
+            <a:endParaRPr lang="de-DE" sz="2670" dirty="0" err="1">
               <a:latin typeface="+mj-lt"/>
             </a:endParaRPr>
           </a:p>
@@ -3031,8 +2986,8 @@
         </p:nvSpPr>
         <p:spPr>
           <a:xfrm>
-            <a:off x="761069" y="842308"/>
-            <a:ext cx="1520369" cy="1958839"/>
+            <a:off x="684213" y="363427"/>
+            <a:ext cx="1366838" cy="845172"/>
           </a:xfrm>
           <a:prstGeom prst="rect">
             <a:avLst/>
@@ -3043,7 +2998,7 @@
           <a:lstStyle>
             <a:lvl1pPr marL="0" indent="0" algn="ctr">
               <a:buNone/>
-              <a:defRPr sz="1335"/>
+              <a:defRPr sz="1781"/>
             </a:lvl1pPr>
           </a:lstStyle>
           <a:p>
@@ -3073,8 +3028,8 @@
         </p:nvSpPr>
         <p:spPr>
           <a:xfrm>
-            <a:off x="2569845" y="1439654"/>
-            <a:ext cx="2530833" cy="276999"/>
+            <a:off x="2310339" y="621161"/>
+            <a:ext cx="2275261" cy="738664"/>
           </a:xfrm>
           <a:prstGeom prst="rect">
             <a:avLst/>
@@ -3085,7 +3040,7 @@
             <a:spAutoFit/>
           </a:bodyPr>
           <a:lstStyle>
-            <a:lvl1pPr marL="0" marR="0" indent="0" algn="l" defTabSz="1017087" rtl="0" eaLnBrk="1" fontAlgn="auto" latinLnBrk="0" hangingPunct="1">
+            <a:lvl1pPr marL="0" marR="0" indent="0" algn="l" defTabSz="1356148" rtl="0" eaLnBrk="1" fontAlgn="auto" latinLnBrk="0" hangingPunct="1">
               <a:lnSpc>
                 <a:spcPct val="100000"/>
               </a:lnSpc>
@@ -3100,7 +3055,7 @@
               <a:buFont typeface="Arial" pitchFamily="34" charset="0"/>
               <a:buNone/>
               <a:tabLst/>
-              <a:defRPr sz="1800" b="1"/>
+              <a:defRPr sz="2400" b="1"/>
             </a:lvl1pPr>
           </a:lstStyle>
           <a:p>
@@ -3130,8 +3085,8 @@
         </p:nvSpPr>
         <p:spPr>
           <a:xfrm>
-            <a:off x="2569844" y="1750179"/>
-            <a:ext cx="2526888" cy="542061"/>
+            <a:off x="2310337" y="755143"/>
+            <a:ext cx="2271717" cy="233880"/>
           </a:xfrm>
           <a:prstGeom prst="rect">
             <a:avLst/>
@@ -3142,12 +3097,12 @@
             <a:noAutofit/>
           </a:bodyPr>
           <a:lstStyle>
-            <a:lvl1pPr marL="190704" marR="0" indent="-190704" algn="l" defTabSz="1017087" rtl="0" eaLnBrk="1" fontAlgn="auto" latinLnBrk="0" hangingPunct="1">
+            <a:lvl1pPr marL="254278" marR="0" indent="-254278" algn="l" defTabSz="1356148" rtl="0" eaLnBrk="1" fontAlgn="auto" latinLnBrk="0" hangingPunct="1">
               <a:lnSpc>
                 <a:spcPct val="100000"/>
               </a:lnSpc>
               <a:spcBef>
-                <a:spcPts val="300"/>
+                <a:spcPts val="400"/>
               </a:spcBef>
               <a:spcAft>
                 <a:spcPts val="0"/>
@@ -3159,7 +3114,7 @@
                 <a:blip r:embed="rId2"/>
               </a:buBlip>
               <a:tabLst/>
-              <a:defRPr sz="1200"/>
+              <a:defRPr sz="1600"/>
             </a:lvl1pPr>
           </a:lstStyle>
           <a:p>
@@ -3185,8 +3140,8 @@
         </p:nvSpPr>
         <p:spPr>
           <a:xfrm>
-            <a:off x="2281438" y="2920201"/>
-            <a:ext cx="3128762" cy="1958840"/>
+            <a:off x="2051054" y="1259965"/>
+            <a:ext cx="2812809" cy="845172"/>
           </a:xfrm>
           <a:prstGeom prst="rect">
             <a:avLst/>
@@ -3215,13 +3170,13 @@
           </a:fontRef>
         </p:style>
         <p:txBody>
-          <a:bodyPr wrap="none" lIns="120131" tIns="40044" rIns="120131" bIns="40044" rtlCol="0" anchor="ctr" anchorCtr="0">
+          <a:bodyPr wrap="none" lIns="160175" tIns="53392" rIns="160175" bIns="53392" rtlCol="0" anchor="ctr" anchorCtr="0">
             <a:normAutofit/>
           </a:bodyPr>
           <a:lstStyle/>
           <a:p>
             <a:pPr algn="ctr"/>
-            <a:endParaRPr lang="de-DE" sz="2002" dirty="0" err="1">
+            <a:endParaRPr lang="de-DE" sz="2670" dirty="0" err="1">
               <a:latin typeface="+mj-lt"/>
             </a:endParaRPr>
           </a:p>
@@ -3245,8 +3200,8 @@
         </p:nvSpPr>
         <p:spPr>
           <a:xfrm>
-            <a:off x="761069" y="2920201"/>
-            <a:ext cx="1520369" cy="1958839"/>
+            <a:off x="684213" y="1259965"/>
+            <a:ext cx="1366838" cy="845172"/>
           </a:xfrm>
           <a:prstGeom prst="rect">
             <a:avLst/>
@@ -3257,7 +3212,7 @@
           <a:lstStyle>
             <a:lvl1pPr marL="0" indent="0" algn="ctr">
               <a:buNone/>
-              <a:defRPr sz="1335"/>
+              <a:defRPr sz="1781"/>
             </a:lvl1pPr>
           </a:lstStyle>
           <a:p>
@@ -3287,8 +3242,8 @@
         </p:nvSpPr>
         <p:spPr>
           <a:xfrm>
-            <a:off x="2569845" y="3517547"/>
-            <a:ext cx="2530833" cy="276999"/>
+            <a:off x="2310339" y="1517700"/>
+            <a:ext cx="2275261" cy="738664"/>
           </a:xfrm>
           <a:prstGeom prst="rect">
             <a:avLst/>
@@ -3299,7 +3254,7 @@
             <a:spAutoFit/>
           </a:bodyPr>
           <a:lstStyle>
-            <a:lvl1pPr marL="0" marR="0" indent="0" algn="l" defTabSz="1017087" rtl="0" eaLnBrk="1" fontAlgn="auto" latinLnBrk="0" hangingPunct="1">
+            <a:lvl1pPr marL="0" marR="0" indent="0" algn="l" defTabSz="1356148" rtl="0" eaLnBrk="1" fontAlgn="auto" latinLnBrk="0" hangingPunct="1">
               <a:lnSpc>
                 <a:spcPct val="100000"/>
               </a:lnSpc>
@@ -3314,7 +3269,7 @@
               <a:buFont typeface="Arial" pitchFamily="34" charset="0"/>
               <a:buNone/>
               <a:tabLst/>
-              <a:defRPr sz="1800" b="1"/>
+              <a:defRPr sz="2400" b="1"/>
             </a:lvl1pPr>
           </a:lstStyle>
           <a:p>
@@ -3344,8 +3299,8 @@
         </p:nvSpPr>
         <p:spPr>
           <a:xfrm>
-            <a:off x="2569844" y="3828072"/>
-            <a:ext cx="2526888" cy="542061"/>
+            <a:off x="2310337" y="1651682"/>
+            <a:ext cx="2271717" cy="233880"/>
           </a:xfrm>
           <a:prstGeom prst="rect">
             <a:avLst/>
@@ -3356,12 +3311,12 @@
             <a:noAutofit/>
           </a:bodyPr>
           <a:lstStyle>
-            <a:lvl1pPr marL="190704" marR="0" indent="-190704" algn="l" defTabSz="1017087" rtl="0" eaLnBrk="1" fontAlgn="auto" latinLnBrk="0" hangingPunct="1">
+            <a:lvl1pPr marL="254278" marR="0" indent="-254278" algn="l" defTabSz="1356148" rtl="0" eaLnBrk="1" fontAlgn="auto" latinLnBrk="0" hangingPunct="1">
               <a:lnSpc>
                 <a:spcPct val="100000"/>
               </a:lnSpc>
               <a:spcBef>
-                <a:spcPts val="300"/>
+                <a:spcPts val="400"/>
               </a:spcBef>
               <a:spcAft>
                 <a:spcPts val="0"/>
@@ -3373,7 +3328,7 @@
                 <a:blip r:embed="rId2"/>
               </a:buBlip>
               <a:tabLst/>
-              <a:defRPr sz="1200"/>
+              <a:defRPr sz="1600"/>
             </a:lvl1pPr>
           </a:lstStyle>
           <a:p>
@@ -3399,8 +3354,8 @@
         </p:nvSpPr>
         <p:spPr>
           <a:xfrm>
-            <a:off x="7045615" y="842309"/>
-            <a:ext cx="3125498" cy="1958840"/>
+            <a:off x="6334128" y="363427"/>
+            <a:ext cx="2809877" cy="845172"/>
           </a:xfrm>
           <a:prstGeom prst="rect">
             <a:avLst/>
@@ -3429,13 +3384,13 @@
           </a:fontRef>
         </p:style>
         <p:txBody>
-          <a:bodyPr wrap="none" lIns="120131" tIns="40044" rIns="120131" bIns="40044" rtlCol="0" anchor="ctr" anchorCtr="0">
+          <a:bodyPr wrap="none" lIns="160175" tIns="53392" rIns="160175" bIns="53392" rtlCol="0" anchor="ctr" anchorCtr="0">
             <a:normAutofit/>
           </a:bodyPr>
           <a:lstStyle/>
           <a:p>
             <a:pPr algn="ctr"/>
-            <a:endParaRPr lang="de-DE" sz="2002" dirty="0" err="1">
+            <a:endParaRPr lang="de-DE" sz="2670" dirty="0" err="1">
               <a:latin typeface="+mj-lt"/>
             </a:endParaRPr>
           </a:p>
@@ -3459,8 +3414,8 @@
         </p:nvSpPr>
         <p:spPr>
           <a:xfrm>
-            <a:off x="5525246" y="842308"/>
-            <a:ext cx="1520369" cy="1958839"/>
+            <a:off x="4967290" y="363427"/>
+            <a:ext cx="1366838" cy="845172"/>
           </a:xfrm>
           <a:prstGeom prst="rect">
             <a:avLst/>
@@ -3471,7 +3426,7 @@
           <a:lstStyle>
             <a:lvl1pPr marL="0" indent="0" algn="ctr">
               <a:buNone/>
-              <a:defRPr sz="1335"/>
+              <a:defRPr sz="1781"/>
             </a:lvl1pPr>
           </a:lstStyle>
           <a:p>
@@ -3501,8 +3456,8 @@
         </p:nvSpPr>
         <p:spPr>
           <a:xfrm>
-            <a:off x="7340507" y="1439654"/>
-            <a:ext cx="2530833" cy="276999"/>
+            <a:off x="6599246" y="621161"/>
+            <a:ext cx="2275261" cy="738664"/>
           </a:xfrm>
           <a:prstGeom prst="rect">
             <a:avLst/>
@@ -3513,7 +3468,7 @@
             <a:spAutoFit/>
           </a:bodyPr>
           <a:lstStyle>
-            <a:lvl1pPr marL="0" marR="0" indent="0" algn="l" defTabSz="1017087" rtl="0" eaLnBrk="1" fontAlgn="auto" latinLnBrk="0" hangingPunct="1">
+            <a:lvl1pPr marL="0" marR="0" indent="0" algn="l" defTabSz="1356148" rtl="0" eaLnBrk="1" fontAlgn="auto" latinLnBrk="0" hangingPunct="1">
               <a:lnSpc>
                 <a:spcPct val="100000"/>
               </a:lnSpc>
@@ -3528,7 +3483,7 @@
               <a:buFont typeface="Arial" pitchFamily="34" charset="0"/>
               <a:buNone/>
               <a:tabLst/>
-              <a:defRPr sz="1800" b="1"/>
+              <a:defRPr sz="2400" b="1"/>
             </a:lvl1pPr>
           </a:lstStyle>
           <a:p>
@@ -3558,8 +3513,8 @@
         </p:nvSpPr>
         <p:spPr>
           <a:xfrm>
-            <a:off x="7340507" y="1750179"/>
-            <a:ext cx="2526888" cy="542061"/>
+            <a:off x="6599240" y="755143"/>
+            <a:ext cx="2271717" cy="233880"/>
           </a:xfrm>
           <a:prstGeom prst="rect">
             <a:avLst/>
@@ -3570,12 +3525,12 @@
             <a:noAutofit/>
           </a:bodyPr>
           <a:lstStyle>
-            <a:lvl1pPr marL="190704" marR="0" indent="-190704" algn="l" defTabSz="1017087" rtl="0" eaLnBrk="1" fontAlgn="auto" latinLnBrk="0" hangingPunct="1">
+            <a:lvl1pPr marL="254278" marR="0" indent="-254278" algn="l" defTabSz="1356148" rtl="0" eaLnBrk="1" fontAlgn="auto" latinLnBrk="0" hangingPunct="1">
               <a:lnSpc>
                 <a:spcPct val="100000"/>
               </a:lnSpc>
               <a:spcBef>
-                <a:spcPts val="300"/>
+                <a:spcPts val="400"/>
               </a:spcBef>
               <a:spcAft>
                 <a:spcPts val="0"/>
@@ -3587,7 +3542,7 @@
                 <a:blip r:embed="rId2"/>
               </a:buBlip>
               <a:tabLst/>
-              <a:defRPr sz="1200"/>
+              <a:defRPr sz="1600"/>
             </a:lvl1pPr>
           </a:lstStyle>
           <a:p>
@@ -3613,8 +3568,8 @@
         </p:nvSpPr>
         <p:spPr>
           <a:xfrm>
-            <a:off x="7045615" y="2920201"/>
-            <a:ext cx="3125498" cy="1958840"/>
+            <a:off x="6334128" y="1259965"/>
+            <a:ext cx="2809877" cy="845172"/>
           </a:xfrm>
           <a:prstGeom prst="rect">
             <a:avLst/>
@@ -3643,13 +3598,13 @@
           </a:fontRef>
         </p:style>
         <p:txBody>
-          <a:bodyPr wrap="none" lIns="120131" tIns="40044" rIns="120131" bIns="40044" rtlCol="0" anchor="ctr" anchorCtr="0">
+          <a:bodyPr wrap="none" lIns="160175" tIns="53392" rIns="160175" bIns="53392" rtlCol="0" anchor="ctr" anchorCtr="0">
             <a:normAutofit/>
           </a:bodyPr>
           <a:lstStyle/>
           <a:p>
             <a:pPr algn="ctr"/>
-            <a:endParaRPr lang="de-DE" sz="2002" dirty="0" err="1">
+            <a:endParaRPr lang="de-DE" sz="2670" dirty="0" err="1">
               <a:latin typeface="+mj-lt"/>
             </a:endParaRPr>
           </a:p>
@@ -3673,8 +3628,8 @@
         </p:nvSpPr>
         <p:spPr>
           <a:xfrm>
-            <a:off x="5525246" y="2920201"/>
-            <a:ext cx="1520369" cy="1958839"/>
+            <a:off x="4967290" y="1259965"/>
+            <a:ext cx="1366838" cy="845172"/>
           </a:xfrm>
           <a:prstGeom prst="rect">
             <a:avLst/>
@@ -3685,7 +3640,7 @@
           <a:lstStyle>
             <a:lvl1pPr marL="0" indent="0" algn="ctr">
               <a:buNone/>
-              <a:defRPr sz="1335"/>
+              <a:defRPr sz="1781"/>
             </a:lvl1pPr>
           </a:lstStyle>
           <a:p>
@@ -3715,8 +3670,8 @@
         </p:nvSpPr>
         <p:spPr>
           <a:xfrm>
-            <a:off x="7340507" y="3517547"/>
-            <a:ext cx="2530833" cy="276999"/>
+            <a:off x="6599246" y="1517700"/>
+            <a:ext cx="2275261" cy="738664"/>
           </a:xfrm>
           <a:prstGeom prst="rect">
             <a:avLst/>
@@ -3727,7 +3682,7 @@
             <a:spAutoFit/>
           </a:bodyPr>
           <a:lstStyle>
-            <a:lvl1pPr marL="0" marR="0" indent="0" algn="l" defTabSz="1017087" rtl="0" eaLnBrk="1" fontAlgn="auto" latinLnBrk="0" hangingPunct="1">
+            <a:lvl1pPr marL="0" marR="0" indent="0" algn="l" defTabSz="1356148" rtl="0" eaLnBrk="1" fontAlgn="auto" latinLnBrk="0" hangingPunct="1">
               <a:lnSpc>
                 <a:spcPct val="100000"/>
               </a:lnSpc>
@@ -3742,7 +3697,7 @@
               <a:buFont typeface="Arial" pitchFamily="34" charset="0"/>
               <a:buNone/>
               <a:tabLst/>
-              <a:defRPr sz="1800" b="1"/>
+              <a:defRPr sz="2400" b="1"/>
             </a:lvl1pPr>
           </a:lstStyle>
           <a:p>
@@ -3772,8 +3727,8 @@
         </p:nvSpPr>
         <p:spPr>
           <a:xfrm>
-            <a:off x="7340507" y="3828072"/>
-            <a:ext cx="2526888" cy="542061"/>
+            <a:off x="6599240" y="1651682"/>
+            <a:ext cx="2271717" cy="233880"/>
           </a:xfrm>
           <a:prstGeom prst="rect">
             <a:avLst/>
@@ -3784,12 +3739,12 @@
             <a:noAutofit/>
           </a:bodyPr>
           <a:lstStyle>
-            <a:lvl1pPr marL="190704" marR="0" indent="-190704" algn="l" defTabSz="1017087" rtl="0" eaLnBrk="1" fontAlgn="auto" latinLnBrk="0" hangingPunct="1">
+            <a:lvl1pPr marL="254278" marR="0" indent="-254278" algn="l" defTabSz="1356148" rtl="0" eaLnBrk="1" fontAlgn="auto" latinLnBrk="0" hangingPunct="1">
               <a:lnSpc>
                 <a:spcPct val="100000"/>
               </a:lnSpc>
               <a:spcBef>
-                <a:spcPts val="300"/>
+                <a:spcPts val="400"/>
               </a:spcBef>
               <a:spcAft>
                 <a:spcPts val="0"/>
@@ -3801,7 +3756,7 @@
                 <a:blip r:embed="rId2"/>
               </a:buBlip>
               <a:tabLst/>
-              <a:defRPr sz="1200"/>
+              <a:defRPr sz="1600"/>
             </a:lvl1pPr>
           </a:lstStyle>
           <a:p>
@@ -3831,8 +3786,8 @@
         </p:nvSpPr>
         <p:spPr>
           <a:xfrm>
-            <a:off x="307024" y="264556"/>
-            <a:ext cx="9587864" cy="369332"/>
+            <a:off x="276023" y="114148"/>
+            <a:ext cx="8619650" cy="159354"/>
           </a:xfrm>
           <a:prstGeom prst="rect">
             <a:avLst/>
@@ -3848,7 +3803,7 @@
           <a:p>
             <a:pPr algn="l"/>
             <a:r>
-              <a:rPr lang="de-DE" sz="2400" b="1" dirty="0"/>
+              <a:rPr lang="de-DE" sz="3200" b="1" dirty="0"/>
               <a:t>Überschrift durch Klicken hinzufügen</a:t>
             </a:r>
           </a:p>
@@ -3867,12 +3822,12 @@
   <p:extLst>
     <p:ext uri="{DCECCB84-F9BA-43D5-87BE-67443E8EF086}">
       <p15:sldGuideLst xmlns:p15="http://schemas.microsoft.com/office/powerpoint/2012/main">
-        <p15:guide id="1" pos="3408">
+        <p15:guide id="1" pos="3062" userDrawn="1">
           <p15:clr>
             <a:srgbClr val="FBAE40"/>
           </p15:clr>
         </p15:guide>
-        <p15:guide id="2" pos="3480">
+        <p15:guide id="2" pos="3129" userDrawn="1">
           <p15:clr>
             <a:srgbClr val="FBAE40"/>
           </p15:clr>
@@ -3914,8 +3869,8 @@
         </p:nvSpPr>
         <p:spPr>
           <a:xfrm>
-            <a:off x="2281437" y="842310"/>
-            <a:ext cx="3133525" cy="1265404"/>
+            <a:off x="2051054" y="363427"/>
+            <a:ext cx="2817091" cy="545978"/>
           </a:xfrm>
           <a:prstGeom prst="rect">
             <a:avLst/>
@@ -3944,13 +3899,13 @@
           </a:fontRef>
         </p:style>
         <p:txBody>
-          <a:bodyPr wrap="none" lIns="120131" tIns="40044" rIns="120131" bIns="40044" rtlCol="0" anchor="ctr" anchorCtr="0">
+          <a:bodyPr wrap="none" lIns="160175" tIns="53392" rIns="160175" bIns="53392" rtlCol="0" anchor="ctr" anchorCtr="0">
             <a:normAutofit/>
           </a:bodyPr>
           <a:lstStyle/>
           <a:p>
             <a:pPr algn="ctr"/>
-            <a:endParaRPr lang="de-DE" sz="2002" dirty="0" err="1">
+            <a:endParaRPr lang="de-DE" sz="2670" dirty="0" err="1">
               <a:latin typeface="+mj-lt"/>
             </a:endParaRPr>
           </a:p>
@@ -3970,8 +3925,8 @@
         </p:nvSpPr>
         <p:spPr>
           <a:xfrm>
-            <a:off x="2281437" y="2226992"/>
-            <a:ext cx="3133525" cy="1265404"/>
+            <a:off x="2051054" y="960869"/>
+            <a:ext cx="2817091" cy="545978"/>
           </a:xfrm>
           <a:prstGeom prst="rect">
             <a:avLst/>
@@ -4000,13 +3955,13 @@
           </a:fontRef>
         </p:style>
         <p:txBody>
-          <a:bodyPr wrap="none" lIns="120131" tIns="40044" rIns="120131" bIns="40044" rtlCol="0" anchor="ctr" anchorCtr="0">
+          <a:bodyPr wrap="none" lIns="160175" tIns="53392" rIns="160175" bIns="53392" rtlCol="0" anchor="ctr" anchorCtr="0">
             <a:normAutofit/>
           </a:bodyPr>
           <a:lstStyle/>
           <a:p>
             <a:pPr algn="ctr"/>
-            <a:endParaRPr lang="de-DE" sz="2002" dirty="0" err="1">
+            <a:endParaRPr lang="de-DE" sz="2670" dirty="0" err="1">
               <a:latin typeface="+mj-lt"/>
             </a:endParaRPr>
           </a:p>
@@ -4026,8 +3981,8 @@
         </p:nvSpPr>
         <p:spPr>
           <a:xfrm>
-            <a:off x="2281437" y="3611023"/>
-            <a:ext cx="3133525" cy="1265404"/>
+            <a:off x="2051054" y="1558032"/>
+            <a:ext cx="2817091" cy="545978"/>
           </a:xfrm>
           <a:prstGeom prst="rect">
             <a:avLst/>
@@ -4056,13 +4011,13 @@
           </a:fontRef>
         </p:style>
         <p:txBody>
-          <a:bodyPr wrap="none" lIns="120131" tIns="40044" rIns="120131" bIns="40044" rtlCol="0" anchor="ctr" anchorCtr="0">
+          <a:bodyPr wrap="none" lIns="160175" tIns="53392" rIns="160175" bIns="53392" rtlCol="0" anchor="ctr" anchorCtr="0">
             <a:normAutofit/>
           </a:bodyPr>
           <a:lstStyle/>
           <a:p>
             <a:pPr algn="ctr"/>
-            <a:endParaRPr lang="de-DE" sz="2002" dirty="0" err="1">
+            <a:endParaRPr lang="de-DE" sz="2670" dirty="0" err="1">
               <a:latin typeface="+mj-lt"/>
             </a:endParaRPr>
           </a:p>
@@ -4082,8 +4037,8 @@
         </p:nvSpPr>
         <p:spPr>
           <a:xfrm>
-            <a:off x="7037588" y="842310"/>
-            <a:ext cx="3133525" cy="1265404"/>
+            <a:off x="6326913" y="363427"/>
+            <a:ext cx="2817091" cy="545978"/>
           </a:xfrm>
           <a:prstGeom prst="rect">
             <a:avLst/>
@@ -4112,13 +4067,13 @@
           </a:fontRef>
         </p:style>
         <p:txBody>
-          <a:bodyPr wrap="none" lIns="120131" tIns="40044" rIns="120131" bIns="40044" rtlCol="0" anchor="ctr" anchorCtr="0">
+          <a:bodyPr wrap="none" lIns="160175" tIns="53392" rIns="160175" bIns="53392" rtlCol="0" anchor="ctr" anchorCtr="0">
             <a:normAutofit/>
           </a:bodyPr>
           <a:lstStyle/>
           <a:p>
             <a:pPr algn="ctr"/>
-            <a:endParaRPr lang="de-DE" sz="2002" dirty="0" err="1">
+            <a:endParaRPr lang="de-DE" sz="2670" dirty="0" err="1">
               <a:latin typeface="+mj-lt"/>
             </a:endParaRPr>
           </a:p>
@@ -4138,8 +4093,8 @@
         </p:nvSpPr>
         <p:spPr>
           <a:xfrm>
-            <a:off x="7037588" y="2226992"/>
-            <a:ext cx="3133525" cy="1265404"/>
+            <a:off x="6326913" y="960869"/>
+            <a:ext cx="2817091" cy="545978"/>
           </a:xfrm>
           <a:prstGeom prst="rect">
             <a:avLst/>
@@ -4168,13 +4123,13 @@
           </a:fontRef>
         </p:style>
         <p:txBody>
-          <a:bodyPr wrap="none" lIns="120131" tIns="40044" rIns="120131" bIns="40044" rtlCol="0" anchor="ctr" anchorCtr="0">
+          <a:bodyPr wrap="none" lIns="160175" tIns="53392" rIns="160175" bIns="53392" rtlCol="0" anchor="ctr" anchorCtr="0">
             <a:normAutofit/>
           </a:bodyPr>
           <a:lstStyle/>
           <a:p>
             <a:pPr algn="ctr"/>
-            <a:endParaRPr lang="de-DE" sz="2002" dirty="0" err="1">
+            <a:endParaRPr lang="de-DE" sz="2670" dirty="0" err="1">
               <a:latin typeface="+mj-lt"/>
             </a:endParaRPr>
           </a:p>
@@ -4194,8 +4149,8 @@
         </p:nvSpPr>
         <p:spPr>
           <a:xfrm>
-            <a:off x="7037588" y="3611023"/>
-            <a:ext cx="3133525" cy="1265404"/>
+            <a:off x="6326913" y="1558032"/>
+            <a:ext cx="2817091" cy="545978"/>
           </a:xfrm>
           <a:prstGeom prst="rect">
             <a:avLst/>
@@ -4224,13 +4179,13 @@
           </a:fontRef>
         </p:style>
         <p:txBody>
-          <a:bodyPr wrap="none" lIns="120131" tIns="40044" rIns="120131" bIns="40044" rtlCol="0" anchor="ctr" anchorCtr="0">
+          <a:bodyPr wrap="none" lIns="160175" tIns="53392" rIns="160175" bIns="53392" rtlCol="0" anchor="ctr" anchorCtr="0">
             <a:normAutofit/>
           </a:bodyPr>
           <a:lstStyle/>
           <a:p>
             <a:pPr algn="ctr"/>
-            <a:endParaRPr lang="de-DE" sz="2002" dirty="0" err="1">
+            <a:endParaRPr lang="de-DE" sz="2670" dirty="0" err="1">
               <a:latin typeface="+mj-lt"/>
             </a:endParaRPr>
           </a:p>
@@ -4254,8 +4209,8 @@
         </p:nvSpPr>
         <p:spPr>
           <a:xfrm>
-            <a:off x="761069" y="842309"/>
-            <a:ext cx="1520369" cy="1265404"/>
+            <a:off x="684213" y="363426"/>
+            <a:ext cx="1366838" cy="545978"/>
           </a:xfrm>
           <a:prstGeom prst="rect">
             <a:avLst/>
@@ -4266,7 +4221,7 @@
           <a:lstStyle>
             <a:lvl1pPr marL="0" indent="0" algn="ctr">
               <a:buNone/>
-              <a:defRPr sz="1335"/>
+              <a:defRPr sz="1781"/>
             </a:lvl1pPr>
           </a:lstStyle>
           <a:p>
@@ -4296,8 +4251,8 @@
         </p:nvSpPr>
         <p:spPr>
           <a:xfrm>
-            <a:off x="5525246" y="842309"/>
-            <a:ext cx="1520369" cy="1265404"/>
+            <a:off x="4967290" y="363426"/>
+            <a:ext cx="1366838" cy="545978"/>
           </a:xfrm>
           <a:prstGeom prst="rect">
             <a:avLst/>
@@ -4308,7 +4263,7 @@
           <a:lstStyle>
             <a:lvl1pPr marL="0" indent="0" algn="ctr">
               <a:buNone/>
-              <a:defRPr sz="1335"/>
+              <a:defRPr sz="1781"/>
             </a:lvl1pPr>
           </a:lstStyle>
           <a:p>
@@ -4338,8 +4293,8 @@
         </p:nvSpPr>
         <p:spPr>
           <a:xfrm>
-            <a:off x="307024" y="264556"/>
-            <a:ext cx="9587864" cy="369332"/>
+            <a:off x="276023" y="114148"/>
+            <a:ext cx="8619650" cy="159354"/>
           </a:xfrm>
           <a:prstGeom prst="rect">
             <a:avLst/>
@@ -4355,7 +4310,7 @@
           <a:p>
             <a:pPr algn="l"/>
             <a:r>
-              <a:rPr lang="de-DE" sz="2400" b="1" dirty="0"/>
+              <a:rPr lang="de-DE" sz="3200" b="1" dirty="0"/>
               <a:t>Überschrift durch Klicken hinzufügen</a:t>
             </a:r>
           </a:p>
@@ -4379,8 +4334,8 @@
         </p:nvSpPr>
         <p:spPr>
           <a:xfrm>
-            <a:off x="761069" y="2226992"/>
-            <a:ext cx="1520369" cy="1265404"/>
+            <a:off x="684213" y="960869"/>
+            <a:ext cx="1366838" cy="545978"/>
           </a:xfrm>
           <a:prstGeom prst="rect">
             <a:avLst/>
@@ -4391,7 +4346,7 @@
           <a:lstStyle>
             <a:lvl1pPr marL="0" indent="0" algn="ctr">
               <a:buNone/>
-              <a:defRPr sz="1335"/>
+              <a:defRPr sz="1781"/>
             </a:lvl1pPr>
           </a:lstStyle>
           <a:p>
@@ -4421,8 +4376,8 @@
         </p:nvSpPr>
         <p:spPr>
           <a:xfrm>
-            <a:off x="761069" y="3611023"/>
-            <a:ext cx="1520369" cy="1265404"/>
+            <a:off x="684213" y="1558032"/>
+            <a:ext cx="1366838" cy="545978"/>
           </a:xfrm>
           <a:prstGeom prst="rect">
             <a:avLst/>
@@ -4433,7 +4388,7 @@
           <a:lstStyle>
             <a:lvl1pPr marL="0" indent="0" algn="ctr">
               <a:buNone/>
-              <a:defRPr sz="1335"/>
+              <a:defRPr sz="1781"/>
             </a:lvl1pPr>
           </a:lstStyle>
           <a:p>
@@ -4463,8 +4418,8 @@
         </p:nvSpPr>
         <p:spPr>
           <a:xfrm>
-            <a:off x="5525246" y="2226340"/>
-            <a:ext cx="1520369" cy="1265404"/>
+            <a:off x="4967290" y="960589"/>
+            <a:ext cx="1366838" cy="545978"/>
           </a:xfrm>
           <a:prstGeom prst="rect">
             <a:avLst/>
@@ -4475,7 +4430,7 @@
           <a:lstStyle>
             <a:lvl1pPr marL="0" indent="0" algn="ctr">
               <a:buNone/>
-              <a:defRPr sz="1335"/>
+              <a:defRPr sz="1781"/>
             </a:lvl1pPr>
           </a:lstStyle>
           <a:p>
@@ -4505,8 +4460,8 @@
         </p:nvSpPr>
         <p:spPr>
           <a:xfrm>
-            <a:off x="5525246" y="3611023"/>
-            <a:ext cx="1520369" cy="1265404"/>
+            <a:off x="4967290" y="1558032"/>
+            <a:ext cx="1366838" cy="545978"/>
           </a:xfrm>
           <a:prstGeom prst="rect">
             <a:avLst/>
@@ -4517,7 +4472,7 @@
           <a:lstStyle>
             <a:lvl1pPr marL="0" indent="0" algn="ctr">
               <a:buNone/>
-              <a:defRPr sz="1335"/>
+              <a:defRPr sz="1781"/>
             </a:lvl1pPr>
           </a:lstStyle>
           <a:p>
@@ -4547,8 +4502,8 @@
         </p:nvSpPr>
         <p:spPr>
           <a:xfrm>
-            <a:off x="2569845" y="1138753"/>
-            <a:ext cx="2530833" cy="276999"/>
+            <a:off x="2310339" y="491333"/>
+            <a:ext cx="2275261" cy="738664"/>
           </a:xfrm>
           <a:prstGeom prst="rect">
             <a:avLst/>
@@ -4559,7 +4514,7 @@
             <a:spAutoFit/>
           </a:bodyPr>
           <a:lstStyle>
-            <a:lvl1pPr marL="0" marR="0" indent="0" algn="l" defTabSz="1017087" rtl="0" eaLnBrk="1" fontAlgn="auto" latinLnBrk="0" hangingPunct="1">
+            <a:lvl1pPr marL="0" marR="0" indent="0" algn="l" defTabSz="1356148" rtl="0" eaLnBrk="1" fontAlgn="auto" latinLnBrk="0" hangingPunct="1">
               <a:lnSpc>
                 <a:spcPct val="100000"/>
               </a:lnSpc>
@@ -4574,7 +4529,7 @@
               <a:buFont typeface="Arial" pitchFamily="34" charset="0"/>
               <a:buNone/>
               <a:tabLst/>
-              <a:defRPr sz="1800" b="1"/>
+              <a:defRPr sz="2400" b="1"/>
             </a:lvl1pPr>
           </a:lstStyle>
           <a:p>
@@ -4604,8 +4559,8 @@
         </p:nvSpPr>
         <p:spPr>
           <a:xfrm>
-            <a:off x="2569844" y="1449278"/>
-            <a:ext cx="2526888" cy="542061"/>
+            <a:off x="2310337" y="625314"/>
+            <a:ext cx="2271717" cy="233880"/>
           </a:xfrm>
           <a:prstGeom prst="rect">
             <a:avLst/>
@@ -4616,12 +4571,12 @@
             <a:noAutofit/>
           </a:bodyPr>
           <a:lstStyle>
-            <a:lvl1pPr marL="190704" marR="0" indent="-190704" algn="l" defTabSz="1017087" rtl="0" eaLnBrk="1" fontAlgn="auto" latinLnBrk="0" hangingPunct="1">
+            <a:lvl1pPr marL="254278" marR="0" indent="-254278" algn="l" defTabSz="1356148" rtl="0" eaLnBrk="1" fontAlgn="auto" latinLnBrk="0" hangingPunct="1">
               <a:lnSpc>
                 <a:spcPct val="100000"/>
               </a:lnSpc>
               <a:spcBef>
-                <a:spcPts val="300"/>
+                <a:spcPts val="400"/>
               </a:spcBef>
               <a:spcAft>
                 <a:spcPts val="0"/>
@@ -4633,7 +4588,7 @@
                 <a:blip r:embed="rId2"/>
               </a:buBlip>
               <a:tabLst/>
-              <a:defRPr sz="1200"/>
+              <a:defRPr sz="1600"/>
             </a:lvl1pPr>
           </a:lstStyle>
           <a:p>
@@ -4663,8 +4618,8 @@
         </p:nvSpPr>
         <p:spPr>
           <a:xfrm>
-            <a:off x="2569845" y="2523435"/>
-            <a:ext cx="2530833" cy="276999"/>
+            <a:off x="2310339" y="1088776"/>
+            <a:ext cx="2275261" cy="738664"/>
           </a:xfrm>
           <a:prstGeom prst="rect">
             <a:avLst/>
@@ -4675,7 +4630,7 @@
             <a:spAutoFit/>
           </a:bodyPr>
           <a:lstStyle>
-            <a:lvl1pPr marL="0" marR="0" indent="0" algn="l" defTabSz="1017087" rtl="0" eaLnBrk="1" fontAlgn="auto" latinLnBrk="0" hangingPunct="1">
+            <a:lvl1pPr marL="0" marR="0" indent="0" algn="l" defTabSz="1356148" rtl="0" eaLnBrk="1" fontAlgn="auto" latinLnBrk="0" hangingPunct="1">
               <a:lnSpc>
                 <a:spcPct val="100000"/>
               </a:lnSpc>
@@ -4690,7 +4645,7 @@
               <a:buFont typeface="Arial" pitchFamily="34" charset="0"/>
               <a:buNone/>
               <a:tabLst/>
-              <a:defRPr sz="1800" b="1"/>
+              <a:defRPr sz="2400" b="1"/>
             </a:lvl1pPr>
           </a:lstStyle>
           <a:p>
@@ -4720,8 +4675,8 @@
         </p:nvSpPr>
         <p:spPr>
           <a:xfrm>
-            <a:off x="2569844" y="2833960"/>
-            <a:ext cx="2526888" cy="542061"/>
+            <a:off x="2310337" y="1222756"/>
+            <a:ext cx="2271717" cy="233880"/>
           </a:xfrm>
           <a:prstGeom prst="rect">
             <a:avLst/>
@@ -4732,12 +4687,12 @@
             <a:noAutofit/>
           </a:bodyPr>
           <a:lstStyle>
-            <a:lvl1pPr marL="190704" marR="0" indent="-190704" algn="l" defTabSz="1017087" rtl="0" eaLnBrk="1" fontAlgn="auto" latinLnBrk="0" hangingPunct="1">
+            <a:lvl1pPr marL="254278" marR="0" indent="-254278" algn="l" defTabSz="1356148" rtl="0" eaLnBrk="1" fontAlgn="auto" latinLnBrk="0" hangingPunct="1">
               <a:lnSpc>
                 <a:spcPct val="100000"/>
               </a:lnSpc>
               <a:spcBef>
-                <a:spcPts val="300"/>
+                <a:spcPts val="400"/>
               </a:spcBef>
               <a:spcAft>
                 <a:spcPts val="0"/>
@@ -4749,7 +4704,7 @@
                 <a:blip r:embed="rId2"/>
               </a:buBlip>
               <a:tabLst/>
-              <a:defRPr sz="1200"/>
+              <a:defRPr sz="1600"/>
             </a:lvl1pPr>
           </a:lstStyle>
           <a:p>
@@ -4779,8 +4734,8 @@
         </p:nvSpPr>
         <p:spPr>
           <a:xfrm>
-            <a:off x="2569845" y="3907466"/>
-            <a:ext cx="2530833" cy="276999"/>
+            <a:off x="2310339" y="1685936"/>
+            <a:ext cx="2275261" cy="738664"/>
           </a:xfrm>
           <a:prstGeom prst="rect">
             <a:avLst/>
@@ -4791,7 +4746,7 @@
             <a:spAutoFit/>
           </a:bodyPr>
           <a:lstStyle>
-            <a:lvl1pPr marL="0" marR="0" indent="0" algn="l" defTabSz="1017087" rtl="0" eaLnBrk="1" fontAlgn="auto" latinLnBrk="0" hangingPunct="1">
+            <a:lvl1pPr marL="0" marR="0" indent="0" algn="l" defTabSz="1356148" rtl="0" eaLnBrk="1" fontAlgn="auto" latinLnBrk="0" hangingPunct="1">
               <a:lnSpc>
                 <a:spcPct val="100000"/>
               </a:lnSpc>
@@ -4806,7 +4761,7 @@
               <a:buFont typeface="Arial" pitchFamily="34" charset="0"/>
               <a:buNone/>
               <a:tabLst/>
-              <a:defRPr sz="1800" b="1"/>
+              <a:defRPr sz="2400" b="1"/>
             </a:lvl1pPr>
           </a:lstStyle>
           <a:p>
@@ -4836,8 +4791,8 @@
         </p:nvSpPr>
         <p:spPr>
           <a:xfrm>
-            <a:off x="2569844" y="4217991"/>
-            <a:ext cx="2526888" cy="542061"/>
+            <a:off x="2310337" y="1819918"/>
+            <a:ext cx="2271717" cy="233880"/>
           </a:xfrm>
           <a:prstGeom prst="rect">
             <a:avLst/>
@@ -4848,12 +4803,12 @@
             <a:noAutofit/>
           </a:bodyPr>
           <a:lstStyle>
-            <a:lvl1pPr marL="190704" marR="0" indent="-190704" algn="l" defTabSz="1017087" rtl="0" eaLnBrk="1" fontAlgn="auto" latinLnBrk="0" hangingPunct="1">
+            <a:lvl1pPr marL="254278" marR="0" indent="-254278" algn="l" defTabSz="1356148" rtl="0" eaLnBrk="1" fontAlgn="auto" latinLnBrk="0" hangingPunct="1">
               <a:lnSpc>
                 <a:spcPct val="100000"/>
               </a:lnSpc>
               <a:spcBef>
-                <a:spcPts val="300"/>
+                <a:spcPts val="400"/>
               </a:spcBef>
               <a:spcAft>
                 <a:spcPts val="0"/>
@@ -4865,7 +4820,7 @@
                 <a:blip r:embed="rId2"/>
               </a:buBlip>
               <a:tabLst/>
-              <a:defRPr sz="1200"/>
+              <a:defRPr sz="1600"/>
             </a:lvl1pPr>
           </a:lstStyle>
           <a:p>
@@ -4895,8 +4850,8 @@
         </p:nvSpPr>
         <p:spPr>
           <a:xfrm>
-            <a:off x="7322050" y="1138753"/>
-            <a:ext cx="2530833" cy="276999"/>
+            <a:off x="6582651" y="491333"/>
+            <a:ext cx="2275261" cy="738664"/>
           </a:xfrm>
           <a:prstGeom prst="rect">
             <a:avLst/>
@@ -4907,7 +4862,7 @@
             <a:spAutoFit/>
           </a:bodyPr>
           <a:lstStyle>
-            <a:lvl1pPr marL="0" marR="0" indent="0" algn="l" defTabSz="1017087" rtl="0" eaLnBrk="1" fontAlgn="auto" latinLnBrk="0" hangingPunct="1">
+            <a:lvl1pPr marL="0" marR="0" indent="0" algn="l" defTabSz="1356148" rtl="0" eaLnBrk="1" fontAlgn="auto" latinLnBrk="0" hangingPunct="1">
               <a:lnSpc>
                 <a:spcPct val="100000"/>
               </a:lnSpc>
@@ -4922,7 +4877,7 @@
               <a:buFont typeface="Arial" pitchFamily="34" charset="0"/>
               <a:buNone/>
               <a:tabLst/>
-              <a:defRPr sz="1800" b="1"/>
+              <a:defRPr sz="2400" b="1"/>
             </a:lvl1pPr>
           </a:lstStyle>
           <a:p>
@@ -4952,8 +4907,8 @@
         </p:nvSpPr>
         <p:spPr>
           <a:xfrm>
-            <a:off x="7322049" y="1449278"/>
-            <a:ext cx="2526888" cy="542061"/>
+            <a:off x="6582648" y="625314"/>
+            <a:ext cx="2271717" cy="233880"/>
           </a:xfrm>
           <a:prstGeom prst="rect">
             <a:avLst/>
@@ -4964,12 +4919,12 @@
             <a:noAutofit/>
           </a:bodyPr>
           <a:lstStyle>
-            <a:lvl1pPr marL="190704" marR="0" indent="-190704" algn="l" defTabSz="1017087" rtl="0" eaLnBrk="1" fontAlgn="auto" latinLnBrk="0" hangingPunct="1">
+            <a:lvl1pPr marL="254278" marR="0" indent="-254278" algn="l" defTabSz="1356148" rtl="0" eaLnBrk="1" fontAlgn="auto" latinLnBrk="0" hangingPunct="1">
               <a:lnSpc>
                 <a:spcPct val="100000"/>
               </a:lnSpc>
               <a:spcBef>
-                <a:spcPts val="300"/>
+                <a:spcPts val="400"/>
               </a:spcBef>
               <a:spcAft>
                 <a:spcPts val="0"/>
@@ -4981,7 +4936,7 @@
                 <a:blip r:embed="rId2"/>
               </a:buBlip>
               <a:tabLst/>
-              <a:defRPr sz="1200"/>
+              <a:defRPr sz="1600"/>
             </a:lvl1pPr>
           </a:lstStyle>
           <a:p>
@@ -5011,8 +4966,8 @@
         </p:nvSpPr>
         <p:spPr>
           <a:xfrm>
-            <a:off x="7322050" y="2523435"/>
-            <a:ext cx="2530833" cy="276999"/>
+            <a:off x="6582651" y="1088776"/>
+            <a:ext cx="2275261" cy="738664"/>
           </a:xfrm>
           <a:prstGeom prst="rect">
             <a:avLst/>
@@ -5023,7 +4978,7 @@
             <a:spAutoFit/>
           </a:bodyPr>
           <a:lstStyle>
-            <a:lvl1pPr marL="0" marR="0" indent="0" algn="l" defTabSz="1017087" rtl="0" eaLnBrk="1" fontAlgn="auto" latinLnBrk="0" hangingPunct="1">
+            <a:lvl1pPr marL="0" marR="0" indent="0" algn="l" defTabSz="1356148" rtl="0" eaLnBrk="1" fontAlgn="auto" latinLnBrk="0" hangingPunct="1">
               <a:lnSpc>
                 <a:spcPct val="100000"/>
               </a:lnSpc>
@@ -5038,7 +4993,7 @@
               <a:buFont typeface="Arial" pitchFamily="34" charset="0"/>
               <a:buNone/>
               <a:tabLst/>
-              <a:defRPr sz="1800" b="1"/>
+              <a:defRPr sz="2400" b="1"/>
             </a:lvl1pPr>
           </a:lstStyle>
           <a:p>
@@ -5068,8 +5023,8 @@
         </p:nvSpPr>
         <p:spPr>
           <a:xfrm>
-            <a:off x="7322049" y="2833960"/>
-            <a:ext cx="2526888" cy="542061"/>
+            <a:off x="6582648" y="1222756"/>
+            <a:ext cx="2271717" cy="233880"/>
           </a:xfrm>
           <a:prstGeom prst="rect">
             <a:avLst/>
@@ -5080,12 +5035,12 @@
             <a:noAutofit/>
           </a:bodyPr>
           <a:lstStyle>
-            <a:lvl1pPr marL="190704" marR="0" indent="-190704" algn="l" defTabSz="1017087" rtl="0" eaLnBrk="1" fontAlgn="auto" latinLnBrk="0" hangingPunct="1">
+            <a:lvl1pPr marL="254278" marR="0" indent="-254278" algn="l" defTabSz="1356148" rtl="0" eaLnBrk="1" fontAlgn="auto" latinLnBrk="0" hangingPunct="1">
               <a:lnSpc>
                 <a:spcPct val="100000"/>
               </a:lnSpc>
               <a:spcBef>
-                <a:spcPts val="300"/>
+                <a:spcPts val="400"/>
               </a:spcBef>
               <a:spcAft>
                 <a:spcPts val="0"/>
@@ -5097,7 +5052,7 @@
                 <a:blip r:embed="rId2"/>
               </a:buBlip>
               <a:tabLst/>
-              <a:defRPr sz="1200"/>
+              <a:defRPr sz="1600"/>
             </a:lvl1pPr>
           </a:lstStyle>
           <a:p>
@@ -5127,8 +5082,8 @@
         </p:nvSpPr>
         <p:spPr>
           <a:xfrm>
-            <a:off x="7322050" y="3907466"/>
-            <a:ext cx="2530833" cy="276999"/>
+            <a:off x="6582651" y="1685936"/>
+            <a:ext cx="2275261" cy="738664"/>
           </a:xfrm>
           <a:prstGeom prst="rect">
             <a:avLst/>
@@ -5139,7 +5094,7 @@
             <a:spAutoFit/>
           </a:bodyPr>
           <a:lstStyle>
-            <a:lvl1pPr marL="0" marR="0" indent="0" algn="l" defTabSz="1017087" rtl="0" eaLnBrk="1" fontAlgn="auto" latinLnBrk="0" hangingPunct="1">
+            <a:lvl1pPr marL="0" marR="0" indent="0" algn="l" defTabSz="1356148" rtl="0" eaLnBrk="1" fontAlgn="auto" latinLnBrk="0" hangingPunct="1">
               <a:lnSpc>
                 <a:spcPct val="100000"/>
               </a:lnSpc>
@@ -5154,7 +5109,7 @@
               <a:buFont typeface="Arial" pitchFamily="34" charset="0"/>
               <a:buNone/>
               <a:tabLst/>
-              <a:defRPr sz="1800" b="1"/>
+              <a:defRPr sz="2400" b="1"/>
             </a:lvl1pPr>
           </a:lstStyle>
           <a:p>
@@ -5184,8 +5139,8 @@
         </p:nvSpPr>
         <p:spPr>
           <a:xfrm>
-            <a:off x="7322049" y="4217991"/>
-            <a:ext cx="2526888" cy="542061"/>
+            <a:off x="6582648" y="1819918"/>
+            <a:ext cx="2271717" cy="233880"/>
           </a:xfrm>
           <a:prstGeom prst="rect">
             <a:avLst/>
@@ -5196,12 +5151,12 @@
             <a:noAutofit/>
           </a:bodyPr>
           <a:lstStyle>
-            <a:lvl1pPr marL="190704" marR="0" indent="-190704" algn="l" defTabSz="1017087" rtl="0" eaLnBrk="1" fontAlgn="auto" latinLnBrk="0" hangingPunct="1">
+            <a:lvl1pPr marL="254278" marR="0" indent="-254278" algn="l" defTabSz="1356148" rtl="0" eaLnBrk="1" fontAlgn="auto" latinLnBrk="0" hangingPunct="1">
               <a:lnSpc>
                 <a:spcPct val="100000"/>
               </a:lnSpc>
               <a:spcBef>
-                <a:spcPts val="300"/>
+                <a:spcPts val="400"/>
               </a:spcBef>
               <a:spcAft>
                 <a:spcPts val="0"/>
@@ -5213,7 +5168,7 @@
                 <a:blip r:embed="rId2"/>
               </a:buBlip>
               <a:tabLst/>
-              <a:defRPr sz="1200"/>
+              <a:defRPr sz="1600"/>
             </a:lvl1pPr>
           </a:lstStyle>
           <a:p>
@@ -5238,12 +5193,12 @@
   <p:extLst>
     <p:ext uri="{DCECCB84-F9BA-43D5-87BE-67443E8EF086}">
       <p15:sldGuideLst xmlns:p15="http://schemas.microsoft.com/office/powerpoint/2012/main">
-        <p15:guide id="1" pos="3408">
+        <p15:guide id="1" pos="3062" userDrawn="1">
           <p15:clr>
             <a:srgbClr val="FBAE40"/>
           </p15:clr>
         </p15:guide>
-        <p15:guide id="2" pos="3480">
+        <p15:guide id="2" pos="3129" userDrawn="1">
           <p15:clr>
             <a:srgbClr val="FBAE40"/>
           </p15:clr>
@@ -5285,8 +5240,8 @@
         </p:nvSpPr>
         <p:spPr>
           <a:xfrm>
-            <a:off x="2281438" y="842311"/>
-            <a:ext cx="3128762" cy="921022"/>
+            <a:off x="2051054" y="363432"/>
+            <a:ext cx="2812809" cy="397389"/>
           </a:xfrm>
           <a:prstGeom prst="rect">
             <a:avLst/>
@@ -5315,13 +5270,13 @@
           </a:fontRef>
         </p:style>
         <p:txBody>
-          <a:bodyPr wrap="none" lIns="120131" tIns="40044" rIns="120131" bIns="40044" rtlCol="0" anchor="ctr" anchorCtr="0">
-            <a:normAutofit/>
+          <a:bodyPr wrap="none" lIns="160175" tIns="53392" rIns="160175" bIns="53392" rtlCol="0" anchor="ctr" anchorCtr="0">
+            <a:normAutofit fontScale="77500" lnSpcReduction="20000"/>
           </a:bodyPr>
           <a:lstStyle/>
           <a:p>
             <a:pPr algn="ctr"/>
-            <a:endParaRPr lang="de-DE" sz="2002" dirty="0" err="1">
+            <a:endParaRPr lang="de-DE" sz="2670" dirty="0" err="1">
               <a:latin typeface="+mj-lt"/>
             </a:endParaRPr>
           </a:p>
@@ -5341,8 +5296,8 @@
         </p:nvSpPr>
         <p:spPr>
           <a:xfrm>
-            <a:off x="2281438" y="1880127"/>
-            <a:ext cx="3128762" cy="921022"/>
+            <a:off x="2051054" y="811211"/>
+            <a:ext cx="2812809" cy="397389"/>
           </a:xfrm>
           <a:prstGeom prst="rect">
             <a:avLst/>
@@ -5371,13 +5326,13 @@
           </a:fontRef>
         </p:style>
         <p:txBody>
-          <a:bodyPr wrap="none" lIns="120131" tIns="40044" rIns="120131" bIns="40044" rtlCol="0" anchor="ctr" anchorCtr="0">
-            <a:normAutofit/>
+          <a:bodyPr wrap="none" lIns="160175" tIns="53392" rIns="160175" bIns="53392" rtlCol="0" anchor="ctr" anchorCtr="0">
+            <a:normAutofit fontScale="77500" lnSpcReduction="20000"/>
           </a:bodyPr>
           <a:lstStyle/>
           <a:p>
             <a:pPr algn="ctr"/>
-            <a:endParaRPr lang="de-DE" sz="2002" dirty="0" err="1">
+            <a:endParaRPr lang="de-DE" sz="2670" dirty="0" err="1">
               <a:latin typeface="+mj-lt"/>
             </a:endParaRPr>
           </a:p>
@@ -5397,8 +5352,8 @@
         </p:nvSpPr>
         <p:spPr>
           <a:xfrm>
-            <a:off x="2281438" y="2915595"/>
-            <a:ext cx="3128762" cy="921022"/>
+            <a:off x="2051054" y="1257979"/>
+            <a:ext cx="2812809" cy="397389"/>
           </a:xfrm>
           <a:prstGeom prst="rect">
             <a:avLst/>
@@ -5427,13 +5382,13 @@
           </a:fontRef>
         </p:style>
         <p:txBody>
-          <a:bodyPr wrap="none" lIns="120131" tIns="40044" rIns="120131" bIns="40044" rtlCol="0" anchor="ctr" anchorCtr="0">
-            <a:normAutofit/>
+          <a:bodyPr wrap="none" lIns="160175" tIns="53392" rIns="160175" bIns="53392" rtlCol="0" anchor="ctr" anchorCtr="0">
+            <a:normAutofit fontScale="77500" lnSpcReduction="20000"/>
           </a:bodyPr>
           <a:lstStyle/>
           <a:p>
             <a:pPr algn="ctr"/>
-            <a:endParaRPr lang="de-DE" sz="2002" dirty="0" err="1">
+            <a:endParaRPr lang="de-DE" sz="2670" dirty="0" err="1">
               <a:latin typeface="+mj-lt"/>
             </a:endParaRPr>
           </a:p>
@@ -5453,8 +5408,8 @@
         </p:nvSpPr>
         <p:spPr>
           <a:xfrm>
-            <a:off x="2281438" y="3958017"/>
-            <a:ext cx="3128762" cy="921022"/>
+            <a:off x="2051054" y="1707749"/>
+            <a:ext cx="2812809" cy="397389"/>
           </a:xfrm>
           <a:prstGeom prst="rect">
             <a:avLst/>
@@ -5483,13 +5438,13 @@
           </a:fontRef>
         </p:style>
         <p:txBody>
-          <a:bodyPr wrap="none" lIns="120131" tIns="40044" rIns="120131" bIns="40044" rtlCol="0" anchor="ctr" anchorCtr="0">
-            <a:normAutofit/>
+          <a:bodyPr wrap="none" lIns="160175" tIns="53392" rIns="160175" bIns="53392" rtlCol="0" anchor="ctr" anchorCtr="0">
+            <a:normAutofit fontScale="77500" lnSpcReduction="20000"/>
           </a:bodyPr>
           <a:lstStyle/>
           <a:p>
             <a:pPr algn="ctr"/>
-            <a:endParaRPr lang="de-DE" sz="2002" dirty="0" err="1">
+            <a:endParaRPr lang="de-DE" sz="2670" dirty="0" err="1">
               <a:latin typeface="+mj-lt"/>
             </a:endParaRPr>
           </a:p>
@@ -5509,8 +5464,8 @@
         </p:nvSpPr>
         <p:spPr>
           <a:xfrm>
-            <a:off x="7045615" y="842311"/>
-            <a:ext cx="3128762" cy="921022"/>
+            <a:off x="6334128" y="363432"/>
+            <a:ext cx="2812809" cy="397389"/>
           </a:xfrm>
           <a:prstGeom prst="rect">
             <a:avLst/>
@@ -5539,13 +5494,13 @@
           </a:fontRef>
         </p:style>
         <p:txBody>
-          <a:bodyPr wrap="none" lIns="120131" tIns="40044" rIns="120131" bIns="40044" rtlCol="0" anchor="ctr" anchorCtr="0">
-            <a:normAutofit/>
+          <a:bodyPr wrap="none" lIns="160175" tIns="53392" rIns="160175" bIns="53392" rtlCol="0" anchor="ctr" anchorCtr="0">
+            <a:normAutofit fontScale="77500" lnSpcReduction="20000"/>
           </a:bodyPr>
           <a:lstStyle/>
           <a:p>
             <a:pPr algn="ctr"/>
-            <a:endParaRPr lang="de-DE" sz="2002" dirty="0" err="1">
+            <a:endParaRPr lang="de-DE" sz="2670" dirty="0" err="1">
               <a:latin typeface="+mj-lt"/>
             </a:endParaRPr>
           </a:p>
@@ -5565,8 +5520,8 @@
         </p:nvSpPr>
         <p:spPr>
           <a:xfrm>
-            <a:off x="7045615" y="1880127"/>
-            <a:ext cx="3128762" cy="921022"/>
+            <a:off x="6334128" y="811211"/>
+            <a:ext cx="2812809" cy="397389"/>
           </a:xfrm>
           <a:prstGeom prst="rect">
             <a:avLst/>
@@ -5595,13 +5550,13 @@
           </a:fontRef>
         </p:style>
         <p:txBody>
-          <a:bodyPr wrap="none" lIns="120131" tIns="40044" rIns="120131" bIns="40044" rtlCol="0" anchor="ctr" anchorCtr="0">
-            <a:normAutofit/>
+          <a:bodyPr wrap="none" lIns="160175" tIns="53392" rIns="160175" bIns="53392" rtlCol="0" anchor="ctr" anchorCtr="0">
+            <a:normAutofit fontScale="77500" lnSpcReduction="20000"/>
           </a:bodyPr>
           <a:lstStyle/>
           <a:p>
             <a:pPr algn="ctr"/>
-            <a:endParaRPr lang="de-DE" sz="2002" dirty="0" err="1">
+            <a:endParaRPr lang="de-DE" sz="2670" dirty="0" err="1">
               <a:latin typeface="+mj-lt"/>
             </a:endParaRPr>
           </a:p>
@@ -5621,8 +5576,8 @@
         </p:nvSpPr>
         <p:spPr>
           <a:xfrm>
-            <a:off x="7045615" y="2915595"/>
-            <a:ext cx="3128762" cy="921022"/>
+            <a:off x="6334128" y="1257979"/>
+            <a:ext cx="2812809" cy="397389"/>
           </a:xfrm>
           <a:prstGeom prst="rect">
             <a:avLst/>
@@ -5651,13 +5606,13 @@
           </a:fontRef>
         </p:style>
         <p:txBody>
-          <a:bodyPr wrap="none" lIns="120131" tIns="40044" rIns="120131" bIns="40044" rtlCol="0" anchor="ctr" anchorCtr="0">
-            <a:normAutofit/>
+          <a:bodyPr wrap="none" lIns="160175" tIns="53392" rIns="160175" bIns="53392" rtlCol="0" anchor="ctr" anchorCtr="0">
+            <a:normAutofit fontScale="77500" lnSpcReduction="20000"/>
           </a:bodyPr>
           <a:lstStyle/>
           <a:p>
             <a:pPr algn="ctr"/>
-            <a:endParaRPr lang="de-DE" sz="2002" dirty="0" err="1">
+            <a:endParaRPr lang="de-DE" sz="2670" dirty="0" err="1">
               <a:latin typeface="+mj-lt"/>
             </a:endParaRPr>
           </a:p>
@@ -5677,8 +5632,8 @@
         </p:nvSpPr>
         <p:spPr>
           <a:xfrm>
-            <a:off x="7045615" y="3958017"/>
-            <a:ext cx="3128762" cy="921022"/>
+            <a:off x="6334128" y="1707749"/>
+            <a:ext cx="2812809" cy="397389"/>
           </a:xfrm>
           <a:prstGeom prst="rect">
             <a:avLst/>
@@ -5707,13 +5662,13 @@
           </a:fontRef>
         </p:style>
         <p:txBody>
-          <a:bodyPr wrap="none" lIns="120131" tIns="40044" rIns="120131" bIns="40044" rtlCol="0" anchor="ctr" anchorCtr="0">
-            <a:normAutofit/>
+          <a:bodyPr wrap="none" lIns="160175" tIns="53392" rIns="160175" bIns="53392" rtlCol="0" anchor="ctr" anchorCtr="0">
+            <a:normAutofit fontScale="77500" lnSpcReduction="20000"/>
           </a:bodyPr>
           <a:lstStyle/>
           <a:p>
             <a:pPr algn="ctr"/>
-            <a:endParaRPr lang="de-DE" sz="2002" dirty="0" err="1">
+            <a:endParaRPr lang="de-DE" sz="2670" dirty="0" err="1">
               <a:latin typeface="+mj-lt"/>
             </a:endParaRPr>
           </a:p>
@@ -5737,8 +5692,8 @@
         </p:nvSpPr>
         <p:spPr>
           <a:xfrm>
-            <a:off x="761069" y="842309"/>
-            <a:ext cx="1520369" cy="916418"/>
+            <a:off x="684213" y="363432"/>
+            <a:ext cx="1366838" cy="395403"/>
           </a:xfrm>
           <a:prstGeom prst="rect">
             <a:avLst/>
@@ -5749,7 +5704,7 @@
           <a:lstStyle>
             <a:lvl1pPr marL="0" indent="0" algn="ctr">
               <a:buNone/>
-              <a:defRPr sz="1335"/>
+              <a:defRPr sz="1781"/>
             </a:lvl1pPr>
           </a:lstStyle>
           <a:p>
@@ -5779,8 +5734,8 @@
         </p:nvSpPr>
         <p:spPr>
           <a:xfrm>
-            <a:off x="307024" y="264556"/>
-            <a:ext cx="9587864" cy="369332"/>
+            <a:off x="276023" y="114148"/>
+            <a:ext cx="8619650" cy="159354"/>
           </a:xfrm>
           <a:prstGeom prst="rect">
             <a:avLst/>
@@ -5796,7 +5751,7 @@
           <a:p>
             <a:pPr algn="l"/>
             <a:r>
-              <a:rPr lang="de-DE" sz="2400" b="1" dirty="0"/>
+              <a:rPr lang="de-DE" sz="3200" b="1" dirty="0"/>
               <a:t>Überschrift durch Klicken hinzufügen</a:t>
             </a:r>
           </a:p>
@@ -5820,8 +5775,8 @@
         </p:nvSpPr>
         <p:spPr>
           <a:xfrm>
-            <a:off x="761069" y="1884731"/>
-            <a:ext cx="1520369" cy="916418"/>
+            <a:off x="684213" y="813200"/>
+            <a:ext cx="1366838" cy="395403"/>
           </a:xfrm>
           <a:prstGeom prst="rect">
             <a:avLst/>
@@ -5832,7 +5787,7 @@
           <a:lstStyle>
             <a:lvl1pPr marL="0" indent="0" algn="ctr">
               <a:buNone/>
-              <a:defRPr sz="1335"/>
+              <a:defRPr sz="1781"/>
             </a:lvl1pPr>
           </a:lstStyle>
           <a:p>
@@ -5862,8 +5817,8 @@
         </p:nvSpPr>
         <p:spPr>
           <a:xfrm>
-            <a:off x="761069" y="2920199"/>
-            <a:ext cx="1520369" cy="916418"/>
+            <a:off x="684213" y="1259970"/>
+            <a:ext cx="1366838" cy="395403"/>
           </a:xfrm>
           <a:prstGeom prst="rect">
             <a:avLst/>
@@ -5874,7 +5829,7 @@
           <a:lstStyle>
             <a:lvl1pPr marL="0" indent="0" algn="ctr">
               <a:buNone/>
-              <a:defRPr sz="1335"/>
+              <a:defRPr sz="1781"/>
             </a:lvl1pPr>
           </a:lstStyle>
           <a:p>
@@ -5904,8 +5859,8 @@
         </p:nvSpPr>
         <p:spPr>
           <a:xfrm>
-            <a:off x="761069" y="3962621"/>
-            <a:ext cx="1520369" cy="916418"/>
+            <a:off x="684213" y="1709738"/>
+            <a:ext cx="1366838" cy="395403"/>
           </a:xfrm>
           <a:prstGeom prst="rect">
             <a:avLst/>
@@ -5916,7 +5871,7 @@
           <a:lstStyle>
             <a:lvl1pPr marL="0" indent="0" algn="ctr">
               <a:buNone/>
-              <a:defRPr sz="1335"/>
+              <a:defRPr sz="1781"/>
             </a:lvl1pPr>
           </a:lstStyle>
           <a:p>
@@ -5946,8 +5901,8 @@
         </p:nvSpPr>
         <p:spPr>
           <a:xfrm>
-            <a:off x="5525246" y="842309"/>
-            <a:ext cx="1520369" cy="916418"/>
+            <a:off x="4967290" y="363432"/>
+            <a:ext cx="1366838" cy="395403"/>
           </a:xfrm>
           <a:prstGeom prst="rect">
             <a:avLst/>
@@ -5958,7 +5913,7 @@
           <a:lstStyle>
             <a:lvl1pPr marL="0" indent="0" algn="ctr">
               <a:buNone/>
-              <a:defRPr sz="1335"/>
+              <a:defRPr sz="1781"/>
             </a:lvl1pPr>
           </a:lstStyle>
           <a:p>
@@ -5988,8 +5943,8 @@
         </p:nvSpPr>
         <p:spPr>
           <a:xfrm>
-            <a:off x="5525246" y="1882429"/>
-            <a:ext cx="1520369" cy="916418"/>
+            <a:off x="4967290" y="812208"/>
+            <a:ext cx="1366838" cy="395403"/>
           </a:xfrm>
           <a:prstGeom prst="rect">
             <a:avLst/>
@@ -6000,7 +5955,7 @@
           <a:lstStyle>
             <a:lvl1pPr marL="0" indent="0" algn="ctr">
               <a:buNone/>
-              <a:defRPr sz="1335"/>
+              <a:defRPr sz="1781"/>
             </a:lvl1pPr>
           </a:lstStyle>
           <a:p>
@@ -6030,8 +5985,8 @@
         </p:nvSpPr>
         <p:spPr>
           <a:xfrm>
-            <a:off x="5525246" y="2917897"/>
-            <a:ext cx="1520369" cy="916418"/>
+            <a:off x="4967290" y="1258976"/>
+            <a:ext cx="1366838" cy="395403"/>
           </a:xfrm>
           <a:prstGeom prst="rect">
             <a:avLst/>
@@ -6042,7 +5997,7 @@
           <a:lstStyle>
             <a:lvl1pPr marL="0" indent="0" algn="ctr">
               <a:buNone/>
-              <a:defRPr sz="1335"/>
+              <a:defRPr sz="1781"/>
             </a:lvl1pPr>
           </a:lstStyle>
           <a:p>
@@ -6072,8 +6027,8 @@
         </p:nvSpPr>
         <p:spPr>
           <a:xfrm>
-            <a:off x="5525246" y="3958017"/>
-            <a:ext cx="1520369" cy="916418"/>
+            <a:off x="4967290" y="1707750"/>
+            <a:ext cx="1366838" cy="395403"/>
           </a:xfrm>
           <a:prstGeom prst="rect">
             <a:avLst/>
@@ -6084,7 +6039,7 @@
           <a:lstStyle>
             <a:lvl1pPr marL="0" indent="0" algn="ctr">
               <a:buNone/>
-              <a:defRPr sz="1335"/>
+              <a:defRPr sz="1781"/>
             </a:lvl1pPr>
           </a:lstStyle>
           <a:p>
@@ -6114,8 +6069,8 @@
         </p:nvSpPr>
         <p:spPr>
           <a:xfrm>
-            <a:off x="2569845" y="952143"/>
-            <a:ext cx="2530833" cy="276999"/>
+            <a:off x="2310339" y="410818"/>
+            <a:ext cx="2275261" cy="738664"/>
           </a:xfrm>
           <a:prstGeom prst="rect">
             <a:avLst/>
@@ -6126,7 +6081,7 @@
             <a:spAutoFit/>
           </a:bodyPr>
           <a:lstStyle>
-            <a:lvl1pPr marL="0" marR="0" indent="0" algn="l" defTabSz="1017087" rtl="0" eaLnBrk="1" fontAlgn="auto" latinLnBrk="0" hangingPunct="1">
+            <a:lvl1pPr marL="0" marR="0" indent="0" algn="l" defTabSz="1356148" rtl="0" eaLnBrk="1" fontAlgn="auto" latinLnBrk="0" hangingPunct="1">
               <a:lnSpc>
                 <a:spcPct val="100000"/>
               </a:lnSpc>
@@ -6141,7 +6096,7 @@
               <a:buFont typeface="Arial" pitchFamily="34" charset="0"/>
               <a:buNone/>
               <a:tabLst/>
-              <a:defRPr sz="1800" b="1"/>
+              <a:defRPr sz="2400" b="1"/>
             </a:lvl1pPr>
           </a:lstStyle>
           <a:p>
@@ -6171,8 +6126,8 @@
         </p:nvSpPr>
         <p:spPr>
           <a:xfrm>
-            <a:off x="2569844" y="1262669"/>
-            <a:ext cx="2526888" cy="389682"/>
+            <a:off x="2310337" y="544797"/>
+            <a:ext cx="2271717" cy="168135"/>
           </a:xfrm>
           <a:prstGeom prst="rect">
             <a:avLst/>
@@ -6183,12 +6138,12 @@
             <a:noAutofit/>
           </a:bodyPr>
           <a:lstStyle>
-            <a:lvl1pPr marL="190704" marR="0" indent="-190704" algn="l" defTabSz="1017087" rtl="0" eaLnBrk="1" fontAlgn="auto" latinLnBrk="0" hangingPunct="1">
+            <a:lvl1pPr marL="254278" marR="0" indent="-254278" algn="l" defTabSz="1356148" rtl="0" eaLnBrk="1" fontAlgn="auto" latinLnBrk="0" hangingPunct="1">
               <a:lnSpc>
                 <a:spcPct val="100000"/>
               </a:lnSpc>
               <a:spcBef>
-                <a:spcPts val="300"/>
+                <a:spcPts val="400"/>
               </a:spcBef>
               <a:spcAft>
                 <a:spcPts val="0"/>
@@ -6200,7 +6155,7 @@
                 <a:blip r:embed="rId2"/>
               </a:buBlip>
               <a:tabLst/>
-              <a:defRPr sz="1200"/>
+              <a:defRPr sz="1600"/>
             </a:lvl1pPr>
           </a:lstStyle>
           <a:p>
@@ -6230,8 +6185,8 @@
         </p:nvSpPr>
         <p:spPr>
           <a:xfrm>
-            <a:off x="2569845" y="1995036"/>
-            <a:ext cx="2530833" cy="276999"/>
+            <a:off x="2310339" y="860790"/>
+            <a:ext cx="2275261" cy="738664"/>
           </a:xfrm>
           <a:prstGeom prst="rect">
             <a:avLst/>
@@ -6242,7 +6197,7 @@
             <a:spAutoFit/>
           </a:bodyPr>
           <a:lstStyle>
-            <a:lvl1pPr marL="0" marR="0" indent="0" algn="l" defTabSz="1017087" rtl="0" eaLnBrk="1" fontAlgn="auto" latinLnBrk="0" hangingPunct="1">
+            <a:lvl1pPr marL="0" marR="0" indent="0" algn="l" defTabSz="1356148" rtl="0" eaLnBrk="1" fontAlgn="auto" latinLnBrk="0" hangingPunct="1">
               <a:lnSpc>
                 <a:spcPct val="100000"/>
               </a:lnSpc>
@@ -6257,7 +6212,7 @@
               <a:buFont typeface="Arial" pitchFamily="34" charset="0"/>
               <a:buNone/>
               <a:tabLst/>
-              <a:defRPr sz="1800" b="1"/>
+              <a:defRPr sz="2400" b="1"/>
             </a:lvl1pPr>
           </a:lstStyle>
           <a:p>
@@ -6287,8 +6242,8 @@
         </p:nvSpPr>
         <p:spPr>
           <a:xfrm>
-            <a:off x="2569844" y="2305562"/>
-            <a:ext cx="2526888" cy="389682"/>
+            <a:off x="2310337" y="994770"/>
+            <a:ext cx="2271717" cy="168135"/>
           </a:xfrm>
           <a:prstGeom prst="rect">
             <a:avLst/>
@@ -6299,12 +6254,12 @@
             <a:noAutofit/>
           </a:bodyPr>
           <a:lstStyle>
-            <a:lvl1pPr marL="190704" marR="0" indent="-190704" algn="l" defTabSz="1017087" rtl="0" eaLnBrk="1" fontAlgn="auto" latinLnBrk="0" hangingPunct="1">
+            <a:lvl1pPr marL="254278" marR="0" indent="-254278" algn="l" defTabSz="1356148" rtl="0" eaLnBrk="1" fontAlgn="auto" latinLnBrk="0" hangingPunct="1">
               <a:lnSpc>
                 <a:spcPct val="100000"/>
               </a:lnSpc>
               <a:spcBef>
-                <a:spcPts val="300"/>
+                <a:spcPts val="400"/>
               </a:spcBef>
               <a:spcAft>
                 <a:spcPts val="0"/>
@@ -6316,7 +6271,7 @@
                 <a:blip r:embed="rId2"/>
               </a:buBlip>
               <a:tabLst/>
-              <a:defRPr sz="1200"/>
+              <a:defRPr sz="1600"/>
             </a:lvl1pPr>
           </a:lstStyle>
           <a:p>
@@ -6346,8 +6301,8 @@
         </p:nvSpPr>
         <p:spPr>
           <a:xfrm>
-            <a:off x="2569845" y="3028277"/>
-            <a:ext cx="2530833" cy="276999"/>
+            <a:off x="2310339" y="1306595"/>
+            <a:ext cx="2275261" cy="738664"/>
           </a:xfrm>
           <a:prstGeom prst="rect">
             <a:avLst/>
@@ -6358,7 +6313,7 @@
             <a:spAutoFit/>
           </a:bodyPr>
           <a:lstStyle>
-            <a:lvl1pPr marL="0" marR="0" indent="0" algn="l" defTabSz="1017087" rtl="0" eaLnBrk="1" fontAlgn="auto" latinLnBrk="0" hangingPunct="1">
+            <a:lvl1pPr marL="0" marR="0" indent="0" algn="l" defTabSz="1356148" rtl="0" eaLnBrk="1" fontAlgn="auto" latinLnBrk="0" hangingPunct="1">
               <a:lnSpc>
                 <a:spcPct val="100000"/>
               </a:lnSpc>
@@ -6373,7 +6328,7 @@
               <a:buFont typeface="Arial" pitchFamily="34" charset="0"/>
               <a:buNone/>
               <a:tabLst/>
-              <a:defRPr sz="1800" b="1"/>
+              <a:defRPr sz="2400" b="1"/>
             </a:lvl1pPr>
           </a:lstStyle>
           <a:p>
@@ -6403,8 +6358,8 @@
         </p:nvSpPr>
         <p:spPr>
           <a:xfrm>
-            <a:off x="2569844" y="3338803"/>
-            <a:ext cx="2526888" cy="389682"/>
+            <a:off x="2310337" y="1440577"/>
+            <a:ext cx="2271717" cy="168135"/>
           </a:xfrm>
           <a:prstGeom prst="rect">
             <a:avLst/>
@@ -6415,12 +6370,12 @@
             <a:noAutofit/>
           </a:bodyPr>
           <a:lstStyle>
-            <a:lvl1pPr marL="190704" marR="0" indent="-190704" algn="l" defTabSz="1017087" rtl="0" eaLnBrk="1" fontAlgn="auto" latinLnBrk="0" hangingPunct="1">
+            <a:lvl1pPr marL="254278" marR="0" indent="-254278" algn="l" defTabSz="1356148" rtl="0" eaLnBrk="1" fontAlgn="auto" latinLnBrk="0" hangingPunct="1">
               <a:lnSpc>
                 <a:spcPct val="100000"/>
               </a:lnSpc>
               <a:spcBef>
-                <a:spcPts val="300"/>
+                <a:spcPts val="400"/>
               </a:spcBef>
               <a:spcAft>
                 <a:spcPts val="0"/>
@@ -6432,7 +6387,7 @@
                 <a:blip r:embed="rId2"/>
               </a:buBlip>
               <a:tabLst/>
-              <a:defRPr sz="1200"/>
+              <a:defRPr sz="1600"/>
             </a:lvl1pPr>
           </a:lstStyle>
           <a:p>
@@ -6462,8 +6417,8 @@
         </p:nvSpPr>
         <p:spPr>
           <a:xfrm>
-            <a:off x="2569845" y="4068166"/>
-            <a:ext cx="2530833" cy="276999"/>
+            <a:off x="2310339" y="1755273"/>
+            <a:ext cx="2275261" cy="738664"/>
           </a:xfrm>
           <a:prstGeom prst="rect">
             <a:avLst/>
@@ -6474,7 +6429,7 @@
             <a:spAutoFit/>
           </a:bodyPr>
           <a:lstStyle>
-            <a:lvl1pPr marL="0" marR="0" indent="0" algn="l" defTabSz="1017087" rtl="0" eaLnBrk="1" fontAlgn="auto" latinLnBrk="0" hangingPunct="1">
+            <a:lvl1pPr marL="0" marR="0" indent="0" algn="l" defTabSz="1356148" rtl="0" eaLnBrk="1" fontAlgn="auto" latinLnBrk="0" hangingPunct="1">
               <a:lnSpc>
                 <a:spcPct val="100000"/>
               </a:lnSpc>
@@ -6489,7 +6444,7 @@
               <a:buFont typeface="Arial" pitchFamily="34" charset="0"/>
               <a:buNone/>
               <a:tabLst/>
-              <a:defRPr sz="1800" b="1"/>
+              <a:defRPr sz="2400" b="1"/>
             </a:lvl1pPr>
           </a:lstStyle>
           <a:p>
@@ -6519,8 +6474,8 @@
         </p:nvSpPr>
         <p:spPr>
           <a:xfrm>
-            <a:off x="2569844" y="4378692"/>
-            <a:ext cx="2526888" cy="389682"/>
+            <a:off x="2310337" y="1889253"/>
+            <a:ext cx="2271717" cy="168135"/>
           </a:xfrm>
           <a:prstGeom prst="rect">
             <a:avLst/>
@@ -6531,12 +6486,12 @@
             <a:noAutofit/>
           </a:bodyPr>
           <a:lstStyle>
-            <a:lvl1pPr marL="190704" marR="0" indent="-190704" algn="l" defTabSz="1017087" rtl="0" eaLnBrk="1" fontAlgn="auto" latinLnBrk="0" hangingPunct="1">
+            <a:lvl1pPr marL="254278" marR="0" indent="-254278" algn="l" defTabSz="1356148" rtl="0" eaLnBrk="1" fontAlgn="auto" latinLnBrk="0" hangingPunct="1">
               <a:lnSpc>
                 <a:spcPct val="100000"/>
               </a:lnSpc>
               <a:spcBef>
-                <a:spcPts val="300"/>
+                <a:spcPts val="400"/>
               </a:spcBef>
               <a:spcAft>
                 <a:spcPts val="0"/>
@@ -6548,7 +6503,7 @@
                 <a:blip r:embed="rId2"/>
               </a:buBlip>
               <a:tabLst/>
-              <a:defRPr sz="1200"/>
+              <a:defRPr sz="1600"/>
             </a:lvl1pPr>
           </a:lstStyle>
           <a:p>
@@ -6578,8 +6533,8 @@
         </p:nvSpPr>
         <p:spPr>
           <a:xfrm>
-            <a:off x="7334022" y="952143"/>
-            <a:ext cx="2530833" cy="276999"/>
+            <a:off x="6593415" y="410818"/>
+            <a:ext cx="2275261" cy="738664"/>
           </a:xfrm>
           <a:prstGeom prst="rect">
             <a:avLst/>
@@ -6590,7 +6545,7 @@
             <a:spAutoFit/>
           </a:bodyPr>
           <a:lstStyle>
-            <a:lvl1pPr marL="0" marR="0" indent="0" algn="l" defTabSz="1017087" rtl="0" eaLnBrk="1" fontAlgn="auto" latinLnBrk="0" hangingPunct="1">
+            <a:lvl1pPr marL="0" marR="0" indent="0" algn="l" defTabSz="1356148" rtl="0" eaLnBrk="1" fontAlgn="auto" latinLnBrk="0" hangingPunct="1">
               <a:lnSpc>
                 <a:spcPct val="100000"/>
               </a:lnSpc>
@@ -6605,7 +6560,7 @@
               <a:buFont typeface="Arial" pitchFamily="34" charset="0"/>
               <a:buNone/>
               <a:tabLst/>
-              <a:defRPr sz="1800" b="1"/>
+              <a:defRPr sz="2400" b="1"/>
             </a:lvl1pPr>
           </a:lstStyle>
           <a:p>
@@ -6635,8 +6590,8 @@
         </p:nvSpPr>
         <p:spPr>
           <a:xfrm>
-            <a:off x="7334021" y="1262669"/>
-            <a:ext cx="2526888" cy="389682"/>
+            <a:off x="6593409" y="544797"/>
+            <a:ext cx="2271717" cy="168135"/>
           </a:xfrm>
           <a:prstGeom prst="rect">
             <a:avLst/>
@@ -6647,12 +6602,12 @@
             <a:noAutofit/>
           </a:bodyPr>
           <a:lstStyle>
-            <a:lvl1pPr marL="190704" marR="0" indent="-190704" algn="l" defTabSz="1017087" rtl="0" eaLnBrk="1" fontAlgn="auto" latinLnBrk="0" hangingPunct="1">
+            <a:lvl1pPr marL="254278" marR="0" indent="-254278" algn="l" defTabSz="1356148" rtl="0" eaLnBrk="1" fontAlgn="auto" latinLnBrk="0" hangingPunct="1">
               <a:lnSpc>
                 <a:spcPct val="100000"/>
               </a:lnSpc>
               <a:spcBef>
-                <a:spcPts val="300"/>
+                <a:spcPts val="400"/>
               </a:spcBef>
               <a:spcAft>
                 <a:spcPts val="0"/>
@@ -6664,7 +6619,7 @@
                 <a:blip r:embed="rId2"/>
               </a:buBlip>
               <a:tabLst/>
-              <a:defRPr sz="1200"/>
+              <a:defRPr sz="1600"/>
             </a:lvl1pPr>
           </a:lstStyle>
           <a:p>
@@ -6694,8 +6649,8 @@
         </p:nvSpPr>
         <p:spPr>
           <a:xfrm>
-            <a:off x="7334022" y="1995036"/>
-            <a:ext cx="2530833" cy="276999"/>
+            <a:off x="6593415" y="860790"/>
+            <a:ext cx="2275261" cy="738664"/>
           </a:xfrm>
           <a:prstGeom prst="rect">
             <a:avLst/>
@@ -6706,7 +6661,7 @@
             <a:spAutoFit/>
           </a:bodyPr>
           <a:lstStyle>
-            <a:lvl1pPr marL="0" marR="0" indent="0" algn="l" defTabSz="1017087" rtl="0" eaLnBrk="1" fontAlgn="auto" latinLnBrk="0" hangingPunct="1">
+            <a:lvl1pPr marL="0" marR="0" indent="0" algn="l" defTabSz="1356148" rtl="0" eaLnBrk="1" fontAlgn="auto" latinLnBrk="0" hangingPunct="1">
               <a:lnSpc>
                 <a:spcPct val="100000"/>
               </a:lnSpc>
@@ -6721,7 +6676,7 @@
               <a:buFont typeface="Arial" pitchFamily="34" charset="0"/>
               <a:buNone/>
               <a:tabLst/>
-              <a:defRPr sz="1800" b="1"/>
+              <a:defRPr sz="2400" b="1"/>
             </a:lvl1pPr>
           </a:lstStyle>
           <a:p>
@@ -6751,8 +6706,8 @@
         </p:nvSpPr>
         <p:spPr>
           <a:xfrm>
-            <a:off x="7334021" y="2305562"/>
-            <a:ext cx="2526888" cy="389682"/>
+            <a:off x="6593409" y="994770"/>
+            <a:ext cx="2271717" cy="168135"/>
           </a:xfrm>
           <a:prstGeom prst="rect">
             <a:avLst/>
@@ -6763,12 +6718,12 @@
             <a:noAutofit/>
           </a:bodyPr>
           <a:lstStyle>
-            <a:lvl1pPr marL="190704" marR="0" indent="-190704" algn="l" defTabSz="1017087" rtl="0" eaLnBrk="1" fontAlgn="auto" latinLnBrk="0" hangingPunct="1">
+            <a:lvl1pPr marL="254278" marR="0" indent="-254278" algn="l" defTabSz="1356148" rtl="0" eaLnBrk="1" fontAlgn="auto" latinLnBrk="0" hangingPunct="1">
               <a:lnSpc>
                 <a:spcPct val="100000"/>
               </a:lnSpc>
               <a:spcBef>
-                <a:spcPts val="300"/>
+                <a:spcPts val="400"/>
               </a:spcBef>
               <a:spcAft>
                 <a:spcPts val="0"/>
@@ -6780,7 +6735,7 @@
                 <a:blip r:embed="rId2"/>
               </a:buBlip>
               <a:tabLst/>
-              <a:defRPr sz="1200"/>
+              <a:defRPr sz="1600"/>
             </a:lvl1pPr>
           </a:lstStyle>
           <a:p>
@@ -6810,8 +6765,8 @@
         </p:nvSpPr>
         <p:spPr>
           <a:xfrm>
-            <a:off x="7334022" y="3028277"/>
-            <a:ext cx="2530833" cy="276999"/>
+            <a:off x="6593415" y="1306595"/>
+            <a:ext cx="2275261" cy="738664"/>
           </a:xfrm>
           <a:prstGeom prst="rect">
             <a:avLst/>
@@ -6822,7 +6777,7 @@
             <a:spAutoFit/>
           </a:bodyPr>
           <a:lstStyle>
-            <a:lvl1pPr marL="0" marR="0" indent="0" algn="l" defTabSz="1017087" rtl="0" eaLnBrk="1" fontAlgn="auto" latinLnBrk="0" hangingPunct="1">
+            <a:lvl1pPr marL="0" marR="0" indent="0" algn="l" defTabSz="1356148" rtl="0" eaLnBrk="1" fontAlgn="auto" latinLnBrk="0" hangingPunct="1">
               <a:lnSpc>
                 <a:spcPct val="100000"/>
               </a:lnSpc>
@@ -6837,7 +6792,7 @@
               <a:buFont typeface="Arial" pitchFamily="34" charset="0"/>
               <a:buNone/>
               <a:tabLst/>
-              <a:defRPr sz="1800" b="1"/>
+              <a:defRPr sz="2400" b="1"/>
             </a:lvl1pPr>
           </a:lstStyle>
           <a:p>
@@ -6867,8 +6822,8 @@
         </p:nvSpPr>
         <p:spPr>
           <a:xfrm>
-            <a:off x="7334021" y="3338803"/>
-            <a:ext cx="2526888" cy="389682"/>
+            <a:off x="6593409" y="1440577"/>
+            <a:ext cx="2271717" cy="168135"/>
           </a:xfrm>
           <a:prstGeom prst="rect">
             <a:avLst/>
@@ -6879,12 +6834,12 @@
             <a:noAutofit/>
           </a:bodyPr>
           <a:lstStyle>
-            <a:lvl1pPr marL="190704" marR="0" indent="-190704" algn="l" defTabSz="1017087" rtl="0" eaLnBrk="1" fontAlgn="auto" latinLnBrk="0" hangingPunct="1">
+            <a:lvl1pPr marL="254278" marR="0" indent="-254278" algn="l" defTabSz="1356148" rtl="0" eaLnBrk="1" fontAlgn="auto" latinLnBrk="0" hangingPunct="1">
               <a:lnSpc>
                 <a:spcPct val="100000"/>
               </a:lnSpc>
               <a:spcBef>
-                <a:spcPts val="300"/>
+                <a:spcPts val="400"/>
               </a:spcBef>
               <a:spcAft>
                 <a:spcPts val="0"/>
@@ -6896,7 +6851,7 @@
                 <a:blip r:embed="rId2"/>
               </a:buBlip>
               <a:tabLst/>
-              <a:defRPr sz="1200"/>
+              <a:defRPr sz="1600"/>
             </a:lvl1pPr>
           </a:lstStyle>
           <a:p>
@@ -6926,8 +6881,8 @@
         </p:nvSpPr>
         <p:spPr>
           <a:xfrm>
-            <a:off x="7334022" y="4068166"/>
-            <a:ext cx="2530833" cy="276999"/>
+            <a:off x="6593415" y="1755273"/>
+            <a:ext cx="2275261" cy="738664"/>
           </a:xfrm>
           <a:prstGeom prst="rect">
             <a:avLst/>
@@ -6938,7 +6893,7 @@
             <a:spAutoFit/>
           </a:bodyPr>
           <a:lstStyle>
-            <a:lvl1pPr marL="0" marR="0" indent="0" algn="l" defTabSz="1017087" rtl="0" eaLnBrk="1" fontAlgn="auto" latinLnBrk="0" hangingPunct="1">
+            <a:lvl1pPr marL="0" marR="0" indent="0" algn="l" defTabSz="1356148" rtl="0" eaLnBrk="1" fontAlgn="auto" latinLnBrk="0" hangingPunct="1">
               <a:lnSpc>
                 <a:spcPct val="100000"/>
               </a:lnSpc>
@@ -6953,7 +6908,7 @@
               <a:buFont typeface="Arial" pitchFamily="34" charset="0"/>
               <a:buNone/>
               <a:tabLst/>
-              <a:defRPr sz="1800" b="1"/>
+              <a:defRPr sz="2400" b="1"/>
             </a:lvl1pPr>
           </a:lstStyle>
           <a:p>
@@ -6983,8 +6938,8 @@
         </p:nvSpPr>
         <p:spPr>
           <a:xfrm>
-            <a:off x="7334021" y="4378692"/>
-            <a:ext cx="2526888" cy="389682"/>
+            <a:off x="6593409" y="1889253"/>
+            <a:ext cx="2271717" cy="168135"/>
           </a:xfrm>
           <a:prstGeom prst="rect">
             <a:avLst/>
@@ -6995,12 +6950,12 @@
             <a:noAutofit/>
           </a:bodyPr>
           <a:lstStyle>
-            <a:lvl1pPr marL="190704" marR="0" indent="-190704" algn="l" defTabSz="1017087" rtl="0" eaLnBrk="1" fontAlgn="auto" latinLnBrk="0" hangingPunct="1">
+            <a:lvl1pPr marL="254278" marR="0" indent="-254278" algn="l" defTabSz="1356148" rtl="0" eaLnBrk="1" fontAlgn="auto" latinLnBrk="0" hangingPunct="1">
               <a:lnSpc>
                 <a:spcPct val="100000"/>
               </a:lnSpc>
               <a:spcBef>
-                <a:spcPts val="300"/>
+                <a:spcPts val="400"/>
               </a:spcBef>
               <a:spcAft>
                 <a:spcPts val="0"/>
@@ -7012,7 +6967,7 @@
                 <a:blip r:embed="rId2"/>
               </a:buBlip>
               <a:tabLst/>
-              <a:defRPr sz="1200"/>
+              <a:defRPr sz="1600"/>
             </a:lvl1pPr>
           </a:lstStyle>
           <a:p>
@@ -7037,12 +6992,12 @@
   <p:extLst>
     <p:ext uri="{DCECCB84-F9BA-43D5-87BE-67443E8EF086}">
       <p15:sldGuideLst xmlns:p15="http://schemas.microsoft.com/office/powerpoint/2012/main">
-        <p15:guide id="1" pos="3408">
+        <p15:guide id="1" pos="3062" userDrawn="1">
           <p15:clr>
             <a:srgbClr val="FBAE40"/>
           </p15:clr>
         </p15:guide>
-        <p15:guide id="2" pos="3480">
+        <p15:guide id="2" pos="3129" userDrawn="1">
           <p15:clr>
             <a:srgbClr val="FBAE40"/>
           </p15:clr>
@@ -7084,8 +7039,8 @@
         </p:nvSpPr>
         <p:spPr>
           <a:xfrm>
-            <a:off x="761069" y="842310"/>
-            <a:ext cx="9410045" cy="4036730"/>
+            <a:off x="684216" y="363428"/>
+            <a:ext cx="8459788" cy="1741708"/>
           </a:xfrm>
           <a:prstGeom prst="rect">
             <a:avLst/>
@@ -7118,13 +7073,13 @@
           </a:fontRef>
         </p:style>
         <p:txBody>
-          <a:bodyPr wrap="none" lIns="120131" tIns="40044" rIns="120131" bIns="40044" rtlCol="0" anchor="ctr" anchorCtr="0">
+          <a:bodyPr wrap="none" lIns="160175" tIns="53392" rIns="160175" bIns="53392" rtlCol="0" anchor="ctr" anchorCtr="0">
             <a:normAutofit/>
           </a:bodyPr>
           <a:lstStyle/>
           <a:p>
             <a:pPr algn="ctr"/>
-            <a:endParaRPr lang="de-DE" sz="2002" dirty="0" err="1">
+            <a:endParaRPr lang="de-DE" sz="2670" dirty="0" err="1">
               <a:latin typeface="+mj-lt"/>
             </a:endParaRPr>
           </a:p>
@@ -7148,8 +7103,8 @@
         </p:nvSpPr>
         <p:spPr>
           <a:xfrm>
-            <a:off x="766870" y="1388156"/>
-            <a:ext cx="3031405" cy="1472519"/>
+            <a:off x="689430" y="598942"/>
+            <a:ext cx="2725282" cy="635340"/>
           </a:xfrm>
           <a:prstGeom prst="rect">
             <a:avLst/>
@@ -7160,7 +7115,7 @@
           <a:lstStyle>
             <a:lvl1pPr marL="0" indent="0" algn="ctr">
               <a:buNone/>
-              <a:defRPr sz="1335"/>
+              <a:defRPr sz="1781"/>
             </a:lvl1pPr>
           </a:lstStyle>
           <a:p>
@@ -7190,8 +7145,8 @@
         </p:nvSpPr>
         <p:spPr>
           <a:xfrm>
-            <a:off x="3953217" y="1388156"/>
-            <a:ext cx="3025747" cy="1472519"/>
+            <a:off x="3554010" y="598942"/>
+            <a:ext cx="2720198" cy="635340"/>
           </a:xfrm>
           <a:prstGeom prst="rect">
             <a:avLst/>
@@ -7202,7 +7157,7 @@
           <a:lstStyle>
             <a:lvl1pPr marL="0" indent="0" algn="ctr">
               <a:buNone/>
-              <a:defRPr sz="1335"/>
+              <a:defRPr sz="1781"/>
             </a:lvl1pPr>
           </a:lstStyle>
           <a:p>
@@ -7232,8 +7187,8 @@
         </p:nvSpPr>
         <p:spPr>
           <a:xfrm>
-            <a:off x="7145367" y="1388156"/>
-            <a:ext cx="3025747" cy="1472519"/>
+            <a:off x="6423803" y="598942"/>
+            <a:ext cx="2720198" cy="635340"/>
           </a:xfrm>
           <a:prstGeom prst="rect">
             <a:avLst/>
@@ -7244,7 +7199,7 @@
           <a:lstStyle>
             <a:lvl1pPr marL="0" indent="0" algn="ctr">
               <a:buNone/>
-              <a:defRPr sz="1335"/>
+              <a:defRPr sz="1781"/>
             </a:lvl1pPr>
           </a:lstStyle>
           <a:p>
@@ -7274,8 +7229,8 @@
         </p:nvSpPr>
         <p:spPr>
           <a:xfrm>
-            <a:off x="766870" y="3407761"/>
-            <a:ext cx="3031405" cy="1472519"/>
+            <a:off x="689430" y="1470331"/>
+            <a:ext cx="2725282" cy="635340"/>
           </a:xfrm>
           <a:prstGeom prst="rect">
             <a:avLst/>
@@ -7286,7 +7241,7 @@
           <a:lstStyle>
             <a:lvl1pPr marL="0" indent="0" algn="ctr">
               <a:buNone/>
-              <a:defRPr sz="1335"/>
+              <a:defRPr sz="1781"/>
             </a:lvl1pPr>
           </a:lstStyle>
           <a:p>
@@ -7316,8 +7271,8 @@
         </p:nvSpPr>
         <p:spPr>
           <a:xfrm>
-            <a:off x="3953217" y="3407761"/>
-            <a:ext cx="3025747" cy="1472519"/>
+            <a:off x="3554010" y="1470331"/>
+            <a:ext cx="2720198" cy="635340"/>
           </a:xfrm>
           <a:prstGeom prst="rect">
             <a:avLst/>
@@ -7328,7 +7283,7 @@
           <a:lstStyle>
             <a:lvl1pPr marL="0" indent="0" algn="ctr">
               <a:buNone/>
-              <a:defRPr sz="1335"/>
+              <a:defRPr sz="1781"/>
             </a:lvl1pPr>
           </a:lstStyle>
           <a:p>
@@ -7358,8 +7313,8 @@
         </p:nvSpPr>
         <p:spPr>
           <a:xfrm>
-            <a:off x="7145367" y="3407761"/>
-            <a:ext cx="3025747" cy="1472519"/>
+            <a:off x="6423803" y="1470331"/>
+            <a:ext cx="2720198" cy="635340"/>
           </a:xfrm>
           <a:prstGeom prst="rect">
             <a:avLst/>
@@ -7370,7 +7325,7 @@
           <a:lstStyle>
             <a:lvl1pPr marL="0" indent="0" algn="ctr">
               <a:buNone/>
-              <a:defRPr sz="1335"/>
+              <a:defRPr sz="1781"/>
             </a:lvl1pPr>
           </a:lstStyle>
           <a:p>
@@ -7400,8 +7355,8 @@
         </p:nvSpPr>
         <p:spPr>
           <a:xfrm>
-            <a:off x="1039813" y="1081916"/>
-            <a:ext cx="2710798" cy="276999"/>
+            <a:off x="934813" y="157237"/>
+            <a:ext cx="2437052" cy="738664"/>
           </a:xfrm>
           <a:prstGeom prst="rect">
             <a:avLst/>
@@ -7412,7 +7367,7 @@
             <a:spAutoFit/>
           </a:bodyPr>
           <a:lstStyle>
-            <a:lvl1pPr marL="0" marR="0" indent="0" algn="l" defTabSz="1017087" rtl="0" eaLnBrk="1" fontAlgn="auto" latinLnBrk="0" hangingPunct="1">
+            <a:lvl1pPr marL="0" marR="0" indent="0" algn="l" defTabSz="1356148" rtl="0" eaLnBrk="1" fontAlgn="auto" latinLnBrk="0" hangingPunct="1">
               <a:lnSpc>
                 <a:spcPct val="100000"/>
               </a:lnSpc>
@@ -7427,7 +7382,7 @@
               <a:buFont typeface="Arial" pitchFamily="34" charset="0"/>
               <a:buNone/>
               <a:tabLst/>
-              <a:defRPr sz="1800" b="1"/>
+              <a:defRPr sz="2400" b="1"/>
             </a:lvl1pPr>
           </a:lstStyle>
           <a:p>
@@ -7457,8 +7412,8 @@
         </p:nvSpPr>
         <p:spPr>
           <a:xfrm>
-            <a:off x="4200542" y="1081916"/>
-            <a:ext cx="2730756" cy="276999"/>
+            <a:off x="3776359" y="157237"/>
+            <a:ext cx="2454997" cy="738664"/>
           </a:xfrm>
           <a:prstGeom prst="rect">
             <a:avLst/>
@@ -7469,7 +7424,7 @@
             <a:spAutoFit/>
           </a:bodyPr>
           <a:lstStyle>
-            <a:lvl1pPr marL="0" marR="0" indent="0" algn="l" defTabSz="1017087" rtl="0" eaLnBrk="1" fontAlgn="auto" latinLnBrk="0" hangingPunct="1">
+            <a:lvl1pPr marL="0" marR="0" indent="0" algn="l" defTabSz="1356148" rtl="0" eaLnBrk="1" fontAlgn="auto" latinLnBrk="0" hangingPunct="1">
               <a:lnSpc>
                 <a:spcPct val="100000"/>
               </a:lnSpc>
@@ -7484,7 +7439,7 @@
               <a:buFont typeface="Arial" pitchFamily="34" charset="0"/>
               <a:buNone/>
               <a:tabLst/>
-              <a:defRPr sz="1800" b="1"/>
+              <a:defRPr sz="2400" b="1"/>
             </a:lvl1pPr>
           </a:lstStyle>
           <a:p>
@@ -7514,8 +7469,8 @@
         </p:nvSpPr>
         <p:spPr>
           <a:xfrm>
-            <a:off x="7398224" y="1081916"/>
-            <a:ext cx="2725224" cy="276999"/>
+            <a:off x="6651129" y="157237"/>
+            <a:ext cx="2450021" cy="738664"/>
           </a:xfrm>
           <a:prstGeom prst="rect">
             <a:avLst/>
@@ -7526,7 +7481,7 @@
             <a:spAutoFit/>
           </a:bodyPr>
           <a:lstStyle>
-            <a:lvl1pPr marL="0" marR="0" indent="0" algn="l" defTabSz="1017087" rtl="0" eaLnBrk="1" fontAlgn="auto" latinLnBrk="0" hangingPunct="1">
+            <a:lvl1pPr marL="0" marR="0" indent="0" algn="l" defTabSz="1356148" rtl="0" eaLnBrk="1" fontAlgn="auto" latinLnBrk="0" hangingPunct="1">
               <a:lnSpc>
                 <a:spcPct val="100000"/>
               </a:lnSpc>
@@ -7541,7 +7496,7 @@
               <a:buFont typeface="Arial" pitchFamily="34" charset="0"/>
               <a:buNone/>
               <a:tabLst/>
-              <a:defRPr sz="1800" b="1"/>
+              <a:defRPr sz="2400" b="1"/>
             </a:lvl1pPr>
           </a:lstStyle>
           <a:p>
@@ -7571,8 +7526,8 @@
         </p:nvSpPr>
         <p:spPr>
           <a:xfrm>
-            <a:off x="1039813" y="3101520"/>
-            <a:ext cx="2710798" cy="276999"/>
+            <a:off x="934813" y="1028626"/>
+            <a:ext cx="2437052" cy="738664"/>
           </a:xfrm>
           <a:prstGeom prst="rect">
             <a:avLst/>
@@ -7583,7 +7538,7 @@
             <a:spAutoFit/>
           </a:bodyPr>
           <a:lstStyle>
-            <a:lvl1pPr marL="0" marR="0" indent="0" algn="l" defTabSz="1017087" rtl="0" eaLnBrk="1" fontAlgn="auto" latinLnBrk="0" hangingPunct="1">
+            <a:lvl1pPr marL="0" marR="0" indent="0" algn="l" defTabSz="1356148" rtl="0" eaLnBrk="1" fontAlgn="auto" latinLnBrk="0" hangingPunct="1">
               <a:lnSpc>
                 <a:spcPct val="100000"/>
               </a:lnSpc>
@@ -7598,7 +7553,7 @@
               <a:buFont typeface="Arial" pitchFamily="34" charset="0"/>
               <a:buNone/>
               <a:tabLst/>
-              <a:defRPr sz="1800" b="1"/>
+              <a:defRPr sz="2400" b="1"/>
             </a:lvl1pPr>
           </a:lstStyle>
           <a:p>
@@ -7628,8 +7583,8 @@
         </p:nvSpPr>
         <p:spPr>
           <a:xfrm>
-            <a:off x="4200542" y="3101520"/>
-            <a:ext cx="2730756" cy="276999"/>
+            <a:off x="3776359" y="1028626"/>
+            <a:ext cx="2454997" cy="738664"/>
           </a:xfrm>
           <a:prstGeom prst="rect">
             <a:avLst/>
@@ -7640,7 +7595,7 @@
             <a:spAutoFit/>
           </a:bodyPr>
           <a:lstStyle>
-            <a:lvl1pPr marL="0" marR="0" indent="0" algn="l" defTabSz="1017087" rtl="0" eaLnBrk="1" fontAlgn="auto" latinLnBrk="0" hangingPunct="1">
+            <a:lvl1pPr marL="0" marR="0" indent="0" algn="l" defTabSz="1356148" rtl="0" eaLnBrk="1" fontAlgn="auto" latinLnBrk="0" hangingPunct="1">
               <a:lnSpc>
                 <a:spcPct val="100000"/>
               </a:lnSpc>
@@ -7655,7 +7610,7 @@
               <a:buFont typeface="Arial" pitchFamily="34" charset="0"/>
               <a:buNone/>
               <a:tabLst/>
-              <a:defRPr sz="1800" b="1"/>
+              <a:defRPr sz="2400" b="1"/>
             </a:lvl1pPr>
           </a:lstStyle>
           <a:p>
@@ -7685,8 +7640,8 @@
         </p:nvSpPr>
         <p:spPr>
           <a:xfrm>
-            <a:off x="7398224" y="3101520"/>
-            <a:ext cx="2725224" cy="276999"/>
+            <a:off x="6651129" y="1028626"/>
+            <a:ext cx="2450021" cy="738664"/>
           </a:xfrm>
           <a:prstGeom prst="rect">
             <a:avLst/>
@@ -7697,7 +7652,7 @@
             <a:spAutoFit/>
           </a:bodyPr>
           <a:lstStyle>
-            <a:lvl1pPr marL="0" marR="0" indent="0" algn="l" defTabSz="1017087" rtl="0" eaLnBrk="1" fontAlgn="auto" latinLnBrk="0" hangingPunct="1">
+            <a:lvl1pPr marL="0" marR="0" indent="0" algn="l" defTabSz="1356148" rtl="0" eaLnBrk="1" fontAlgn="auto" latinLnBrk="0" hangingPunct="1">
               <a:lnSpc>
                 <a:spcPct val="100000"/>
               </a:lnSpc>
@@ -7712,7 +7667,7 @@
               <a:buFont typeface="Arial" pitchFamily="34" charset="0"/>
               <a:buNone/>
               <a:tabLst/>
-              <a:defRPr sz="1800" b="1"/>
+              <a:defRPr sz="2400" b="1"/>
             </a:lvl1pPr>
           </a:lstStyle>
           <a:p>
@@ -7742,8 +7697,8 @@
         </p:nvSpPr>
         <p:spPr>
           <a:xfrm>
-            <a:off x="307024" y="264556"/>
-            <a:ext cx="9587864" cy="369332"/>
+            <a:off x="276023" y="114148"/>
+            <a:ext cx="8619650" cy="159354"/>
           </a:xfrm>
           <a:prstGeom prst="rect">
             <a:avLst/>
@@ -7759,7 +7714,7 @@
           <a:p>
             <a:pPr algn="l"/>
             <a:r>
-              <a:rPr lang="de-DE" sz="2400" b="1" dirty="0"/>
+              <a:rPr lang="de-DE" sz="3200" b="1" dirty="0"/>
               <a:t>Überschrift durch Klicken hinzufügen</a:t>
             </a:r>
           </a:p>
@@ -7814,8 +7769,8 @@
         </p:nvSpPr>
         <p:spPr>
           <a:xfrm>
-            <a:off x="761069" y="842310"/>
-            <a:ext cx="9410045" cy="4036730"/>
+            <a:off x="684216" y="363428"/>
+            <a:ext cx="8459788" cy="1741708"/>
           </a:xfrm>
           <a:prstGeom prst="rect">
             <a:avLst/>
@@ -7850,13 +7805,13 @@
           </a:fontRef>
         </p:style>
         <p:txBody>
-          <a:bodyPr wrap="none" lIns="120131" tIns="40044" rIns="120131" bIns="40044" rtlCol="0" anchor="ctr" anchorCtr="0">
+          <a:bodyPr wrap="none" lIns="160175" tIns="53392" rIns="160175" bIns="53392" rtlCol="0" anchor="ctr" anchorCtr="0">
             <a:normAutofit/>
           </a:bodyPr>
           <a:lstStyle/>
           <a:p>
             <a:pPr algn="ctr"/>
-            <a:endParaRPr lang="de-DE" sz="2002" dirty="0" err="1">
+            <a:endParaRPr lang="de-DE" sz="2670" dirty="0" err="1">
               <a:latin typeface="+mj-lt"/>
             </a:endParaRPr>
           </a:p>
@@ -7880,8 +7835,8 @@
         </p:nvSpPr>
         <p:spPr>
           <a:xfrm>
-            <a:off x="761069" y="842308"/>
-            <a:ext cx="1520369" cy="1958839"/>
+            <a:off x="684213" y="363427"/>
+            <a:ext cx="1366838" cy="845172"/>
           </a:xfrm>
           <a:prstGeom prst="rect">
             <a:avLst/>
@@ -7892,7 +7847,7 @@
           <a:lstStyle>
             <a:lvl1pPr marL="0" indent="0" algn="ctr">
               <a:buNone/>
-              <a:defRPr sz="1335"/>
+              <a:defRPr sz="1781"/>
             </a:lvl1pPr>
           </a:lstStyle>
           <a:p>
@@ -7922,8 +7877,8 @@
         </p:nvSpPr>
         <p:spPr>
           <a:xfrm>
-            <a:off x="761069" y="2920201"/>
-            <a:ext cx="1520369" cy="1958839"/>
+            <a:off x="684213" y="1259965"/>
+            <a:ext cx="1366838" cy="845172"/>
           </a:xfrm>
           <a:prstGeom prst="rect">
             <a:avLst/>
@@ -7934,7 +7889,7 @@
           <a:lstStyle>
             <a:lvl1pPr marL="0" indent="0" algn="ctr">
               <a:buNone/>
-              <a:defRPr sz="1335"/>
+              <a:defRPr sz="1781"/>
             </a:lvl1pPr>
           </a:lstStyle>
           <a:p>
@@ -7964,8 +7919,8 @@
         </p:nvSpPr>
         <p:spPr>
           <a:xfrm>
-            <a:off x="5525246" y="842308"/>
-            <a:ext cx="1520369" cy="1958839"/>
+            <a:off x="4967290" y="363427"/>
+            <a:ext cx="1366838" cy="845172"/>
           </a:xfrm>
           <a:prstGeom prst="rect">
             <a:avLst/>
@@ -7976,7 +7931,7 @@
           <a:lstStyle>
             <a:lvl1pPr marL="0" indent="0" algn="ctr">
               <a:buNone/>
-              <a:defRPr sz="1335"/>
+              <a:defRPr sz="1781"/>
             </a:lvl1pPr>
           </a:lstStyle>
           <a:p>
@@ -8006,8 +7961,8 @@
         </p:nvSpPr>
         <p:spPr>
           <a:xfrm>
-            <a:off x="5525246" y="2920201"/>
-            <a:ext cx="1520369" cy="1958839"/>
+            <a:off x="4967290" y="1259965"/>
+            <a:ext cx="1366838" cy="845172"/>
           </a:xfrm>
           <a:prstGeom prst="rect">
             <a:avLst/>
@@ -8018,7 +7973,7 @@
           <a:lstStyle>
             <a:lvl1pPr marL="0" indent="0" algn="ctr">
               <a:buNone/>
-              <a:defRPr sz="1335"/>
+              <a:defRPr sz="1781"/>
             </a:lvl1pPr>
           </a:lstStyle>
           <a:p>
@@ -8048,8 +8003,8 @@
         </p:nvSpPr>
         <p:spPr>
           <a:xfrm>
-            <a:off x="307024" y="264556"/>
-            <a:ext cx="9587864" cy="369332"/>
+            <a:off x="276023" y="114148"/>
+            <a:ext cx="8619650" cy="159354"/>
           </a:xfrm>
           <a:prstGeom prst="rect">
             <a:avLst/>
@@ -8065,7 +8020,7 @@
           <a:p>
             <a:pPr algn="l"/>
             <a:r>
-              <a:rPr lang="de-DE" sz="2400" b="1" dirty="0"/>
+              <a:rPr lang="de-DE" sz="3200" b="1" dirty="0"/>
               <a:t>Überschrift durch Klicken hinzufügen</a:t>
             </a:r>
           </a:p>
@@ -8084,12 +8039,12 @@
   <p:extLst>
     <p:ext uri="{DCECCB84-F9BA-43D5-87BE-67443E8EF086}">
       <p15:sldGuideLst xmlns:p15="http://schemas.microsoft.com/office/powerpoint/2012/main">
-        <p15:guide id="1" pos="3408">
+        <p15:guide id="1" pos="3062" userDrawn="1">
           <p15:clr>
             <a:srgbClr val="FBAE40"/>
           </p15:clr>
         </p15:guide>
-        <p15:guide id="2" pos="3480">
+        <p15:guide id="2" pos="3129" userDrawn="1">
           <p15:clr>
             <a:srgbClr val="FBAE40"/>
           </p15:clr>
@@ -8131,8 +8086,8 @@
         </p:nvSpPr>
         <p:spPr>
           <a:xfrm>
-            <a:off x="761069" y="842310"/>
-            <a:ext cx="9410045" cy="4036730"/>
+            <a:off x="684216" y="363428"/>
+            <a:ext cx="8459788" cy="1741708"/>
           </a:xfrm>
           <a:prstGeom prst="rect">
             <a:avLst/>
@@ -8167,13 +8122,13 @@
           </a:fontRef>
         </p:style>
         <p:txBody>
-          <a:bodyPr wrap="none" lIns="120131" tIns="40044" rIns="120131" bIns="40044" rtlCol="0" anchor="ctr" anchorCtr="0">
+          <a:bodyPr wrap="none" lIns="160175" tIns="53392" rIns="160175" bIns="53392" rtlCol="0" anchor="ctr" anchorCtr="0">
             <a:normAutofit/>
           </a:bodyPr>
           <a:lstStyle/>
           <a:p>
             <a:pPr algn="ctr"/>
-            <a:endParaRPr lang="de-DE" sz="2002" dirty="0" err="1">
+            <a:endParaRPr lang="de-DE" sz="2670" dirty="0" err="1">
               <a:latin typeface="+mj-lt"/>
             </a:endParaRPr>
           </a:p>
@@ -8197,8 +8152,8 @@
         </p:nvSpPr>
         <p:spPr>
           <a:xfrm>
-            <a:off x="7134224" y="1129482"/>
-            <a:ext cx="2760663" cy="1294761"/>
+            <a:off x="6413795" y="487335"/>
+            <a:ext cx="2481881" cy="558643"/>
           </a:xfrm>
           <a:prstGeom prst="rect">
             <a:avLst/>
@@ -8209,7 +8164,7 @@
           <a:lstStyle>
             <a:lvl1pPr marL="0" indent="0" algn="ctr">
               <a:buNone/>
-              <a:defRPr sz="1335"/>
+              <a:defRPr sz="1781"/>
             </a:lvl1pPr>
           </a:lstStyle>
           <a:p>
@@ -8239,8 +8194,8 @@
         </p:nvSpPr>
         <p:spPr>
           <a:xfrm>
-            <a:off x="307024" y="264556"/>
-            <a:ext cx="9587864" cy="369332"/>
+            <a:off x="276023" y="114148"/>
+            <a:ext cx="8619650" cy="159354"/>
           </a:xfrm>
           <a:prstGeom prst="rect">
             <a:avLst/>
@@ -8256,7 +8211,7 @@
           <a:p>
             <a:pPr algn="l"/>
             <a:r>
-              <a:rPr lang="de-DE" sz="2400" b="1" dirty="0"/>
+              <a:rPr lang="de-DE" sz="3200" b="1" dirty="0"/>
               <a:t>Überschrift durch Klicken hinzufügen</a:t>
             </a:r>
           </a:p>
@@ -8275,12 +8230,12 @@
   <p:extLst>
     <p:ext uri="{DCECCB84-F9BA-43D5-87BE-67443E8EF086}">
       <p15:sldGuideLst xmlns:p15="http://schemas.microsoft.com/office/powerpoint/2012/main">
-        <p15:guide id="1" pos="3408">
+        <p15:guide id="1" pos="3062" userDrawn="1">
           <p15:clr>
             <a:srgbClr val="FBAE40"/>
           </p15:clr>
         </p15:guide>
-        <p15:guide id="2" pos="3480">
+        <p15:guide id="2" pos="3129" userDrawn="1">
           <p15:clr>
             <a:srgbClr val="FBAE40"/>
           </p15:clr>
@@ -8322,8 +8277,8 @@
         </p:nvSpPr>
         <p:spPr>
           <a:xfrm>
-            <a:off x="-1" y="0"/>
-            <a:ext cx="954447" cy="5721351"/>
+            <a:off x="0" y="5"/>
+            <a:ext cx="858062" cy="2468564"/>
           </a:xfrm>
           <a:prstGeom prst="rect">
             <a:avLst/>
@@ -8354,13 +8309,13 @@
           </a:fontRef>
         </p:style>
         <p:txBody>
-          <a:bodyPr wrap="none" lIns="120131" tIns="40044" rIns="120131" bIns="40044" rtlCol="0" anchor="ctr" anchorCtr="0">
+          <a:bodyPr wrap="none" lIns="160175" tIns="53392" rIns="160175" bIns="53392" rtlCol="0" anchor="ctr" anchorCtr="0">
             <a:normAutofit/>
           </a:bodyPr>
           <a:lstStyle/>
           <a:p>
             <a:pPr lvl="0" algn="ctr"/>
-            <a:endParaRPr lang="de-DE" sz="2002" dirty="0" err="1">
+            <a:endParaRPr lang="de-DE" sz="2670" dirty="0" err="1">
               <a:latin typeface="+mj-lt"/>
             </a:endParaRPr>
           </a:p>
@@ -8380,8 +8335,8 @@
         </p:nvSpPr>
         <p:spPr>
           <a:xfrm>
-            <a:off x="761069" y="842310"/>
-            <a:ext cx="9410045" cy="4036730"/>
+            <a:off x="684216" y="363428"/>
+            <a:ext cx="8459788" cy="1741708"/>
           </a:xfrm>
           <a:prstGeom prst="rect">
             <a:avLst/>
@@ -8414,13 +8369,13 @@
           </a:fontRef>
         </p:style>
         <p:txBody>
-          <a:bodyPr wrap="none" lIns="120131" tIns="40044" rIns="120131" bIns="40044" rtlCol="0" anchor="ctr" anchorCtr="0">
+          <a:bodyPr wrap="none" lIns="160175" tIns="53392" rIns="160175" bIns="53392" rtlCol="0" anchor="ctr" anchorCtr="0">
             <a:normAutofit/>
           </a:bodyPr>
           <a:lstStyle/>
           <a:p>
             <a:pPr algn="ctr"/>
-            <a:endParaRPr lang="de-DE" sz="2002" dirty="0" err="1">
+            <a:endParaRPr lang="de-DE" sz="2670" dirty="0" err="1">
               <a:latin typeface="+mj-lt"/>
             </a:endParaRPr>
           </a:p>
@@ -8439,14 +8394,14 @@
           </p:nvPr>
         </p:nvGraphicFramePr>
         <p:xfrm>
-          <a:off x="1767" y="1767"/>
-          <a:ext cx="1765" cy="1765"/>
+          <a:off x="1592" y="763"/>
+          <a:ext cx="1588" cy="762"/>
         </p:xfrm>
         <a:graphic>
           <a:graphicData uri="http://schemas.openxmlformats.org/presentationml/2006/ole">
             <mc:AlternateContent xmlns:mc="http://schemas.openxmlformats.org/markup-compatibility/2006">
               <mc:Choice xmlns:v="urn:schemas-microsoft-com:vml" Requires="v">
-                <p:oleObj spid="_x0000_s16640" name="think-cell Folie" r:id="rId4" imgW="270" imgH="270" progId="TCLayout.ActiveDocument.1">
+                <p:oleObj spid="_x0000_s16647" name="think-cell Folie" r:id="rId4" imgW="270" imgH="270" progId="TCLayout.ActiveDocument.1">
                   <p:embed/>
                 </p:oleObj>
               </mc:Choice>
@@ -8467,8 +8422,8 @@
                     </p:blipFill>
                     <p:spPr>
                       <a:xfrm>
-                        <a:off x="1767" y="1767"/>
-                        <a:ext cx="1765" cy="1765"/>
+                        <a:off x="1592" y="763"/>
+                        <a:ext cx="1588" cy="762"/>
                       </a:xfrm>
                       <a:prstGeom prst="rect">
                         <a:avLst/>
@@ -8493,8 +8448,8 @@
         </p:nvSpPr>
         <p:spPr>
           <a:xfrm>
-            <a:off x="761069" y="842310"/>
-            <a:ext cx="9410045" cy="4036605"/>
+            <a:off x="684216" y="363428"/>
+            <a:ext cx="8459788" cy="1741654"/>
           </a:xfrm>
           <a:prstGeom prst="rect">
             <a:avLst/>
@@ -8508,7 +8463,7 @@
           <a:lstStyle>
             <a:lvl1pPr marL="0" indent="0" algn="ctr">
               <a:buNone/>
-              <a:defRPr sz="1335">
+              <a:defRPr sz="1781">
                 <a:solidFill>
                   <a:schemeClr val="tx1"/>
                 </a:solidFill>
@@ -8536,8 +8491,8 @@
         </p:nvSpPr>
         <p:spPr>
           <a:xfrm>
-            <a:off x="-1" y="842311"/>
-            <a:ext cx="5759986" cy="1638261"/>
+            <a:off x="6" y="363429"/>
+            <a:ext cx="7083169" cy="1829082"/>
           </a:xfrm>
           <a:custGeom>
             <a:avLst/>
@@ -8633,7 +8588,7 @@
           </a:bodyPr>
           <a:lstStyle>
             <a:lvl1pPr algn="l">
-              <a:defRPr sz="3600" b="1">
+              <a:defRPr sz="4799" b="1">
                 <a:solidFill>
                   <a:schemeClr val="bg1"/>
                 </a:solidFill>
@@ -8675,8 +8630,8 @@
         </p:nvSpPr>
         <p:spPr>
           <a:xfrm>
-            <a:off x="761068" y="1698315"/>
-            <a:ext cx="1836721" cy="276999"/>
+            <a:off x="684218" y="732768"/>
+            <a:ext cx="2455929" cy="391517"/>
           </a:xfrm>
           <a:prstGeom prst="rect">
             <a:avLst/>
@@ -8689,10 +8644,10 @@
           <a:lstStyle>
             <a:lvl1pPr marL="0" indent="0">
               <a:spcBef>
-                <a:spcPts val="667"/>
+                <a:spcPts val="889"/>
               </a:spcBef>
               <a:buNone/>
-              <a:defRPr sz="1800">
+              <a:defRPr sz="2400">
                 <a:solidFill>
                   <a:schemeClr val="bg1"/>
                 </a:solidFill>
@@ -8726,8 +8681,8 @@
         </p:nvSpPr>
         <p:spPr>
           <a:xfrm>
-            <a:off x="761068" y="2046978"/>
-            <a:ext cx="1013098" cy="276999"/>
+            <a:off x="684212" y="883204"/>
+            <a:ext cx="1351332" cy="391517"/>
           </a:xfrm>
           <a:prstGeom prst="rect">
             <a:avLst/>
@@ -8740,10 +8695,10 @@
           <a:lstStyle>
             <a:lvl1pPr marL="0" indent="0">
               <a:spcBef>
-                <a:spcPts val="667"/>
+                <a:spcPts val="889"/>
               </a:spcBef>
               <a:buNone/>
-              <a:defRPr sz="1800">
+              <a:defRPr sz="2400">
                 <a:solidFill>
                   <a:schemeClr val="bg1"/>
                 </a:solidFill>
@@ -8808,8 +8763,8 @@
         </p:nvSpPr>
         <p:spPr>
           <a:xfrm>
-            <a:off x="761069" y="842310"/>
-            <a:ext cx="9410045" cy="4036730"/>
+            <a:off x="684216" y="363428"/>
+            <a:ext cx="8459788" cy="1741708"/>
           </a:xfrm>
           <a:prstGeom prst="rect">
             <a:avLst/>
@@ -8842,13 +8797,13 @@
           </a:fontRef>
         </p:style>
         <p:txBody>
-          <a:bodyPr wrap="none" lIns="120131" tIns="40044" rIns="120131" bIns="40044" rtlCol="0" anchor="ctr" anchorCtr="0">
+          <a:bodyPr wrap="none" lIns="160175" tIns="53392" rIns="160175" bIns="53392" rtlCol="0" anchor="ctr" anchorCtr="0">
             <a:normAutofit/>
           </a:bodyPr>
           <a:lstStyle/>
           <a:p>
             <a:pPr algn="ctr"/>
-            <a:endParaRPr lang="de-DE" sz="2002" dirty="0" err="1">
+            <a:endParaRPr lang="de-DE" sz="2670" dirty="0" err="1">
               <a:latin typeface="+mj-lt"/>
             </a:endParaRPr>
           </a:p>
@@ -8872,8 +8827,8 @@
         </p:nvSpPr>
         <p:spPr>
           <a:xfrm>
-            <a:off x="3654880" y="1131399"/>
-            <a:ext cx="1445647" cy="1049427"/>
+            <a:off x="3285800" y="488160"/>
+            <a:ext cx="1299660" cy="452791"/>
           </a:xfrm>
           <a:prstGeom prst="rect">
             <a:avLst/>
@@ -8884,7 +8839,7 @@
           <a:lstStyle>
             <a:lvl1pPr marL="0" indent="0" algn="ctr">
               <a:buNone/>
-              <a:defRPr sz="1335"/>
+              <a:defRPr sz="1781"/>
             </a:lvl1pPr>
           </a:lstStyle>
           <a:p>
@@ -8914,8 +8869,8 @@
         </p:nvSpPr>
         <p:spPr>
           <a:xfrm>
-            <a:off x="307024" y="264556"/>
-            <a:ext cx="9587864" cy="369332"/>
+            <a:off x="276023" y="114148"/>
+            <a:ext cx="8619650" cy="159354"/>
           </a:xfrm>
           <a:prstGeom prst="rect">
             <a:avLst/>
@@ -8931,7 +8886,7 @@
           <a:p>
             <a:pPr algn="l"/>
             <a:r>
-              <a:rPr lang="de-DE" sz="2400" b="1" dirty="0"/>
+              <a:rPr lang="de-DE" sz="3200" b="1" dirty="0"/>
               <a:t>Überschrift durch Klicken hinzufügen</a:t>
             </a:r>
           </a:p>
@@ -8955,8 +8910,8 @@
         </p:nvSpPr>
         <p:spPr>
           <a:xfrm>
-            <a:off x="1047750" y="2578746"/>
-            <a:ext cx="1441879" cy="1130657"/>
+            <a:off x="941950" y="1112645"/>
+            <a:ext cx="1296272" cy="487839"/>
           </a:xfrm>
           <a:prstGeom prst="rect">
             <a:avLst/>
@@ -8967,7 +8922,7 @@
           <a:lstStyle>
             <a:lvl1pPr marL="0" indent="0" algn="ctr">
               <a:buNone/>
-              <a:defRPr sz="1335"/>
+              <a:defRPr sz="1781"/>
             </a:lvl1pPr>
           </a:lstStyle>
           <a:p>
@@ -8997,8 +8952,8 @@
         </p:nvSpPr>
         <p:spPr>
           <a:xfrm>
-            <a:off x="2901520" y="2578746"/>
-            <a:ext cx="1441879" cy="1130657"/>
+            <a:off x="2608520" y="1112645"/>
+            <a:ext cx="1296272" cy="487839"/>
           </a:xfrm>
           <a:prstGeom prst="rect">
             <a:avLst/>
@@ -9009,7 +8964,7 @@
           <a:lstStyle>
             <a:lvl1pPr marL="0" indent="0" algn="ctr">
               <a:buNone/>
-              <a:defRPr sz="1335"/>
+              <a:defRPr sz="1781"/>
             </a:lvl1pPr>
           </a:lstStyle>
           <a:p>
@@ -9039,8 +8994,8 @@
         </p:nvSpPr>
         <p:spPr>
           <a:xfrm>
-            <a:off x="4745151" y="2578746"/>
-            <a:ext cx="1441879" cy="1130657"/>
+            <a:off x="4265974" y="1112645"/>
+            <a:ext cx="1296272" cy="487839"/>
           </a:xfrm>
           <a:prstGeom prst="rect">
             <a:avLst/>
@@ -9051,7 +9006,7 @@
           <a:lstStyle>
             <a:lvl1pPr marL="0" indent="0" algn="ctr">
               <a:buNone/>
-              <a:defRPr sz="1335"/>
+              <a:defRPr sz="1781"/>
             </a:lvl1pPr>
           </a:lstStyle>
           <a:p>
@@ -9081,8 +9036,8 @@
         </p:nvSpPr>
         <p:spPr>
           <a:xfrm>
-            <a:off x="6595287" y="2578746"/>
-            <a:ext cx="1441879" cy="1130657"/>
+            <a:off x="5929277" y="1112645"/>
+            <a:ext cx="1296272" cy="487839"/>
           </a:xfrm>
           <a:prstGeom prst="rect">
             <a:avLst/>
@@ -9093,7 +9048,7 @@
           <a:lstStyle>
             <a:lvl1pPr marL="0" indent="0" algn="ctr">
               <a:buNone/>
-              <a:defRPr sz="1335"/>
+              <a:defRPr sz="1781"/>
             </a:lvl1pPr>
           </a:lstStyle>
           <a:p>
@@ -9123,8 +9078,8 @@
         </p:nvSpPr>
         <p:spPr>
           <a:xfrm>
-            <a:off x="8439740" y="2578746"/>
-            <a:ext cx="1441879" cy="1130657"/>
+            <a:off x="7587472" y="1112645"/>
+            <a:ext cx="1296272" cy="487839"/>
           </a:xfrm>
           <a:prstGeom prst="rect">
             <a:avLst/>
@@ -9135,7 +9090,7 @@
           <a:lstStyle>
             <a:lvl1pPr marL="0" indent="0" algn="ctr">
               <a:buNone/>
-              <a:defRPr sz="1335"/>
+              <a:defRPr sz="1781"/>
             </a:lvl1pPr>
           </a:lstStyle>
           <a:p>
@@ -9160,12 +9115,12 @@
   <p:extLst>
     <p:ext uri="{DCECCB84-F9BA-43D5-87BE-67443E8EF086}">
       <p15:sldGuideLst xmlns:p15="http://schemas.microsoft.com/office/powerpoint/2012/main">
-        <p15:guide id="1" pos="3408">
+        <p15:guide id="1" pos="3062" userDrawn="1">
           <p15:clr>
             <a:srgbClr val="FBAE40"/>
           </p15:clr>
         </p15:guide>
-        <p15:guide id="2" pos="3480">
+        <p15:guide id="2" pos="3129" userDrawn="1">
           <p15:clr>
             <a:srgbClr val="FBAE40"/>
           </p15:clr>
@@ -9207,8 +9162,8 @@
         </p:nvSpPr>
         <p:spPr>
           <a:xfrm>
-            <a:off x="761069" y="842310"/>
-            <a:ext cx="9410045" cy="4036730"/>
+            <a:off x="684216" y="363428"/>
+            <a:ext cx="8459788" cy="1741708"/>
           </a:xfrm>
           <a:prstGeom prst="rect">
             <a:avLst/>
@@ -9241,13 +9196,13 @@
           </a:fontRef>
         </p:style>
         <p:txBody>
-          <a:bodyPr wrap="none" lIns="120131" tIns="40044" rIns="120131" bIns="40044" rtlCol="0" anchor="ctr" anchorCtr="0">
+          <a:bodyPr wrap="none" lIns="160175" tIns="53392" rIns="160175" bIns="53392" rtlCol="0" anchor="ctr" anchorCtr="0">
             <a:normAutofit/>
           </a:bodyPr>
           <a:lstStyle/>
           <a:p>
             <a:pPr algn="ctr"/>
-            <a:endParaRPr lang="de-DE" sz="2002" dirty="0" err="1">
+            <a:endParaRPr lang="de-DE" sz="2670" dirty="0" err="1">
               <a:latin typeface="+mj-lt"/>
             </a:endParaRPr>
           </a:p>
@@ -9271,8 +9226,8 @@
         </p:nvSpPr>
         <p:spPr>
           <a:xfrm>
-            <a:off x="5490915" y="845221"/>
-            <a:ext cx="4678811" cy="4033612"/>
+            <a:off x="4936429" y="364684"/>
+            <a:ext cx="4206329" cy="1740363"/>
           </a:xfrm>
           <a:custGeom>
             <a:avLst/>
@@ -9682,7 +9637,7 @@
           <a:lstStyle>
             <a:lvl1pPr marL="0" indent="0" algn="ctr">
               <a:buNone/>
-              <a:defRPr sz="1335">
+              <a:defRPr sz="1781">
                 <a:solidFill>
                   <a:schemeClr val="tx1"/>
                 </a:solidFill>
@@ -9729,8 +9684,8 @@
         </p:blipFill>
         <p:spPr>
           <a:xfrm>
-            <a:off x="1039813" y="1122363"/>
-            <a:ext cx="443787" cy="423804"/>
+            <a:off x="934813" y="484260"/>
+            <a:ext cx="398971" cy="182858"/>
           </a:xfrm>
           <a:prstGeom prst="rect">
             <a:avLst/>
@@ -9755,8 +9710,8 @@
         </p:nvSpPr>
         <p:spPr>
           <a:xfrm>
-            <a:off x="1811565" y="1122363"/>
-            <a:ext cx="2868634" cy="492571"/>
+            <a:off x="1628629" y="484265"/>
+            <a:ext cx="2578950" cy="212528"/>
           </a:xfrm>
           <a:prstGeom prst="rect">
             <a:avLst/>
@@ -9774,43 +9729,43 @@
               </a:spcBef>
               <a:buFontTx/>
               <a:buNone/>
-              <a:defRPr sz="1800" b="1">
+              <a:defRPr sz="2400" b="1">
                 <a:solidFill>
                   <a:schemeClr val="tx1"/>
                 </a:solidFill>
               </a:defRPr>
             </a:lvl1pPr>
-            <a:lvl2pPr marL="600642" indent="-200214">
+            <a:lvl2pPr marL="800875" indent="-266957">
               <a:spcBef>
                 <a:spcPts val="0"/>
               </a:spcBef>
-              <a:defRPr sz="1557">
+              <a:defRPr sz="2077">
                 <a:solidFill>
                   <a:schemeClr val="tx1"/>
                 </a:solidFill>
               </a:defRPr>
             </a:lvl2pPr>
-            <a:lvl3pPr marL="1201284" indent="-200214">
+            <a:lvl3pPr marL="1601750" indent="-266957">
               <a:spcBef>
                 <a:spcPts val="0"/>
               </a:spcBef>
               <a:buFont typeface="Wingdings" panose="05000000000000000000" pitchFamily="2" charset="2"/>
               <a:buChar char="§"/>
-              <a:defRPr sz="1557">
+              <a:defRPr sz="2077">
                 <a:solidFill>
                   <a:schemeClr val="tx1"/>
                 </a:solidFill>
               </a:defRPr>
             </a:lvl3pPr>
             <a:lvl4pPr>
-              <a:defRPr sz="1557">
+              <a:defRPr sz="2077">
                 <a:solidFill>
                   <a:schemeClr val="tx1"/>
                 </a:solidFill>
               </a:defRPr>
             </a:lvl4pPr>
             <a:lvl5pPr>
-              <a:defRPr sz="1557">
+              <a:defRPr sz="2077">
                 <a:solidFill>
                   <a:schemeClr val="tx1"/>
                 </a:solidFill>
@@ -9844,8 +9799,8 @@
         </p:nvSpPr>
         <p:spPr>
           <a:xfrm>
-            <a:off x="1811567" y="1854194"/>
-            <a:ext cx="2868633" cy="2744793"/>
+            <a:off x="1628633" y="800025"/>
+            <a:ext cx="2578949" cy="1184282"/>
           </a:xfrm>
           <a:prstGeom prst="rect">
             <a:avLst/>
@@ -9857,9 +9812,9 @@
             <a:noAutofit/>
           </a:bodyPr>
           <a:lstStyle>
-            <a:lvl1pPr marL="192205" indent="-192205">
+            <a:lvl1pPr marL="256279" indent="-256279">
               <a:spcBef>
-                <a:spcPts val="667"/>
+                <a:spcPts val="889"/>
               </a:spcBef>
               <a:spcAft>
                 <a:spcPts val="0"/>
@@ -9868,43 +9823,43 @@
               <a:buBlip>
                 <a:blip r:embed="rId4"/>
               </a:buBlip>
-              <a:defRPr sz="1200" b="0">
+              <a:defRPr sz="1600" b="0">
                 <a:solidFill>
                   <a:schemeClr val="tx1"/>
                 </a:solidFill>
               </a:defRPr>
             </a:lvl1pPr>
-            <a:lvl2pPr marL="600642" indent="-200214">
+            <a:lvl2pPr marL="800875" indent="-266957">
               <a:spcBef>
                 <a:spcPts val="0"/>
               </a:spcBef>
-              <a:defRPr sz="1557">
+              <a:defRPr sz="2077">
                 <a:solidFill>
                   <a:schemeClr val="tx1"/>
                 </a:solidFill>
               </a:defRPr>
             </a:lvl2pPr>
-            <a:lvl3pPr marL="1201284" indent="-200214">
+            <a:lvl3pPr marL="1601750" indent="-266957">
               <a:spcBef>
                 <a:spcPts val="0"/>
               </a:spcBef>
               <a:buFont typeface="Wingdings" panose="05000000000000000000" pitchFamily="2" charset="2"/>
               <a:buChar char="§"/>
-              <a:defRPr sz="1557">
+              <a:defRPr sz="2077">
                 <a:solidFill>
                   <a:schemeClr val="tx1"/>
                 </a:solidFill>
               </a:defRPr>
             </a:lvl3pPr>
             <a:lvl4pPr>
-              <a:defRPr sz="1557">
+              <a:defRPr sz="2077">
                 <a:solidFill>
                   <a:schemeClr val="tx1"/>
                 </a:solidFill>
               </a:defRPr>
             </a:lvl4pPr>
             <a:lvl5pPr>
-              <a:defRPr sz="1557">
+              <a:defRPr sz="2077">
                 <a:solidFill>
                   <a:schemeClr val="tx1"/>
                 </a:solidFill>
@@ -9938,8 +9893,8 @@
         </p:nvSpPr>
         <p:spPr>
           <a:xfrm>
-            <a:off x="307024" y="264556"/>
-            <a:ext cx="9587864" cy="369332"/>
+            <a:off x="276023" y="114148"/>
+            <a:ext cx="8619650" cy="159354"/>
           </a:xfrm>
           <a:prstGeom prst="rect">
             <a:avLst/>
@@ -9955,7 +9910,7 @@
           <a:p>
             <a:pPr algn="l"/>
             <a:r>
-              <a:rPr lang="de-DE" sz="2400" b="1" dirty="0"/>
+              <a:rPr lang="de-DE" sz="3200" b="1" dirty="0"/>
               <a:t>Überschrift durch Klicken hinzufügen</a:t>
             </a:r>
           </a:p>
@@ -10010,8 +9965,8 @@
         </p:nvSpPr>
         <p:spPr>
           <a:xfrm>
-            <a:off x="761069" y="842310"/>
-            <a:ext cx="9410045" cy="4036730"/>
+            <a:off x="684216" y="363428"/>
+            <a:ext cx="8459788" cy="1741708"/>
           </a:xfrm>
           <a:prstGeom prst="rect">
             <a:avLst/>
@@ -10044,13 +9999,13 @@
           </a:fontRef>
         </p:style>
         <p:txBody>
-          <a:bodyPr wrap="none" lIns="120131" tIns="40044" rIns="120131" bIns="40044" rtlCol="0" anchor="ctr" anchorCtr="0">
+          <a:bodyPr wrap="none" lIns="160175" tIns="53392" rIns="160175" bIns="53392" rtlCol="0" anchor="ctr" anchorCtr="0">
             <a:normAutofit/>
           </a:bodyPr>
           <a:lstStyle/>
           <a:p>
             <a:pPr algn="ctr"/>
-            <a:endParaRPr lang="de-DE" sz="2002" dirty="0" err="1">
+            <a:endParaRPr lang="de-DE" sz="2670" dirty="0" err="1">
               <a:latin typeface="+mj-lt"/>
             </a:endParaRPr>
           </a:p>
@@ -10074,8 +10029,8 @@
         </p:nvSpPr>
         <p:spPr>
           <a:xfrm>
-            <a:off x="768302" y="847608"/>
-            <a:ext cx="9402811" cy="2148163"/>
+            <a:off x="690719" y="365717"/>
+            <a:ext cx="8453282" cy="926858"/>
           </a:xfrm>
           <a:prstGeom prst="rect">
             <a:avLst/>
@@ -10086,7 +10041,7 @@
           <a:lstStyle>
             <a:lvl1pPr marL="0" indent="0" algn="ctr">
               <a:buNone/>
-              <a:defRPr sz="1335"/>
+              <a:defRPr sz="1781"/>
             </a:lvl1pPr>
           </a:lstStyle>
           <a:p>
@@ -10129,8 +10084,8 @@
         </p:blipFill>
         <p:spPr>
           <a:xfrm>
-            <a:off x="1000323" y="3313665"/>
-            <a:ext cx="443787" cy="423804"/>
+            <a:off x="899312" y="1429732"/>
+            <a:ext cx="398971" cy="182858"/>
           </a:xfrm>
           <a:prstGeom prst="rect">
             <a:avLst/>
@@ -10155,8 +10110,8 @@
         </p:nvSpPr>
         <p:spPr>
           <a:xfrm>
-            <a:off x="1811565" y="3313666"/>
-            <a:ext cx="1986711" cy="492571"/>
+            <a:off x="1628630" y="1429735"/>
+            <a:ext cx="1786088" cy="212528"/>
           </a:xfrm>
           <a:prstGeom prst="rect">
             <a:avLst/>
@@ -10174,43 +10129,43 @@
               </a:spcBef>
               <a:buFontTx/>
               <a:buNone/>
-              <a:defRPr sz="1800" b="1">
+              <a:defRPr sz="2400" b="1">
                 <a:solidFill>
                   <a:schemeClr val="tx1"/>
                 </a:solidFill>
               </a:defRPr>
             </a:lvl1pPr>
-            <a:lvl2pPr marL="600642" indent="-200214">
+            <a:lvl2pPr marL="800875" indent="-266957">
               <a:spcBef>
                 <a:spcPts val="0"/>
               </a:spcBef>
-              <a:defRPr sz="1557">
+              <a:defRPr sz="2077">
                 <a:solidFill>
                   <a:schemeClr val="tx1"/>
                 </a:solidFill>
               </a:defRPr>
             </a:lvl2pPr>
-            <a:lvl3pPr marL="1201284" indent="-200214">
+            <a:lvl3pPr marL="1601750" indent="-266957">
               <a:spcBef>
                 <a:spcPts val="0"/>
               </a:spcBef>
               <a:buFont typeface="Wingdings" panose="05000000000000000000" pitchFamily="2" charset="2"/>
               <a:buChar char="§"/>
-              <a:defRPr sz="1557">
+              <a:defRPr sz="2077">
                 <a:solidFill>
                   <a:schemeClr val="tx1"/>
                 </a:solidFill>
               </a:defRPr>
             </a:lvl3pPr>
             <a:lvl4pPr>
-              <a:defRPr sz="1557">
+              <a:defRPr sz="2077">
                 <a:solidFill>
                   <a:schemeClr val="tx1"/>
                 </a:solidFill>
               </a:defRPr>
             </a:lvl4pPr>
             <a:lvl5pPr>
-              <a:defRPr sz="1557">
+              <a:defRPr sz="2077">
                 <a:solidFill>
                   <a:schemeClr val="tx1"/>
                 </a:solidFill>
@@ -10244,8 +10199,8 @@
         </p:nvSpPr>
         <p:spPr>
           <a:xfrm>
-            <a:off x="4089400" y="3313665"/>
-            <a:ext cx="2760663" cy="1285323"/>
+            <a:off x="3676446" y="1429732"/>
+            <a:ext cx="2481881" cy="554573"/>
           </a:xfrm>
           <a:prstGeom prst="rect">
             <a:avLst/>
@@ -10257,9 +10212,9 @@
             <a:noAutofit/>
           </a:bodyPr>
           <a:lstStyle>
-            <a:lvl1pPr marL="192205" indent="-192205">
+            <a:lvl1pPr marL="256279" indent="-256279">
               <a:spcBef>
-                <a:spcPts val="667"/>
+                <a:spcPts val="889"/>
               </a:spcBef>
               <a:spcAft>
                 <a:spcPts val="0"/>
@@ -10268,43 +10223,43 @@
               <a:buBlip>
                 <a:blip r:embed="rId4"/>
               </a:buBlip>
-              <a:defRPr sz="1200" b="0">
+              <a:defRPr sz="1600" b="0">
                 <a:solidFill>
                   <a:schemeClr val="tx1"/>
                 </a:solidFill>
               </a:defRPr>
             </a:lvl1pPr>
-            <a:lvl2pPr marL="600642" indent="-200214">
+            <a:lvl2pPr marL="800875" indent="-266957">
               <a:spcBef>
                 <a:spcPts val="0"/>
               </a:spcBef>
-              <a:defRPr sz="1557">
+              <a:defRPr sz="2077">
                 <a:solidFill>
                   <a:schemeClr val="tx1"/>
                 </a:solidFill>
               </a:defRPr>
             </a:lvl2pPr>
-            <a:lvl3pPr marL="1201284" indent="-200214">
+            <a:lvl3pPr marL="1601750" indent="-266957">
               <a:spcBef>
                 <a:spcPts val="0"/>
               </a:spcBef>
               <a:buFont typeface="Wingdings" panose="05000000000000000000" pitchFamily="2" charset="2"/>
               <a:buChar char="§"/>
-              <a:defRPr sz="1557">
+              <a:defRPr sz="2077">
                 <a:solidFill>
                   <a:schemeClr val="tx1"/>
                 </a:solidFill>
               </a:defRPr>
             </a:lvl3pPr>
             <a:lvl4pPr>
-              <a:defRPr sz="1557">
+              <a:defRPr sz="2077">
                 <a:solidFill>
                   <a:schemeClr val="tx1"/>
                 </a:solidFill>
               </a:defRPr>
             </a:lvl4pPr>
             <a:lvl5pPr>
-              <a:defRPr sz="1557">
+              <a:defRPr sz="2077">
                 <a:solidFill>
                   <a:schemeClr val="tx1"/>
                 </a:solidFill>
@@ -10338,8 +10293,8 @@
         </p:nvSpPr>
         <p:spPr>
           <a:xfrm>
-            <a:off x="7139226" y="3313665"/>
-            <a:ext cx="2749312" cy="1285323"/>
+            <a:off x="6418282" y="1429732"/>
+            <a:ext cx="2471678" cy="554573"/>
           </a:xfrm>
           <a:prstGeom prst="rect">
             <a:avLst/>
@@ -10351,9 +10306,9 @@
             <a:noAutofit/>
           </a:bodyPr>
           <a:lstStyle>
-            <a:lvl1pPr marL="192205" indent="-192205">
+            <a:lvl1pPr marL="256279" indent="-256279">
               <a:spcBef>
-                <a:spcPts val="667"/>
+                <a:spcPts val="889"/>
               </a:spcBef>
               <a:spcAft>
                 <a:spcPts val="0"/>
@@ -10362,43 +10317,43 @@
               <a:buBlip>
                 <a:blip r:embed="rId4"/>
               </a:buBlip>
-              <a:defRPr sz="1200" b="0">
+              <a:defRPr sz="1600" b="0">
                 <a:solidFill>
                   <a:schemeClr val="tx1"/>
                 </a:solidFill>
               </a:defRPr>
             </a:lvl1pPr>
-            <a:lvl2pPr marL="600642" indent="-200214">
+            <a:lvl2pPr marL="800875" indent="-266957">
               <a:spcBef>
                 <a:spcPts val="0"/>
               </a:spcBef>
-              <a:defRPr sz="1557">
+              <a:defRPr sz="2077">
                 <a:solidFill>
                   <a:schemeClr val="tx1"/>
                 </a:solidFill>
               </a:defRPr>
             </a:lvl2pPr>
-            <a:lvl3pPr marL="1201284" indent="-200214">
+            <a:lvl3pPr marL="1601750" indent="-266957">
               <a:spcBef>
                 <a:spcPts val="0"/>
               </a:spcBef>
               <a:buFont typeface="Wingdings" panose="05000000000000000000" pitchFamily="2" charset="2"/>
               <a:buChar char="§"/>
-              <a:defRPr sz="1557">
+              <a:defRPr sz="2077">
                 <a:solidFill>
                   <a:schemeClr val="tx1"/>
                 </a:solidFill>
               </a:defRPr>
             </a:lvl3pPr>
             <a:lvl4pPr>
-              <a:defRPr sz="1557">
+              <a:defRPr sz="2077">
                 <a:solidFill>
                   <a:schemeClr val="tx1"/>
                 </a:solidFill>
               </a:defRPr>
             </a:lvl4pPr>
             <a:lvl5pPr>
-              <a:defRPr sz="1557">
+              <a:defRPr sz="2077">
                 <a:solidFill>
                   <a:schemeClr val="tx1"/>
                 </a:solidFill>
@@ -10432,8 +10387,8 @@
         </p:nvSpPr>
         <p:spPr>
           <a:xfrm>
-            <a:off x="307024" y="264556"/>
-            <a:ext cx="9587864" cy="369332"/>
+            <a:off x="276023" y="114148"/>
+            <a:ext cx="8619650" cy="159354"/>
           </a:xfrm>
           <a:prstGeom prst="rect">
             <a:avLst/>
@@ -10449,7 +10404,7 @@
           <a:p>
             <a:pPr algn="l"/>
             <a:r>
-              <a:rPr lang="de-DE" sz="2400" b="1" dirty="0"/>
+              <a:rPr lang="de-DE" sz="3200" b="1" dirty="0"/>
               <a:t>Überschrift durch Klicken hinzufügen</a:t>
             </a:r>
           </a:p>
@@ -10504,8 +10459,8 @@
         </p:nvSpPr>
         <p:spPr>
           <a:xfrm>
-            <a:off x="761069" y="842310"/>
-            <a:ext cx="9410045" cy="4036730"/>
+            <a:off x="684216" y="363428"/>
+            <a:ext cx="8459788" cy="1741708"/>
           </a:xfrm>
           <a:prstGeom prst="rect">
             <a:avLst/>
@@ -10538,13 +10493,13 @@
           </a:fontRef>
         </p:style>
         <p:txBody>
-          <a:bodyPr wrap="none" lIns="120131" tIns="40044" rIns="120131" bIns="40044" rtlCol="0" anchor="ctr" anchorCtr="0">
+          <a:bodyPr wrap="none" lIns="160175" tIns="53392" rIns="160175" bIns="53392" rtlCol="0" anchor="ctr" anchorCtr="0">
             <a:normAutofit/>
           </a:bodyPr>
           <a:lstStyle/>
           <a:p>
             <a:pPr algn="ctr"/>
-            <a:endParaRPr lang="de-DE" sz="2002" dirty="0" err="1">
+            <a:endParaRPr lang="de-DE" sz="2670" dirty="0" err="1">
               <a:latin typeface="+mj-lt"/>
             </a:endParaRPr>
           </a:p>
@@ -10568,8 +10523,8 @@
         </p:nvSpPr>
         <p:spPr>
           <a:xfrm>
-            <a:off x="4530561" y="847607"/>
-            <a:ext cx="5640552" cy="4031432"/>
+            <a:off x="4073053" y="365718"/>
+            <a:ext cx="5070950" cy="1739422"/>
           </a:xfrm>
           <a:custGeom>
             <a:avLst/>
@@ -10641,7 +10596,7 @@
           <a:lstStyle>
             <a:lvl1pPr marL="0" indent="0" algn="ctr">
               <a:buNone/>
-              <a:defRPr sz="1335"/>
+              <a:defRPr sz="1781"/>
             </a:lvl1pPr>
           </a:lstStyle>
           <a:p>
@@ -10671,8 +10626,8 @@
         </p:nvSpPr>
         <p:spPr>
           <a:xfrm>
-            <a:off x="1042353" y="1126116"/>
-            <a:ext cx="3047047" cy="3472871"/>
+            <a:off x="937095" y="485883"/>
+            <a:ext cx="2739348" cy="1498423"/>
           </a:xfrm>
           <a:prstGeom prst="rect">
             <a:avLst/>
@@ -10684,39 +10639,39 @@
             <a:noAutofit/>
           </a:bodyPr>
           <a:lstStyle>
-            <a:lvl1pPr marL="200214" indent="-200214">
+            <a:lvl1pPr marL="266957" indent="-266957">
               <a:spcBef>
-                <a:spcPts val="667"/>
+                <a:spcPts val="889"/>
               </a:spcBef>
               <a:buFontTx/>
               <a:buBlip>
                 <a:blip r:embed="rId2"/>
               </a:buBlip>
-              <a:defRPr sz="1200">
+              <a:defRPr sz="1600">
                 <a:solidFill>
                   <a:schemeClr val="tx1"/>
                 </a:solidFill>
               </a:defRPr>
             </a:lvl1pPr>
-            <a:lvl2pPr marL="600642" indent="-200214">
+            <a:lvl2pPr marL="800875" indent="-266957">
               <a:spcBef>
-                <a:spcPts val="667"/>
+                <a:spcPts val="889"/>
               </a:spcBef>
-              <a:defRPr sz="1200">
+              <a:defRPr sz="1600">
                 <a:solidFill>
                   <a:schemeClr val="tx1"/>
                 </a:solidFill>
               </a:defRPr>
             </a:lvl2pPr>
-            <a:lvl3pPr marL="1201284" indent="-200214">
+            <a:lvl3pPr marL="1601750" indent="-266957">
               <a:spcBef>
-                <a:spcPts val="667"/>
+                <a:spcPts val="889"/>
               </a:spcBef>
               <a:buFontTx/>
               <a:buBlip>
                 <a:blip r:embed="rId2"/>
               </a:buBlip>
-              <a:defRPr sz="1200">
+              <a:defRPr sz="1600">
                 <a:solidFill>
                   <a:schemeClr val="tx1"/>
                 </a:solidFill>
@@ -10724,16 +10679,16 @@
             </a:lvl3pPr>
             <a:lvl4pPr>
               <a:spcBef>
-                <a:spcPts val="667"/>
+                <a:spcPts val="889"/>
               </a:spcBef>
-              <a:defRPr sz="1200">
+              <a:defRPr sz="1600">
                 <a:solidFill>
                   <a:schemeClr val="tx1"/>
                 </a:solidFill>
               </a:defRPr>
             </a:lvl4pPr>
             <a:lvl5pPr>
-              <a:defRPr sz="1557">
+              <a:defRPr sz="2077">
                 <a:solidFill>
                   <a:schemeClr val="tx1"/>
                 </a:solidFill>
@@ -10788,8 +10743,8 @@
         </p:nvSpPr>
         <p:spPr>
           <a:xfrm>
-            <a:off x="307024" y="264556"/>
-            <a:ext cx="9587864" cy="369332"/>
+            <a:off x="276023" y="114148"/>
+            <a:ext cx="8619650" cy="159354"/>
           </a:xfrm>
           <a:prstGeom prst="rect">
             <a:avLst/>
@@ -10805,7 +10760,7 @@
           <a:p>
             <a:pPr algn="l"/>
             <a:r>
-              <a:rPr lang="de-DE" sz="2400" b="1" dirty="0"/>
+              <a:rPr lang="de-DE" sz="3200" b="1" dirty="0"/>
               <a:t>Überschrift durch Klicken hinzufügen</a:t>
             </a:r>
           </a:p>
@@ -10859,8 +10814,8 @@
         </p:nvSpPr>
         <p:spPr>
           <a:xfrm>
-            <a:off x="768302" y="847607"/>
-            <a:ext cx="9402811" cy="4031432"/>
+            <a:off x="690719" y="365718"/>
+            <a:ext cx="8453282" cy="1739422"/>
           </a:xfrm>
           <a:prstGeom prst="rect">
             <a:avLst/>
@@ -10874,7 +10829,7 @@
           <a:lstStyle>
             <a:lvl1pPr marL="0" indent="0" algn="ctr">
               <a:buNone/>
-              <a:defRPr sz="1335"/>
+              <a:defRPr sz="1781"/>
             </a:lvl1pPr>
           </a:lstStyle>
           <a:p>
@@ -10900,8 +10855,8 @@
         </p:nvSpPr>
         <p:spPr>
           <a:xfrm>
-            <a:off x="761069" y="842310"/>
-            <a:ext cx="9410045" cy="4036730"/>
+            <a:off x="684216" y="363428"/>
+            <a:ext cx="8459788" cy="1741708"/>
           </a:xfrm>
           <a:prstGeom prst="rect">
             <a:avLst/>
@@ -10932,13 +10887,13 @@
           </a:fontRef>
         </p:style>
         <p:txBody>
-          <a:bodyPr wrap="none" lIns="120131" tIns="40044" rIns="120131" bIns="40044" rtlCol="0" anchor="ctr" anchorCtr="0">
+          <a:bodyPr wrap="none" lIns="160175" tIns="53392" rIns="160175" bIns="53392" rtlCol="0" anchor="ctr" anchorCtr="0">
             <a:normAutofit/>
           </a:bodyPr>
           <a:lstStyle/>
           <a:p>
             <a:pPr algn="ctr"/>
-            <a:endParaRPr lang="de-DE" sz="2002" dirty="0" err="1">
+            <a:endParaRPr lang="de-DE" sz="2670" dirty="0" err="1">
               <a:latin typeface="+mj-lt"/>
             </a:endParaRPr>
           </a:p>
@@ -10962,8 +10917,8 @@
         </p:nvSpPr>
         <p:spPr>
           <a:xfrm>
-            <a:off x="307024" y="264556"/>
-            <a:ext cx="9587864" cy="369332"/>
+            <a:off x="276023" y="114148"/>
+            <a:ext cx="8619650" cy="159354"/>
           </a:xfrm>
           <a:prstGeom prst="rect">
             <a:avLst/>
@@ -10979,7 +10934,7 @@
           <a:p>
             <a:pPr algn="l"/>
             <a:r>
-              <a:rPr lang="de-DE" sz="2400" b="1" dirty="0"/>
+              <a:rPr lang="de-DE" sz="3200" b="1" dirty="0"/>
               <a:t>Überschrift durch Klicken hinzufügen</a:t>
             </a:r>
           </a:p>
@@ -11038,8 +10993,8 @@
         </p:nvSpPr>
         <p:spPr>
           <a:xfrm>
-            <a:off x="0" y="0"/>
-            <a:ext cx="10171113" cy="4879040"/>
+            <a:off x="0" y="5"/>
+            <a:ext cx="9144000" cy="2105135"/>
           </a:xfrm>
           <a:prstGeom prst="rect">
             <a:avLst/>
@@ -11053,7 +11008,7 @@
           <a:lstStyle>
             <a:lvl1pPr marL="0" indent="0" algn="ctr">
               <a:buNone/>
-              <a:defRPr sz="1335"/>
+              <a:defRPr sz="1781"/>
             </a:lvl1pPr>
           </a:lstStyle>
           <a:p>
@@ -11118,8 +11073,8 @@
         </p:nvSpPr>
         <p:spPr>
           <a:xfrm>
-            <a:off x="4530561" y="847607"/>
-            <a:ext cx="5640552" cy="4031432"/>
+            <a:off x="4073053" y="365718"/>
+            <a:ext cx="5070950" cy="1739422"/>
           </a:xfrm>
           <a:custGeom>
             <a:avLst/>
@@ -11194,7 +11149,7 @@
           <a:lstStyle>
             <a:lvl1pPr marL="0" indent="0" algn="ctr">
               <a:buNone/>
-              <a:defRPr sz="1335"/>
+              <a:defRPr sz="1781"/>
             </a:lvl1pPr>
           </a:lstStyle>
           <a:p>
@@ -11224,8 +11179,8 @@
         </p:nvSpPr>
         <p:spPr>
           <a:xfrm>
-            <a:off x="768302" y="847343"/>
-            <a:ext cx="5631897" cy="4031697"/>
+            <a:off x="690719" y="365599"/>
+            <a:ext cx="5063170" cy="1739537"/>
           </a:xfrm>
           <a:custGeom>
             <a:avLst/>
@@ -11330,7 +11285,7 @@
           <a:lstStyle>
             <a:lvl1pPr marL="0" indent="0" algn="ctr">
               <a:buNone/>
-              <a:defRPr sz="1335"/>
+              <a:defRPr sz="1781"/>
             </a:lvl1pPr>
           </a:lstStyle>
           <a:p>
@@ -11360,8 +11315,8 @@
         </p:nvSpPr>
         <p:spPr>
           <a:xfrm>
-            <a:off x="307024" y="264556"/>
-            <a:ext cx="9587864" cy="369332"/>
+            <a:off x="276023" y="114148"/>
+            <a:ext cx="8619650" cy="159354"/>
           </a:xfrm>
           <a:prstGeom prst="rect">
             <a:avLst/>
@@ -11377,7 +11332,7 @@
           <a:p>
             <a:pPr algn="l"/>
             <a:r>
-              <a:rPr lang="de-DE" sz="2400" b="1" dirty="0"/>
+              <a:rPr lang="de-DE" sz="3200" b="1" dirty="0"/>
               <a:t>Überschrift durch Klicken hinzufügen</a:t>
             </a:r>
           </a:p>
@@ -11436,8 +11391,8 @@
         </p:nvSpPr>
         <p:spPr>
           <a:xfrm>
-            <a:off x="1" y="-2691"/>
-            <a:ext cx="6224208" cy="4881730"/>
+            <a:off x="4" y="-1161"/>
+            <a:ext cx="5595668" cy="2106296"/>
           </a:xfrm>
           <a:custGeom>
             <a:avLst/>
@@ -11522,7 +11477,7 @@
           <a:lstStyle>
             <a:lvl1pPr marL="0" indent="0" algn="ctr">
               <a:buNone/>
-              <a:defRPr sz="1335"/>
+              <a:defRPr sz="1781"/>
             </a:lvl1pPr>
           </a:lstStyle>
           <a:p>
@@ -11552,8 +11507,8 @@
         </p:nvSpPr>
         <p:spPr>
           <a:xfrm>
-            <a:off x="3946904" y="0"/>
-            <a:ext cx="6224208" cy="4879040"/>
+            <a:off x="3548334" y="5"/>
+            <a:ext cx="5595668" cy="2105135"/>
           </a:xfrm>
           <a:custGeom>
             <a:avLst/>
@@ -11648,7 +11603,7 @@
           <a:lstStyle>
             <a:lvl1pPr marL="0" indent="0" algn="ctr">
               <a:buNone/>
-              <a:defRPr sz="1335"/>
+              <a:defRPr sz="1781"/>
             </a:lvl1pPr>
           </a:lstStyle>
           <a:p>
@@ -11713,8 +11668,8 @@
         </p:nvSpPr>
         <p:spPr>
           <a:xfrm>
-            <a:off x="768302" y="847607"/>
-            <a:ext cx="4058415" cy="4031432"/>
+            <a:off x="690719" y="365718"/>
+            <a:ext cx="3648582" cy="1739422"/>
           </a:xfrm>
           <a:custGeom>
             <a:avLst/>
@@ -11789,7 +11744,7 @@
           <a:lstStyle>
             <a:lvl1pPr marL="0" indent="0" algn="ctr">
               <a:buNone/>
-              <a:defRPr sz="1335"/>
+              <a:defRPr sz="1781"/>
             </a:lvl1pPr>
           </a:lstStyle>
           <a:p>
@@ -11819,8 +11774,8 @@
         </p:nvSpPr>
         <p:spPr>
           <a:xfrm>
-            <a:off x="6088243" y="847607"/>
-            <a:ext cx="4082870" cy="4031432"/>
+            <a:off x="5473434" y="365718"/>
+            <a:ext cx="3670569" cy="1739422"/>
           </a:xfrm>
           <a:custGeom>
             <a:avLst/>
@@ -11895,7 +11850,7 @@
           <a:lstStyle>
             <a:lvl1pPr marL="0" indent="0" algn="ctr">
               <a:buNone/>
-              <a:defRPr sz="1335"/>
+              <a:defRPr sz="1781"/>
             </a:lvl1pPr>
           </a:lstStyle>
           <a:p>
@@ -11925,8 +11880,8 @@
         </p:nvSpPr>
         <p:spPr>
           <a:xfrm>
-            <a:off x="2957080" y="847607"/>
-            <a:ext cx="5000801" cy="4031432"/>
+            <a:off x="2658467" y="365718"/>
+            <a:ext cx="4495802" cy="1739422"/>
           </a:xfrm>
           <a:custGeom>
             <a:avLst/>
@@ -12021,7 +11976,7 @@
           <a:lstStyle>
             <a:lvl1pPr marL="0" indent="0" algn="ctr">
               <a:buNone/>
-              <a:defRPr sz="1335"/>
+              <a:defRPr sz="1781"/>
             </a:lvl1pPr>
           </a:lstStyle>
           <a:p>
@@ -12051,8 +12006,8 @@
         </p:nvSpPr>
         <p:spPr>
           <a:xfrm>
-            <a:off x="307024" y="264556"/>
-            <a:ext cx="9587864" cy="369332"/>
+            <a:off x="276023" y="114148"/>
+            <a:ext cx="8619650" cy="159354"/>
           </a:xfrm>
           <a:prstGeom prst="rect">
             <a:avLst/>
@@ -12068,7 +12023,7 @@
           <a:p>
             <a:pPr algn="l"/>
             <a:r>
-              <a:rPr lang="de-DE" sz="2400" b="1" dirty="0"/>
+              <a:rPr lang="de-DE" sz="3200" b="1" dirty="0"/>
               <a:t>Überschrift durch Klicken hinzufügen</a:t>
             </a:r>
           </a:p>
@@ -12127,8 +12082,8 @@
         </p:nvSpPr>
         <p:spPr>
           <a:xfrm>
-            <a:off x="768302" y="847343"/>
-            <a:ext cx="5631897" cy="4031697"/>
+            <a:off x="690719" y="365599"/>
+            <a:ext cx="5063170" cy="1739537"/>
           </a:xfrm>
           <a:custGeom>
             <a:avLst/>
@@ -12233,7 +12188,7 @@
           <a:lstStyle>
             <a:lvl1pPr marL="0" indent="0" algn="ctr">
               <a:buNone/>
-              <a:defRPr sz="1335"/>
+              <a:defRPr sz="1781"/>
             </a:lvl1pPr>
           </a:lstStyle>
           <a:p>
@@ -12263,8 +12218,8 @@
         </p:nvSpPr>
         <p:spPr>
           <a:xfrm>
-            <a:off x="4530561" y="847608"/>
-            <a:ext cx="5640552" cy="1986009"/>
+            <a:off x="4073053" y="365715"/>
+            <a:ext cx="5070950" cy="856894"/>
           </a:xfrm>
           <a:custGeom>
             <a:avLst/>
@@ -12339,7 +12294,7 @@
           <a:lstStyle>
             <a:lvl1pPr marL="0" indent="0" algn="ctr">
               <a:buNone/>
-              <a:defRPr sz="1335"/>
+              <a:defRPr sz="1781"/>
             </a:lvl1pPr>
           </a:lstStyle>
           <a:p>
@@ -12369,8 +12324,8 @@
         </p:nvSpPr>
         <p:spPr>
           <a:xfrm>
-            <a:off x="5506705" y="2887732"/>
-            <a:ext cx="4664407" cy="1991308"/>
+            <a:off x="4950620" y="1245957"/>
+            <a:ext cx="4193380" cy="859179"/>
           </a:xfrm>
           <a:custGeom>
             <a:avLst/>
@@ -12455,7 +12410,7 @@
           <a:lstStyle>
             <a:lvl1pPr marL="0" indent="0" algn="ctr">
               <a:buNone/>
-              <a:defRPr sz="1335"/>
+              <a:defRPr sz="1781"/>
             </a:lvl1pPr>
           </a:lstStyle>
           <a:p>
@@ -12485,8 +12440,8 @@
         </p:nvSpPr>
         <p:spPr>
           <a:xfrm>
-            <a:off x="307024" y="264556"/>
-            <a:ext cx="9587864" cy="369332"/>
+            <a:off x="276023" y="114148"/>
+            <a:ext cx="8619650" cy="159354"/>
           </a:xfrm>
           <a:prstGeom prst="rect">
             <a:avLst/>
@@ -12502,7 +12457,7 @@
           <a:p>
             <a:pPr algn="l"/>
             <a:r>
-              <a:rPr lang="de-DE" sz="2400" b="1" dirty="0"/>
+              <a:rPr lang="de-DE" sz="3200" b="1" dirty="0"/>
               <a:t>Überschrift durch Klicken hinzufügen</a:t>
             </a:r>
           </a:p>
@@ -12557,8 +12512,8 @@
         </p:nvSpPr>
         <p:spPr>
           <a:xfrm>
-            <a:off x="-1" y="0"/>
-            <a:ext cx="954447" cy="5721351"/>
+            <a:off x="0" y="5"/>
+            <a:ext cx="858062" cy="2468564"/>
           </a:xfrm>
           <a:prstGeom prst="rect">
             <a:avLst/>
@@ -12589,13 +12544,13 @@
           </a:fontRef>
         </p:style>
         <p:txBody>
-          <a:bodyPr wrap="none" lIns="120131" tIns="40044" rIns="120131" bIns="40044" rtlCol="0" anchor="ctr" anchorCtr="0">
+          <a:bodyPr wrap="none" lIns="160175" tIns="53392" rIns="160175" bIns="53392" rtlCol="0" anchor="ctr" anchorCtr="0">
             <a:normAutofit/>
           </a:bodyPr>
           <a:lstStyle/>
           <a:p>
             <a:pPr lvl="0" algn="ctr"/>
-            <a:endParaRPr lang="de-DE" sz="2002" dirty="0" err="1">
+            <a:endParaRPr lang="de-DE" sz="2670" dirty="0" err="1">
               <a:latin typeface="+mj-lt"/>
             </a:endParaRPr>
           </a:p>
@@ -12615,8 +12570,8 @@
         </p:nvSpPr>
         <p:spPr>
           <a:xfrm>
-            <a:off x="761069" y="842310"/>
-            <a:ext cx="9410045" cy="4036730"/>
+            <a:off x="684216" y="363428"/>
+            <a:ext cx="8459788" cy="1741708"/>
           </a:xfrm>
           <a:prstGeom prst="rect">
             <a:avLst/>
@@ -12649,13 +12604,13 @@
           </a:fontRef>
         </p:style>
         <p:txBody>
-          <a:bodyPr wrap="none" lIns="120131" tIns="40044" rIns="120131" bIns="40044" rtlCol="0" anchor="ctr" anchorCtr="0">
+          <a:bodyPr wrap="none" lIns="160175" tIns="53392" rIns="160175" bIns="53392" rtlCol="0" anchor="ctr" anchorCtr="0">
             <a:normAutofit/>
           </a:bodyPr>
           <a:lstStyle/>
           <a:p>
             <a:pPr algn="ctr"/>
-            <a:endParaRPr lang="de-DE" sz="2002" dirty="0" err="1">
+            <a:endParaRPr lang="de-DE" sz="2670" dirty="0" err="1">
               <a:latin typeface="+mj-lt"/>
             </a:endParaRPr>
           </a:p>
@@ -12674,14 +12629,14 @@
           </p:nvPr>
         </p:nvGraphicFramePr>
         <p:xfrm>
-          <a:off x="1767" y="1767"/>
-          <a:ext cx="1765" cy="1765"/>
+          <a:off x="1592" y="763"/>
+          <a:ext cx="1588" cy="762"/>
         </p:xfrm>
         <a:graphic>
           <a:graphicData uri="http://schemas.openxmlformats.org/presentationml/2006/ole">
             <mc:AlternateContent xmlns:mc="http://schemas.openxmlformats.org/markup-compatibility/2006">
               <mc:Choice xmlns:v="urn:schemas-microsoft-com:vml" Requires="v">
-                <p:oleObj spid="_x0000_s17504" name="think-cell Folie" r:id="rId4" imgW="270" imgH="270" progId="TCLayout.ActiveDocument.1">
+                <p:oleObj spid="_x0000_s17511" name="think-cell Folie" r:id="rId4" imgW="270" imgH="270" progId="TCLayout.ActiveDocument.1">
                   <p:embed/>
                 </p:oleObj>
               </mc:Choice>
@@ -12702,8 +12657,8 @@
                     </p:blipFill>
                     <p:spPr>
                       <a:xfrm>
-                        <a:off x="1767" y="1767"/>
-                        <a:ext cx="1765" cy="1765"/>
+                        <a:off x="1592" y="763"/>
+                        <a:ext cx="1588" cy="762"/>
                       </a:xfrm>
                       <a:prstGeom prst="rect">
                         <a:avLst/>
@@ -12734,8 +12689,8 @@
         </p:nvSpPr>
         <p:spPr>
           <a:xfrm>
-            <a:off x="1045288" y="1124607"/>
-            <a:ext cx="8848725" cy="3468906"/>
+            <a:off x="939734" y="485233"/>
+            <a:ext cx="7955151" cy="1496713"/>
           </a:xfrm>
           <a:prstGeom prst="rect">
             <a:avLst/>
@@ -12747,39 +12702,39 @@
             <a:noAutofit/>
           </a:bodyPr>
           <a:lstStyle>
-            <a:lvl1pPr marL="200214" indent="-200214">
+            <a:lvl1pPr marL="266957" indent="-266957">
               <a:spcBef>
-                <a:spcPts val="667"/>
+                <a:spcPts val="889"/>
               </a:spcBef>
               <a:buFontTx/>
               <a:buBlip>
                 <a:blip r:embed="rId6"/>
               </a:buBlip>
-              <a:defRPr sz="1200">
+              <a:defRPr sz="1600">
                 <a:solidFill>
                   <a:schemeClr val="tx1"/>
                 </a:solidFill>
               </a:defRPr>
             </a:lvl1pPr>
-            <a:lvl2pPr marL="600642" indent="-200214">
+            <a:lvl2pPr marL="800875" indent="-266957">
               <a:spcBef>
-                <a:spcPts val="667"/>
+                <a:spcPts val="889"/>
               </a:spcBef>
-              <a:defRPr sz="1200">
+              <a:defRPr sz="1600">
                 <a:solidFill>
                   <a:schemeClr val="tx1"/>
                 </a:solidFill>
               </a:defRPr>
             </a:lvl2pPr>
-            <a:lvl3pPr marL="1201284" indent="-200214">
+            <a:lvl3pPr marL="1601750" indent="-266957">
               <a:spcBef>
-                <a:spcPts val="667"/>
+                <a:spcPts val="889"/>
               </a:spcBef>
               <a:buFontTx/>
               <a:buBlip>
                 <a:blip r:embed="rId6"/>
               </a:buBlip>
-              <a:defRPr sz="1200">
+              <a:defRPr sz="1600">
                 <a:solidFill>
                   <a:schemeClr val="tx1"/>
                 </a:solidFill>
@@ -12787,9 +12742,9 @@
             </a:lvl3pPr>
             <a:lvl4pPr>
               <a:spcBef>
-                <a:spcPts val="667"/>
+                <a:spcPts val="889"/>
               </a:spcBef>
-              <a:defRPr sz="1200">
+              <a:defRPr sz="1600">
                 <a:solidFill>
                   <a:schemeClr val="tx1"/>
                 </a:solidFill>
@@ -12797,9 +12752,9 @@
             </a:lvl4pPr>
             <a:lvl5pPr>
               <a:spcBef>
-                <a:spcPts val="667"/>
+                <a:spcPts val="889"/>
               </a:spcBef>
-              <a:defRPr sz="1200">
+              <a:defRPr sz="1600">
                 <a:solidFill>
                   <a:schemeClr val="tx1"/>
                 </a:solidFill>
@@ -12861,8 +12816,8 @@
         </p:nvSpPr>
         <p:spPr>
           <a:xfrm>
-            <a:off x="307024" y="264556"/>
-            <a:ext cx="9587864" cy="369332"/>
+            <a:off x="276023" y="114148"/>
+            <a:ext cx="8619650" cy="159354"/>
           </a:xfrm>
           <a:prstGeom prst="rect">
             <a:avLst/>
@@ -12878,7 +12833,7 @@
           <a:p>
             <a:pPr algn="l"/>
             <a:r>
-              <a:rPr lang="de-DE" sz="2400" b="1" dirty="0"/>
+              <a:rPr lang="de-DE" sz="3200" b="1" dirty="0"/>
               <a:t>References</a:t>
             </a:r>
           </a:p>
@@ -12937,8 +12892,8 @@
         </p:nvSpPr>
         <p:spPr>
           <a:xfrm>
-            <a:off x="768302" y="2887732"/>
-            <a:ext cx="3585579" cy="1991308"/>
+            <a:off x="690721" y="1245957"/>
+            <a:ext cx="3223497" cy="859179"/>
           </a:xfrm>
           <a:custGeom>
             <a:avLst/>
@@ -13013,7 +12968,7 @@
           <a:lstStyle>
             <a:lvl1pPr marL="0" indent="0" algn="ctr">
               <a:buNone/>
-              <a:defRPr sz="1335"/>
+              <a:defRPr sz="1781"/>
             </a:lvl1pPr>
           </a:lstStyle>
           <a:p>
@@ -13043,8 +12998,8 @@
         </p:nvSpPr>
         <p:spPr>
           <a:xfrm>
-            <a:off x="5027286" y="847607"/>
-            <a:ext cx="5143827" cy="1986009"/>
+            <a:off x="4519615" y="365715"/>
+            <a:ext cx="4624388" cy="856894"/>
           </a:xfrm>
           <a:custGeom>
             <a:avLst/>
@@ -13119,7 +13074,7 @@
           <a:lstStyle>
             <a:lvl1pPr marL="0" indent="0" algn="ctr">
               <a:buNone/>
-              <a:defRPr sz="1335"/>
+              <a:defRPr sz="1781"/>
             </a:lvl1pPr>
           </a:lstStyle>
           <a:p>
@@ -13149,8 +13104,8 @@
         </p:nvSpPr>
         <p:spPr>
           <a:xfrm>
-            <a:off x="768301" y="847607"/>
-            <a:ext cx="5148957" cy="1986009"/>
+            <a:off x="690720" y="365715"/>
+            <a:ext cx="4628999" cy="856894"/>
           </a:xfrm>
           <a:custGeom>
             <a:avLst/>
@@ -13225,7 +13180,7 @@
           <a:lstStyle>
             <a:lvl1pPr marL="0" indent="0" algn="ctr">
               <a:buNone/>
-              <a:defRPr sz="1335"/>
+              <a:defRPr sz="1781"/>
             </a:lvl1pPr>
           </a:lstStyle>
           <a:p>
@@ -13255,8 +13210,8 @@
         </p:nvSpPr>
         <p:spPr>
           <a:xfrm>
-            <a:off x="3470054" y="2887732"/>
-            <a:ext cx="4017150" cy="1991308"/>
+            <a:off x="3119640" y="1245957"/>
+            <a:ext cx="3611487" cy="859179"/>
           </a:xfrm>
           <a:custGeom>
             <a:avLst/>
@@ -13391,7 +13346,7 @@
           <a:lstStyle>
             <a:lvl1pPr marL="0" indent="0" algn="ctr">
               <a:buNone/>
-              <a:defRPr sz="1335"/>
+              <a:defRPr sz="1781"/>
             </a:lvl1pPr>
           </a:lstStyle>
           <a:p>
@@ -13421,8 +13376,8 @@
         </p:nvSpPr>
         <p:spPr>
           <a:xfrm>
-            <a:off x="6592683" y="2887732"/>
-            <a:ext cx="3578431" cy="1991308"/>
+            <a:off x="5926935" y="1245957"/>
+            <a:ext cx="3217069" cy="859179"/>
           </a:xfrm>
           <a:custGeom>
             <a:avLst/>
@@ -13497,7 +13452,7 @@
           <a:lstStyle>
             <a:lvl1pPr marL="0" indent="0" algn="ctr">
               <a:buNone/>
-              <a:defRPr sz="1335"/>
+              <a:defRPr sz="1781"/>
             </a:lvl1pPr>
           </a:lstStyle>
           <a:p>
@@ -13527,8 +13482,8 @@
         </p:nvSpPr>
         <p:spPr>
           <a:xfrm>
-            <a:off x="307024" y="264556"/>
-            <a:ext cx="9587864" cy="369332"/>
+            <a:off x="276023" y="114148"/>
+            <a:ext cx="8619650" cy="159354"/>
           </a:xfrm>
           <a:prstGeom prst="rect">
             <a:avLst/>
@@ -13544,7 +13499,7 @@
           <a:p>
             <a:pPr algn="l"/>
             <a:r>
-              <a:rPr lang="de-DE" sz="2400" b="1" dirty="0"/>
+              <a:rPr lang="de-DE" sz="3200" b="1" dirty="0"/>
               <a:t>Überschrift durch Klicken hinzufügen</a:t>
             </a:r>
           </a:p>
@@ -13599,8 +13554,8 @@
         </p:nvSpPr>
         <p:spPr>
           <a:xfrm>
-            <a:off x="1" y="0"/>
-            <a:ext cx="4598191" cy="5721350"/>
+            <a:off x="4" y="0"/>
+            <a:ext cx="4133850" cy="2468563"/>
           </a:xfrm>
           <a:custGeom>
             <a:avLst/>
@@ -13720,13 +13675,13 @@
           </a:fontRef>
         </p:style>
         <p:txBody>
-          <a:bodyPr wrap="none" lIns="120131" tIns="40044" rIns="120131" bIns="40044" rtlCol="0" anchor="ctr" anchorCtr="0">
+          <a:bodyPr wrap="none" lIns="160175" tIns="53392" rIns="160175" bIns="53392" rtlCol="0" anchor="ctr" anchorCtr="0">
             <a:normAutofit/>
           </a:bodyPr>
           <a:lstStyle/>
           <a:p>
             <a:pPr algn="ctr" eaLnBrk="1"/>
-            <a:endParaRPr lang="de-DE" sz="2002" dirty="0">
+            <a:endParaRPr lang="de-DE" sz="2670" dirty="0">
               <a:latin typeface="+mj-lt"/>
             </a:endParaRPr>
           </a:p>
@@ -13746,8 +13701,8 @@
         </p:nvSpPr>
         <p:spPr>
           <a:xfrm>
-            <a:off x="-1432" y="5024243"/>
-            <a:ext cx="717356" cy="417896"/>
+            <a:off x="-1283" y="2167790"/>
+            <a:ext cx="644917" cy="180308"/>
           </a:xfrm>
           <a:custGeom>
             <a:avLst/>
@@ -13873,13 +13828,13 @@
           </a:fontRef>
         </p:style>
         <p:txBody>
-          <a:bodyPr wrap="none" lIns="120131" tIns="40044" rIns="120131" bIns="40044" rtlCol="0" anchor="ctr" anchorCtr="0">
-            <a:normAutofit/>
+          <a:bodyPr wrap="none" lIns="160175" tIns="53392" rIns="160175" bIns="53392" rtlCol="0" anchor="ctr" anchorCtr="0">
+            <a:normAutofit fontScale="25000" lnSpcReduction="20000"/>
           </a:bodyPr>
           <a:lstStyle/>
           <a:p>
             <a:pPr algn="ctr"/>
-            <a:endParaRPr lang="de-DE" sz="2002" dirty="0">
+            <a:endParaRPr lang="de-DE" sz="2670" dirty="0">
               <a:latin typeface="+mj-lt"/>
             </a:endParaRPr>
           </a:p>
@@ -13901,8 +13856,8 @@
         </p:nvSpPr>
         <p:spPr>
           <a:xfrm>
-            <a:off x="-1431" y="5092320"/>
-            <a:ext cx="594080" cy="305491"/>
+            <a:off x="-1286" y="2197164"/>
+            <a:ext cx="534089" cy="131809"/>
           </a:xfrm>
           <a:prstGeom prst="rect">
             <a:avLst/>
@@ -14007,10 +13962,10 @@
           </a:lstStyle>
           <a:p>
             <a:fld id="{F89A2F21-4C61-4C7B-ACD9-58995BD3F758}" type="slidenum">
-              <a:rPr lang="de-DE" sz="900" smtClean="0"/>
+              <a:rPr lang="de-DE" sz="1200" smtClean="0"/>
               <a:t>‹#›</a:t>
             </a:fld>
-            <a:endParaRPr lang="de-DE" sz="900" dirty="0"/>
+            <a:endParaRPr lang="de-DE" sz="1200" dirty="0"/>
           </a:p>
         </p:txBody>
       </p:sp>
@@ -14030,8 +13985,8 @@
         </p:nvGrpSpPr>
         <p:grpSpPr>
           <a:xfrm>
-            <a:off x="7893024" y="5192400"/>
-            <a:ext cx="2002188" cy="150797"/>
+            <a:off x="7095960" y="2240344"/>
+            <a:ext cx="1800000" cy="65064"/>
             <a:chOff x="3848100" y="2519363"/>
             <a:chExt cx="1452563" cy="109538"/>
           </a:xfrm>
@@ -14200,7 +14155,7 @@
             </a:bodyPr>
             <a:lstStyle/>
             <a:p>
-              <a:endParaRPr lang="de-DE" sz="2002" dirty="0"/>
+              <a:endParaRPr lang="de-DE" sz="2670" dirty="0"/>
             </a:p>
           </p:txBody>
         </p:sp>
@@ -14384,7 +14339,7 @@
             </a:bodyPr>
             <a:lstStyle/>
             <a:p>
-              <a:endParaRPr lang="de-DE" sz="2002" dirty="0"/>
+              <a:endParaRPr lang="de-DE" sz="2670" dirty="0"/>
             </a:p>
           </p:txBody>
         </p:sp>
@@ -14576,7 +14531,7 @@
             </a:bodyPr>
             <a:lstStyle/>
             <a:p>
-              <a:endParaRPr lang="de-DE" sz="2002" dirty="0"/>
+              <a:endParaRPr lang="de-DE" sz="2670" dirty="0"/>
             </a:p>
           </p:txBody>
         </p:sp>
@@ -14888,7 +14843,7 @@
             </a:bodyPr>
             <a:lstStyle/>
             <a:p>
-              <a:endParaRPr lang="de-DE" sz="2002" dirty="0"/>
+              <a:endParaRPr lang="de-DE" sz="2670" dirty="0"/>
             </a:p>
           </p:txBody>
         </p:sp>
@@ -15187,7 +15142,7 @@
             </a:bodyPr>
             <a:lstStyle/>
             <a:p>
-              <a:endParaRPr lang="de-DE" sz="2002" dirty="0"/>
+              <a:endParaRPr lang="de-DE" sz="2670" dirty="0"/>
             </a:p>
           </p:txBody>
         </p:sp>
@@ -15456,7 +15411,7 @@
             </a:bodyPr>
             <a:lstStyle/>
             <a:p>
-              <a:endParaRPr lang="de-DE" sz="2002" dirty="0"/>
+              <a:endParaRPr lang="de-DE" sz="2670" dirty="0"/>
             </a:p>
           </p:txBody>
         </p:sp>
@@ -15685,7 +15640,7 @@
             </a:bodyPr>
             <a:lstStyle/>
             <a:p>
-              <a:endParaRPr lang="de-DE" sz="2002" dirty="0"/>
+              <a:endParaRPr lang="de-DE" sz="2670" dirty="0"/>
             </a:p>
           </p:txBody>
         </p:sp>
@@ -15706,8 +15661,8 @@
         </p:nvSpPr>
         <p:spPr>
           <a:xfrm>
-            <a:off x="1033463" y="5110052"/>
-            <a:ext cx="1404231" cy="138499"/>
+            <a:off x="929103" y="2142357"/>
+            <a:ext cx="1878656" cy="184666"/>
           </a:xfrm>
           <a:prstGeom prst="rect">
             <a:avLst/>
@@ -15815,7 +15770,7 @@
           <a:p>
             <a:pPr algn="l"/>
             <a:r>
-              <a:rPr lang="de-DE" sz="900" b="0" dirty="0"/>
+              <a:rPr lang="de-DE" sz="1200" b="0" dirty="0"/>
               <a:t>Änderungsdatum: 18.07.2018</a:t>
             </a:r>
           </a:p>
@@ -15837,8 +15792,8 @@
         </p:nvSpPr>
         <p:spPr>
           <a:xfrm>
-            <a:off x="1033463" y="5260951"/>
-            <a:ext cx="1420261" cy="138499"/>
+            <a:off x="929107" y="2207465"/>
+            <a:ext cx="1900777" cy="184666"/>
           </a:xfrm>
           <a:prstGeom prst="rect">
             <a:avLst/>
@@ -15946,7 +15901,7 @@
           <a:p>
             <a:pPr algn="l"/>
             <a:r>
-              <a:rPr lang="de-DE" sz="900" b="0" dirty="0"/>
+              <a:rPr lang="de-DE" sz="1200" b="0" dirty="0"/>
               <a:t>Erstellungsdatum: 14.08.2018</a:t>
             </a:r>
           </a:p>
@@ -15972,8 +15927,8 @@
         </p:nvSpPr>
         <p:spPr bwMode="auto">
           <a:xfrm>
-            <a:off x="177800" y="5534399"/>
-            <a:ext cx="65" cy="107722"/>
+            <a:off x="159851" y="2387904"/>
+            <a:ext cx="65" cy="143757"/>
           </a:xfrm>
           <a:prstGeom prst="rect">
             <a:avLst/>
@@ -16026,7 +15981,7 @@
               <a:buFontTx/>
               <a:buNone/>
             </a:pPr>
-            <a:endParaRPr lang="de-DE" sz="700" dirty="0"/>
+            <a:endParaRPr lang="de-DE" sz="934" dirty="0"/>
           </a:p>
         </p:txBody>
       </p:sp>
@@ -16050,8 +16005,8 @@
         </p:nvSpPr>
         <p:spPr bwMode="auto">
           <a:xfrm>
-            <a:off x="254065" y="5534399"/>
-            <a:ext cx="65" cy="107722"/>
+            <a:off x="228417" y="2387904"/>
+            <a:ext cx="65" cy="143757"/>
           </a:xfrm>
           <a:prstGeom prst="rect">
             <a:avLst/>
@@ -16104,7 +16059,7 @@
               <a:buFontTx/>
               <a:buNone/>
             </a:pPr>
-            <a:endParaRPr lang="de-DE" sz="700" dirty="0"/>
+            <a:endParaRPr lang="de-DE" sz="934" dirty="0"/>
           </a:p>
         </p:txBody>
       </p:sp>
@@ -16152,8 +16107,8 @@
         </p:nvSpPr>
         <p:spPr>
           <a:xfrm>
-            <a:off x="0" y="4878388"/>
-            <a:ext cx="947772" cy="842962"/>
+            <a:off x="0" y="2104859"/>
+            <a:ext cx="852062" cy="363709"/>
           </a:xfrm>
           <a:prstGeom prst="rect">
             <a:avLst/>
@@ -16188,7 +16143,7 @@
           <a:lstStyle/>
           <a:p>
             <a:pPr algn="ctr"/>
-            <a:endParaRPr lang="de-DE" dirty="0" err="1">
+            <a:endParaRPr lang="de-DE" sz="2245" dirty="0" err="1">
               <a:solidFill>
                 <a:schemeClr val="tx1"/>
               </a:solidFill>
@@ -16214,8 +16169,8 @@
         </p:nvSpPr>
         <p:spPr>
           <a:xfrm>
-            <a:off x="0" y="0"/>
-            <a:ext cx="10171113" cy="4879041"/>
+            <a:off x="0" y="1"/>
+            <a:ext cx="9144000" cy="2105136"/>
           </a:xfrm>
           <a:prstGeom prst="rect">
             <a:avLst/>
@@ -16229,7 +16184,7 @@
           <a:lstStyle>
             <a:lvl1pPr marL="0" indent="0" algn="ctr">
               <a:buNone/>
-              <a:defRPr sz="1335">
+              <a:defRPr sz="1781">
                 <a:solidFill>
                   <a:schemeClr val="bg1"/>
                 </a:solidFill>
@@ -16263,8 +16218,8 @@
         </p:nvSpPr>
         <p:spPr>
           <a:xfrm>
-            <a:off x="765545" y="1728702"/>
-            <a:ext cx="1694194" cy="308119"/>
+            <a:off x="688244" y="745876"/>
+            <a:ext cx="2262927" cy="435504"/>
           </a:xfrm>
           <a:prstGeom prst="rect">
             <a:avLst/>
@@ -16277,35 +16232,35 @@
           <a:lstStyle>
             <a:lvl1pPr marL="0" indent="0">
               <a:buNone/>
-              <a:defRPr sz="2002">
+              <a:defRPr sz="2670">
                 <a:solidFill>
                   <a:schemeClr val="bg1"/>
                 </a:solidFill>
               </a:defRPr>
             </a:lvl1pPr>
             <a:lvl2pPr>
-              <a:defRPr sz="2002">
+              <a:defRPr sz="2670">
                 <a:solidFill>
                   <a:schemeClr val="bg1"/>
                 </a:solidFill>
               </a:defRPr>
             </a:lvl2pPr>
             <a:lvl3pPr>
-              <a:defRPr sz="2002">
+              <a:defRPr sz="2670">
                 <a:solidFill>
                   <a:schemeClr val="bg1"/>
                 </a:solidFill>
               </a:defRPr>
             </a:lvl3pPr>
             <a:lvl4pPr>
-              <a:defRPr sz="2002">
+              <a:defRPr sz="2670">
                 <a:solidFill>
                   <a:schemeClr val="bg1"/>
                 </a:solidFill>
               </a:defRPr>
             </a:lvl4pPr>
             <a:lvl5pPr>
-              <a:defRPr sz="2002">
+              <a:defRPr sz="2670">
                 <a:solidFill>
                   <a:schemeClr val="bg1"/>
                 </a:solidFill>
@@ -16339,8 +16294,8 @@
         </p:nvSpPr>
         <p:spPr>
           <a:xfrm>
-            <a:off x="765544" y="774434"/>
-            <a:ext cx="6784339" cy="941474"/>
+            <a:off x="688240" y="334142"/>
+            <a:ext cx="8869864" cy="1231106"/>
           </a:xfrm>
           <a:prstGeom prst="rect">
             <a:avLst/>
@@ -16352,7 +16307,7 @@
           </a:bodyPr>
           <a:lstStyle>
             <a:lvl1pPr algn="l">
-              <a:defRPr sz="6000" b="1">
+              <a:defRPr sz="8000" b="1">
                 <a:solidFill>
                   <a:schemeClr val="bg1"/>
                 </a:solidFill>
@@ -16415,8 +16370,8 @@
         </p:nvSpPr>
         <p:spPr>
           <a:xfrm>
-            <a:off x="8200694" y="1728702"/>
-            <a:ext cx="1694194" cy="308119"/>
+            <a:off x="6632746" y="745876"/>
+            <a:ext cx="2262927" cy="435504"/>
           </a:xfrm>
           <a:prstGeom prst="rect">
             <a:avLst/>
@@ -16429,35 +16384,35 @@
           <a:lstStyle>
             <a:lvl1pPr marL="0" indent="0" algn="r">
               <a:buNone/>
-              <a:defRPr sz="2002">
+              <a:defRPr sz="2670">
                 <a:solidFill>
                   <a:schemeClr val="tx1"/>
                 </a:solidFill>
               </a:defRPr>
             </a:lvl1pPr>
             <a:lvl2pPr>
-              <a:defRPr sz="2002">
+              <a:defRPr sz="2670">
                 <a:solidFill>
                   <a:schemeClr val="bg1"/>
                 </a:solidFill>
               </a:defRPr>
             </a:lvl2pPr>
             <a:lvl3pPr>
-              <a:defRPr sz="2002">
+              <a:defRPr sz="2670">
                 <a:solidFill>
                   <a:schemeClr val="bg1"/>
                 </a:solidFill>
               </a:defRPr>
             </a:lvl3pPr>
             <a:lvl4pPr>
-              <a:defRPr sz="2002">
+              <a:defRPr sz="2670">
                 <a:solidFill>
                   <a:schemeClr val="bg1"/>
                 </a:solidFill>
               </a:defRPr>
             </a:lvl4pPr>
             <a:lvl5pPr>
-              <a:defRPr sz="2002">
+              <a:defRPr sz="2670">
                 <a:solidFill>
                   <a:schemeClr val="bg1"/>
                 </a:solidFill>
@@ -16491,8 +16446,8 @@
         </p:nvSpPr>
         <p:spPr>
           <a:xfrm>
-            <a:off x="3110548" y="774434"/>
-            <a:ext cx="6784340" cy="941474"/>
+            <a:off x="25806" y="334142"/>
+            <a:ext cx="8869864" cy="1231106"/>
           </a:xfrm>
           <a:prstGeom prst="rect">
             <a:avLst/>
@@ -16504,7 +16459,7 @@
           </a:bodyPr>
           <a:lstStyle>
             <a:lvl1pPr algn="r">
-              <a:defRPr sz="6000" b="1">
+              <a:defRPr sz="8000" b="1">
                 <a:solidFill>
                   <a:schemeClr val="tx1"/>
                 </a:solidFill>
@@ -16533,8 +16488,8 @@
         </p:nvSpPr>
         <p:spPr>
           <a:xfrm>
-            <a:off x="0" y="4878388"/>
-            <a:ext cx="947772" cy="842962"/>
+            <a:off x="0" y="2104859"/>
+            <a:ext cx="852062" cy="363709"/>
           </a:xfrm>
           <a:prstGeom prst="rect">
             <a:avLst/>
@@ -16569,7 +16524,7 @@
           <a:lstStyle/>
           <a:p>
             <a:pPr algn="ctr"/>
-            <a:endParaRPr lang="de-DE" dirty="0" err="1">
+            <a:endParaRPr lang="de-DE" sz="2245" dirty="0" err="1">
               <a:solidFill>
                 <a:schemeClr val="tx1"/>
               </a:solidFill>
@@ -16621,8 +16576,8 @@
         </p:nvSpPr>
         <p:spPr>
           <a:xfrm>
-            <a:off x="761069" y="842310"/>
-            <a:ext cx="9410045" cy="4036730"/>
+            <a:off x="684216" y="363428"/>
+            <a:ext cx="8459788" cy="1741708"/>
           </a:xfrm>
           <a:prstGeom prst="rect">
             <a:avLst/>
@@ -16657,13 +16612,13 @@
           </a:fontRef>
         </p:style>
         <p:txBody>
-          <a:bodyPr wrap="none" lIns="120131" tIns="40044" rIns="120131" bIns="40044" rtlCol="0" anchor="ctr" anchorCtr="0">
+          <a:bodyPr wrap="none" lIns="160175" tIns="53392" rIns="160175" bIns="53392" rtlCol="0" anchor="ctr" anchorCtr="0">
             <a:normAutofit/>
           </a:bodyPr>
           <a:lstStyle/>
           <a:p>
             <a:pPr algn="ctr"/>
-            <a:endParaRPr lang="de-DE" sz="2002" dirty="0" err="1">
+            <a:endParaRPr lang="de-DE" sz="2670" dirty="0" err="1">
               <a:latin typeface="+mj-lt"/>
             </a:endParaRPr>
           </a:p>
@@ -16687,8 +16642,8 @@
         </p:nvSpPr>
         <p:spPr>
           <a:xfrm>
-            <a:off x="1770003" y="1616036"/>
-            <a:ext cx="2892827" cy="215444"/>
+            <a:off x="1591261" y="697263"/>
+            <a:ext cx="2600700" cy="287130"/>
           </a:xfrm>
           <a:prstGeom prst="rect">
             <a:avLst/>
@@ -16707,7 +16662,7 @@
                 <a:spcPts val="0"/>
               </a:spcBef>
               <a:buNone/>
-              <a:defRPr sz="1400" b="1" i="0" baseline="0"/>
+              <a:defRPr sz="1866" b="1" i="0" baseline="0"/>
             </a:lvl1pPr>
           </a:lstStyle>
           <a:p>
@@ -16738,8 +16693,8 @@
         </p:nvSpPr>
         <p:spPr>
           <a:xfrm>
-            <a:off x="1770003" y="1808313"/>
-            <a:ext cx="2892827" cy="215444"/>
+            <a:off x="1591261" y="780226"/>
+            <a:ext cx="2600700" cy="287130"/>
           </a:xfrm>
           <a:prstGeom prst="rect">
             <a:avLst/>
@@ -16758,7 +16713,7 @@
                 <a:spcPts val="0"/>
               </a:spcBef>
               <a:buNone/>
-              <a:defRPr sz="1400" b="0" i="0" baseline="0"/>
+              <a:defRPr sz="1866" b="0" i="0" baseline="0"/>
             </a:lvl1pPr>
           </a:lstStyle>
           <a:p>
@@ -16792,8 +16747,8 @@
         </p:nvSpPr>
         <p:spPr>
           <a:xfrm>
-            <a:off x="1770003" y="2348482"/>
-            <a:ext cx="2892827" cy="215444"/>
+            <a:off x="1591261" y="1013288"/>
+            <a:ext cx="2600700" cy="287130"/>
           </a:xfrm>
           <a:prstGeom prst="rect">
             <a:avLst/>
@@ -16812,7 +16767,7 @@
                 <a:spcPts val="0"/>
               </a:spcBef>
               <a:buNone/>
-              <a:defRPr sz="1400" b="1" i="0" baseline="0"/>
+              <a:defRPr sz="1866" b="1" i="0" baseline="0"/>
             </a:lvl1pPr>
           </a:lstStyle>
           <a:p>
@@ -16843,8 +16798,8 @@
         </p:nvSpPr>
         <p:spPr>
           <a:xfrm>
-            <a:off x="1770003" y="2540759"/>
-            <a:ext cx="2892827" cy="215444"/>
+            <a:off x="1591261" y="1096250"/>
+            <a:ext cx="2600700" cy="287130"/>
           </a:xfrm>
           <a:prstGeom prst="rect">
             <a:avLst/>
@@ -16863,7 +16818,7 @@
                 <a:spcPts val="0"/>
               </a:spcBef>
               <a:buNone/>
-              <a:defRPr sz="1400" b="0" i="0" baseline="0"/>
+              <a:defRPr sz="1866" b="0" i="0" baseline="0"/>
             </a:lvl1pPr>
           </a:lstStyle>
           <a:p>
@@ -16897,8 +16852,8 @@
         </p:nvSpPr>
         <p:spPr>
           <a:xfrm>
-            <a:off x="1770003" y="3094897"/>
-            <a:ext cx="2892827" cy="215444"/>
+            <a:off x="1591261" y="1335340"/>
+            <a:ext cx="2600700" cy="287130"/>
           </a:xfrm>
           <a:prstGeom prst="rect">
             <a:avLst/>
@@ -16917,7 +16872,7 @@
                 <a:spcPts val="0"/>
               </a:spcBef>
               <a:buNone/>
-              <a:defRPr sz="1400" b="1" i="0" baseline="0"/>
+              <a:defRPr sz="1866" b="1" i="0" baseline="0"/>
             </a:lvl1pPr>
           </a:lstStyle>
           <a:p>
@@ -16948,8 +16903,8 @@
         </p:nvSpPr>
         <p:spPr>
           <a:xfrm>
-            <a:off x="1770003" y="3287174"/>
-            <a:ext cx="2892827" cy="215444"/>
+            <a:off x="1591261" y="1418302"/>
+            <a:ext cx="2600700" cy="287130"/>
           </a:xfrm>
           <a:prstGeom prst="rect">
             <a:avLst/>
@@ -16968,7 +16923,7 @@
                 <a:spcPts val="0"/>
               </a:spcBef>
               <a:buNone/>
-              <a:defRPr sz="1400" b="0" i="0" baseline="0"/>
+              <a:defRPr sz="1866" b="0" i="0" baseline="0"/>
             </a:lvl1pPr>
           </a:lstStyle>
           <a:p>
@@ -17002,8 +16957,8 @@
         </p:nvSpPr>
         <p:spPr>
           <a:xfrm>
-            <a:off x="1770003" y="3817683"/>
-            <a:ext cx="2892827" cy="215444"/>
+            <a:off x="1591261" y="1647199"/>
+            <a:ext cx="2600700" cy="287130"/>
           </a:xfrm>
           <a:prstGeom prst="rect">
             <a:avLst/>
@@ -17022,7 +16977,7 @@
                 <a:spcPts val="0"/>
               </a:spcBef>
               <a:buNone/>
-              <a:defRPr sz="1400" b="1" i="0" baseline="0"/>
+              <a:defRPr sz="1866" b="1" i="0" baseline="0"/>
             </a:lvl1pPr>
           </a:lstStyle>
           <a:p>
@@ -17053,8 +17008,8 @@
         </p:nvSpPr>
         <p:spPr>
           <a:xfrm>
-            <a:off x="1770003" y="4009960"/>
-            <a:ext cx="2892827" cy="215444"/>
+            <a:off x="1591261" y="1730159"/>
+            <a:ext cx="2600700" cy="287130"/>
           </a:xfrm>
           <a:prstGeom prst="rect">
             <a:avLst/>
@@ -17073,7 +17028,7 @@
                 <a:spcPts val="0"/>
               </a:spcBef>
               <a:buNone/>
-              <a:defRPr sz="1400" b="0" i="0" baseline="0"/>
+              <a:defRPr sz="1866" b="0" i="0" baseline="0"/>
             </a:lvl1pPr>
           </a:lstStyle>
           <a:p>
@@ -17107,8 +17062,8 @@
         </p:nvSpPr>
         <p:spPr>
           <a:xfrm>
-            <a:off x="1041771" y="1553636"/>
-            <a:ext cx="484058" cy="483794"/>
+            <a:off x="936570" y="670341"/>
+            <a:ext cx="435178" cy="208740"/>
           </a:xfrm>
           <a:prstGeom prst="ellipse">
             <a:avLst/>
@@ -17125,7 +17080,7 @@
           <a:lstStyle>
             <a:lvl1pPr marL="0" indent="0" algn="ctr">
               <a:buNone/>
-              <a:defRPr sz="1800" b="1">
+              <a:defRPr sz="2400" b="1">
                 <a:solidFill>
                   <a:schemeClr val="tx1"/>
                 </a:solidFill>
@@ -17159,8 +17114,8 @@
         </p:nvSpPr>
         <p:spPr>
           <a:xfrm>
-            <a:off x="1041771" y="2291633"/>
-            <a:ext cx="484058" cy="483794"/>
+            <a:off x="936570" y="988761"/>
+            <a:ext cx="435178" cy="208740"/>
           </a:xfrm>
           <a:prstGeom prst="ellipse">
             <a:avLst/>
@@ -17177,7 +17132,7 @@
           <a:lstStyle>
             <a:lvl1pPr marL="0" indent="0" algn="ctr">
               <a:buNone/>
-              <a:defRPr sz="1800" b="1">
+              <a:defRPr sz="2400" b="1">
                 <a:solidFill>
                   <a:schemeClr val="tx1"/>
                 </a:solidFill>
@@ -17211,8 +17166,8 @@
         </p:nvSpPr>
         <p:spPr>
           <a:xfrm>
-            <a:off x="1041771" y="3029355"/>
-            <a:ext cx="484058" cy="483794"/>
+            <a:off x="936570" y="1307063"/>
+            <a:ext cx="435178" cy="208740"/>
           </a:xfrm>
           <a:prstGeom prst="ellipse">
             <a:avLst/>
@@ -17229,7 +17184,7 @@
           <a:lstStyle>
             <a:lvl1pPr marL="0" indent="0" algn="ctr">
               <a:buNone/>
-              <a:defRPr sz="1800" b="1">
+              <a:defRPr sz="2400" b="1">
                 <a:solidFill>
                   <a:schemeClr val="tx1"/>
                 </a:solidFill>
@@ -17263,8 +17218,8 @@
         </p:nvSpPr>
         <p:spPr>
           <a:xfrm>
-            <a:off x="1041771" y="3758207"/>
-            <a:ext cx="484058" cy="483794"/>
+            <a:off x="936570" y="1621536"/>
+            <a:ext cx="435178" cy="208740"/>
           </a:xfrm>
           <a:prstGeom prst="ellipse">
             <a:avLst/>
@@ -17281,7 +17236,7 @@
           <a:lstStyle>
             <a:lvl1pPr marL="0" indent="0" algn="ctr">
               <a:buNone/>
-              <a:defRPr sz="1800" b="1">
+              <a:defRPr sz="2400" b="1">
                 <a:solidFill>
                   <a:schemeClr val="tx1"/>
                 </a:solidFill>
@@ -17315,8 +17270,8 @@
         </p:nvSpPr>
         <p:spPr>
           <a:xfrm>
-            <a:off x="307024" y="264556"/>
-            <a:ext cx="9587864" cy="369332"/>
+            <a:off x="276023" y="114148"/>
+            <a:ext cx="8619650" cy="159354"/>
           </a:xfrm>
           <a:prstGeom prst="rect">
             <a:avLst/>
@@ -17332,7 +17287,7 @@
           <a:p>
             <a:pPr algn="l"/>
             <a:r>
-              <a:rPr lang="de-DE" sz="2400" b="1" dirty="0"/>
+              <a:rPr lang="de-DE" sz="3200" b="1" dirty="0"/>
               <a:t>Agenda (4 Angaben)</a:t>
             </a:r>
           </a:p>
@@ -17356,8 +17311,8 @@
         </p:nvSpPr>
         <p:spPr>
           <a:xfrm>
-            <a:off x="4530561" y="847607"/>
-            <a:ext cx="5640552" cy="4031432"/>
+            <a:off x="4073053" y="365718"/>
+            <a:ext cx="5070950" cy="1739422"/>
           </a:xfrm>
           <a:custGeom>
             <a:avLst/>
@@ -17429,7 +17384,7 @@
           <a:lstStyle>
             <a:lvl1pPr marL="0" indent="0" algn="ctr">
               <a:buNone/>
-              <a:defRPr sz="1335"/>
+              <a:defRPr sz="1781"/>
             </a:lvl1pPr>
           </a:lstStyle>
           <a:p>
@@ -17500,8 +17455,8 @@
         </p:blipFill>
         <p:spPr>
           <a:xfrm>
-            <a:off x="0" y="0"/>
-            <a:ext cx="10171113" cy="4892374"/>
+            <a:off x="0" y="3"/>
+            <a:ext cx="9144000" cy="2110889"/>
           </a:xfrm>
           <a:prstGeom prst="rect">
             <a:avLst/>
@@ -17526,8 +17481,8 @@
         </p:nvSpPr>
         <p:spPr>
           <a:xfrm>
-            <a:off x="6464971" y="1917240"/>
-            <a:ext cx="3709845" cy="1315190"/>
+            <a:off x="5812119" y="827224"/>
+            <a:ext cx="3335211" cy="567458"/>
           </a:xfrm>
           <a:custGeom>
             <a:avLst/>
@@ -17646,7 +17601,7 @@
           <a:lstStyle>
             <a:lvl1pPr marL="0" indent="0">
               <a:buNone/>
-              <a:defRPr sz="1800" b="1">
+              <a:defRPr sz="2400" b="1">
                 <a:solidFill>
                   <a:schemeClr val="bg1"/>
                 </a:solidFill>
@@ -17681,8 +17636,8 @@
         </p:nvSpPr>
         <p:spPr>
           <a:xfrm>
-            <a:off x="7130621" y="3287576"/>
-            <a:ext cx="3049428" cy="1308126"/>
+            <a:off x="6410550" y="1418476"/>
+            <a:ext cx="2741488" cy="564410"/>
           </a:xfrm>
           <a:custGeom>
             <a:avLst/>
@@ -17801,7 +17756,7 @@
           <a:lstStyle>
             <a:lvl1pPr marL="0" indent="0">
               <a:buNone/>
-              <a:defRPr sz="1800" b="1">
+              <a:defRPr sz="2400" b="1">
                 <a:solidFill>
                   <a:schemeClr val="bg1"/>
                 </a:solidFill>
@@ -17836,8 +17791,8 @@
         </p:nvSpPr>
         <p:spPr>
           <a:xfrm flipH="1">
-            <a:off x="6252231" y="2316513"/>
-            <a:ext cx="863806" cy="513457"/>
+            <a:off x="5620860" y="999496"/>
+            <a:ext cx="776578" cy="221539"/>
           </a:xfrm>
           <a:custGeom>
             <a:avLst/>
@@ -17992,7 +17947,7 @@
           <a:lstStyle>
             <a:lvl1pPr marL="0" indent="0" algn="ctr">
               <a:buNone/>
-              <a:defRPr sz="2800" b="1">
+              <a:defRPr sz="3734" b="1">
                 <a:solidFill>
                   <a:srgbClr val="DAD9DE"/>
                 </a:solidFill>
@@ -18026,8 +17981,8 @@
         </p:nvSpPr>
         <p:spPr>
           <a:xfrm flipH="1">
-            <a:off x="6918813" y="3695671"/>
-            <a:ext cx="863806" cy="513457"/>
+            <a:off x="6220129" y="1594554"/>
+            <a:ext cx="776578" cy="221539"/>
           </a:xfrm>
           <a:custGeom>
             <a:avLst/>
@@ -18182,7 +18137,7 @@
           <a:lstStyle>
             <a:lvl1pPr marL="0" indent="0" algn="ctr">
               <a:buNone/>
-              <a:defRPr sz="2800" b="1">
+              <a:defRPr sz="3734" b="1">
                 <a:solidFill>
                   <a:srgbClr val="DAD9DE"/>
                 </a:solidFill>
@@ -18216,8 +18171,8 @@
         </p:nvSpPr>
         <p:spPr>
           <a:xfrm>
-            <a:off x="5804648" y="550437"/>
-            <a:ext cx="4356134" cy="1318721"/>
+            <a:off x="5218473" y="237500"/>
+            <a:ext cx="3916238" cy="568983"/>
           </a:xfrm>
           <a:custGeom>
             <a:avLst/>
@@ -18314,7 +18269,7 @@
           <a:lstStyle>
             <a:lvl1pPr marL="0" indent="0">
               <a:buNone/>
-              <a:defRPr sz="1800" b="1">
+              <a:defRPr sz="2400" b="1">
                 <a:solidFill>
                   <a:schemeClr val="bg1"/>
                 </a:solidFill>
@@ -18349,8 +18304,8 @@
         </p:nvSpPr>
         <p:spPr>
           <a:xfrm flipH="1">
-            <a:off x="5602890" y="943102"/>
-            <a:ext cx="863806" cy="513457"/>
+            <a:off x="5037091" y="406917"/>
+            <a:ext cx="776578" cy="221539"/>
           </a:xfrm>
           <a:custGeom>
             <a:avLst/>
@@ -18505,7 +18460,7 @@
           <a:lstStyle>
             <a:lvl1pPr marL="0" indent="0" algn="ctr">
               <a:buNone/>
-              <a:defRPr sz="2800" b="1">
+              <a:defRPr sz="3734" b="1">
                 <a:solidFill>
                   <a:srgbClr val="DAD9DE"/>
                 </a:solidFill>
@@ -18539,8 +18494,8 @@
         </p:nvSpPr>
         <p:spPr>
           <a:xfrm>
-            <a:off x="6720935" y="1213409"/>
-            <a:ext cx="3139782" cy="276999"/>
+            <a:off x="6042231" y="523545"/>
+            <a:ext cx="2822718" cy="369332"/>
           </a:xfrm>
           <a:prstGeom prst="rect">
             <a:avLst/>
@@ -18559,7 +18514,7 @@
                 <a:spcPts val="0"/>
               </a:spcBef>
               <a:buNone/>
-              <a:defRPr sz="1800" b="0" i="0" baseline="0">
+              <a:defRPr sz="2400" b="0" i="0" baseline="0">
                 <a:solidFill>
                   <a:schemeClr val="bg1"/>
                 </a:solidFill>
@@ -18594,8 +18549,8 @@
         </p:nvSpPr>
         <p:spPr>
           <a:xfrm>
-            <a:off x="7381259" y="2576681"/>
-            <a:ext cx="3139782" cy="276999"/>
+            <a:off x="6635873" y="1111750"/>
+            <a:ext cx="2822718" cy="369332"/>
           </a:xfrm>
           <a:prstGeom prst="rect">
             <a:avLst/>
@@ -18614,7 +18569,7 @@
                 <a:spcPts val="0"/>
               </a:spcBef>
               <a:buNone/>
-              <a:defRPr sz="1800" b="0" i="0" baseline="0">
+              <a:defRPr sz="2400" b="0" i="0" baseline="0">
                 <a:solidFill>
                   <a:schemeClr val="bg1"/>
                 </a:solidFill>
@@ -18649,8 +18604,8 @@
         </p:nvSpPr>
         <p:spPr>
           <a:xfrm>
-            <a:off x="8046907" y="3939953"/>
-            <a:ext cx="3139782" cy="276999"/>
+            <a:off x="7234302" y="1699953"/>
+            <a:ext cx="2822718" cy="369332"/>
           </a:xfrm>
           <a:prstGeom prst="rect">
             <a:avLst/>
@@ -18669,7 +18624,7 @@
                 <a:spcPts val="0"/>
               </a:spcBef>
               <a:buNone/>
-              <a:defRPr sz="1800" b="0" i="0" baseline="0">
+              <a:defRPr sz="2400" b="0" i="0" baseline="0">
                 <a:solidFill>
                   <a:schemeClr val="bg1"/>
                 </a:solidFill>
@@ -18704,8 +18659,8 @@
         </p:nvSpPr>
         <p:spPr>
           <a:xfrm>
-            <a:off x="307024" y="264556"/>
-            <a:ext cx="9553693" cy="369332"/>
+            <a:off x="276024" y="114148"/>
+            <a:ext cx="8588929" cy="159354"/>
           </a:xfrm>
           <a:prstGeom prst="rect">
             <a:avLst/>
@@ -18721,7 +18676,7 @@
           <a:p>
             <a:pPr algn="l"/>
             <a:r>
-              <a:rPr lang="de-DE" sz="2400" b="1" dirty="0"/>
+              <a:rPr lang="de-DE" sz="3200" b="1" dirty="0"/>
               <a:t>Agenda (3 Angaben)</a:t>
             </a:r>
           </a:p>
@@ -18786,8 +18741,8 @@
         </p:blipFill>
         <p:spPr>
           <a:xfrm>
-            <a:off x="0" y="0"/>
-            <a:ext cx="10171113" cy="4892374"/>
+            <a:off x="0" y="3"/>
+            <a:ext cx="9144000" cy="2110889"/>
           </a:xfrm>
           <a:prstGeom prst="rect">
             <a:avLst/>
@@ -18812,8 +18767,8 @@
         </p:nvSpPr>
         <p:spPr>
           <a:xfrm>
-            <a:off x="6320212" y="1560148"/>
-            <a:ext cx="3854981" cy="976202"/>
+            <a:off x="5681979" y="673149"/>
+            <a:ext cx="3465691" cy="421198"/>
           </a:xfrm>
           <a:custGeom>
             <a:avLst/>
@@ -18952,7 +18907,7 @@
           <a:lstStyle>
             <a:lvl1pPr marL="0" indent="0">
               <a:buNone/>
-              <a:defRPr sz="1800" b="1">
+              <a:defRPr sz="2400" b="1">
                 <a:solidFill>
                   <a:schemeClr val="bg1"/>
                 </a:solidFill>
@@ -18987,8 +18942,8 @@
         </p:nvSpPr>
         <p:spPr>
           <a:xfrm>
-            <a:off x="6805499" y="2597220"/>
-            <a:ext cx="3370807" cy="972920"/>
+            <a:off x="6118259" y="1120610"/>
+            <a:ext cx="3030411" cy="419783"/>
           </a:xfrm>
           <a:custGeom>
             <a:avLst/>
@@ -19117,7 +19072,7 @@
           <a:lstStyle>
             <a:lvl1pPr marL="0" indent="0">
               <a:buNone/>
-              <a:defRPr sz="1800" b="1">
+              <a:defRPr sz="2400" b="1">
                 <a:solidFill>
                   <a:schemeClr val="bg1"/>
                 </a:solidFill>
@@ -19152,8 +19107,8 @@
         </p:nvSpPr>
         <p:spPr>
           <a:xfrm>
-            <a:off x="7290787" y="3624529"/>
-            <a:ext cx="2883442" cy="969388"/>
+            <a:off x="6554546" y="1563859"/>
+            <a:ext cx="2592261" cy="418257"/>
           </a:xfrm>
           <a:custGeom>
             <a:avLst/>
@@ -19282,7 +19237,7 @@
           <a:lstStyle>
             <a:lvl1pPr marL="0" indent="0">
               <a:buNone/>
-              <a:defRPr sz="1800" b="1">
+              <a:defRPr sz="2400" b="1">
                 <a:solidFill>
                   <a:schemeClr val="bg1"/>
                 </a:solidFill>
@@ -19317,8 +19272,8 @@
         </p:nvSpPr>
         <p:spPr>
           <a:xfrm>
-            <a:off x="7118653" y="2058051"/>
-            <a:ext cx="2732847" cy="276999"/>
+            <a:off x="6399791" y="887980"/>
+            <a:ext cx="2456877" cy="369332"/>
           </a:xfrm>
           <a:prstGeom prst="rect">
             <a:avLst/>
@@ -19337,7 +19292,7 @@
                 <a:spcPts val="0"/>
               </a:spcBef>
               <a:buNone/>
-              <a:defRPr sz="1800" b="0" i="0" baseline="0">
+              <a:defRPr sz="2400" b="0" i="0" baseline="0">
                 <a:solidFill>
                   <a:schemeClr val="bg1"/>
                 </a:solidFill>
@@ -19372,8 +19327,8 @@
         </p:nvSpPr>
         <p:spPr>
           <a:xfrm>
-            <a:off x="7617571" y="3082839"/>
-            <a:ext cx="2233930" cy="276999"/>
+            <a:off x="6848322" y="1330139"/>
+            <a:ext cx="2008340" cy="369332"/>
           </a:xfrm>
           <a:prstGeom prst="rect">
             <a:avLst/>
@@ -19392,7 +19347,7 @@
                 <a:spcPts val="0"/>
               </a:spcBef>
               <a:buNone/>
-              <a:defRPr sz="1800" b="0" i="0" baseline="0">
+              <a:defRPr sz="2400" b="0" i="0" baseline="0">
                 <a:solidFill>
                   <a:schemeClr val="bg1"/>
                 </a:solidFill>
@@ -19427,8 +19382,8 @@
         </p:nvSpPr>
         <p:spPr>
           <a:xfrm>
-            <a:off x="8105011" y="4110682"/>
-            <a:ext cx="1746489" cy="276999"/>
+            <a:off x="7286541" y="1773617"/>
+            <a:ext cx="1570122" cy="369332"/>
           </a:xfrm>
           <a:prstGeom prst="rect">
             <a:avLst/>
@@ -19447,7 +19402,7 @@
                 <a:spcPts val="0"/>
               </a:spcBef>
               <a:buNone/>
-              <a:defRPr sz="1800" b="0" i="0" baseline="0">
+              <a:defRPr sz="2400" b="0" i="0" baseline="0">
                 <a:solidFill>
                   <a:schemeClr val="bg1"/>
                 </a:solidFill>
@@ -19482,8 +19437,8 @@
         </p:nvSpPr>
         <p:spPr>
           <a:xfrm flipH="1">
-            <a:off x="6019509" y="1804169"/>
-            <a:ext cx="863806" cy="513457"/>
+            <a:off x="5411639" y="778437"/>
+            <a:ext cx="776578" cy="221539"/>
           </a:xfrm>
           <a:custGeom>
             <a:avLst/>
@@ -19638,7 +19593,7 @@
           <a:lstStyle>
             <a:lvl1pPr marL="0" indent="0" algn="ctr">
               <a:buNone/>
-              <a:defRPr sz="2800" b="1">
+              <a:defRPr sz="3734" b="1">
                 <a:solidFill>
                   <a:srgbClr val="DAD9DE"/>
                 </a:solidFill>
@@ -19672,8 +19627,8 @@
         </p:nvSpPr>
         <p:spPr>
           <a:xfrm>
-            <a:off x="5814980" y="539486"/>
-            <a:ext cx="4356134" cy="976452"/>
+            <a:off x="5227763" y="232770"/>
+            <a:ext cx="3916238" cy="421306"/>
           </a:xfrm>
           <a:custGeom>
             <a:avLst/>
@@ -19780,7 +19735,7 @@
           <a:lstStyle>
             <a:lvl1pPr marL="0" indent="0">
               <a:buNone/>
-              <a:defRPr sz="1800" b="1">
+              <a:defRPr sz="2400" b="1">
                 <a:solidFill>
                   <a:schemeClr val="bg1"/>
                 </a:solidFill>
@@ -19815,8 +19770,8 @@
         </p:nvSpPr>
         <p:spPr>
           <a:xfrm flipH="1">
-            <a:off x="6502042" y="2811347"/>
-            <a:ext cx="863806" cy="513457"/>
+            <a:off x="5845442" y="1213000"/>
+            <a:ext cx="776578" cy="221539"/>
           </a:xfrm>
           <a:custGeom>
             <a:avLst/>
@@ -19971,7 +19926,7 @@
           <a:lstStyle>
             <a:lvl1pPr marL="0" indent="0" algn="ctr">
               <a:buNone/>
-              <a:defRPr sz="2800" b="1">
+              <a:defRPr sz="3734" b="1">
                 <a:solidFill>
                   <a:srgbClr val="DAD9DE"/>
                 </a:solidFill>
@@ -20005,8 +19960,8 @@
         </p:nvSpPr>
         <p:spPr>
           <a:xfrm flipH="1">
-            <a:off x="6996232" y="3857209"/>
-            <a:ext cx="863806" cy="513457"/>
+            <a:off x="6289729" y="1664253"/>
+            <a:ext cx="776578" cy="221539"/>
           </a:xfrm>
           <a:custGeom>
             <a:avLst/>
@@ -20161,7 +20116,7 @@
           <a:lstStyle>
             <a:lvl1pPr marL="0" indent="0" algn="ctr">
               <a:buNone/>
-              <a:defRPr sz="2800" b="1">
+              <a:defRPr sz="3734" b="1">
                 <a:solidFill>
                   <a:srgbClr val="DAD9DE"/>
                 </a:solidFill>
@@ -20195,8 +20150,8 @@
         </p:nvSpPr>
         <p:spPr>
           <a:xfrm>
-            <a:off x="6622878" y="1015993"/>
-            <a:ext cx="3228622" cy="276999"/>
+            <a:off x="5954080" y="438367"/>
+            <a:ext cx="2902587" cy="369332"/>
           </a:xfrm>
           <a:prstGeom prst="rect">
             <a:avLst/>
@@ -20215,7 +20170,7 @@
                 <a:spcPts val="0"/>
               </a:spcBef>
               <a:buNone/>
-              <a:defRPr sz="1800" b="0" i="0" baseline="0">
+              <a:defRPr sz="2400" b="0" i="0" baseline="0">
                 <a:solidFill>
                   <a:schemeClr val="bg1"/>
                 </a:solidFill>
@@ -20250,8 +20205,8 @@
         </p:nvSpPr>
         <p:spPr>
           <a:xfrm flipH="1">
-            <a:off x="5508235" y="759264"/>
-            <a:ext cx="863806" cy="513457"/>
+            <a:off x="4951993" y="327597"/>
+            <a:ext cx="776578" cy="221539"/>
           </a:xfrm>
           <a:custGeom>
             <a:avLst/>
@@ -20406,7 +20361,7 @@
           <a:lstStyle>
             <a:lvl1pPr marL="0" indent="0" algn="ctr">
               <a:buNone/>
-              <a:defRPr sz="2800" b="1">
+              <a:defRPr sz="3734" b="1">
                 <a:solidFill>
                   <a:srgbClr val="DAD9DE"/>
                 </a:solidFill>
@@ -20440,8 +20395,8 @@
         </p:nvSpPr>
         <p:spPr>
           <a:xfrm>
-            <a:off x="307024" y="264556"/>
-            <a:ext cx="9544476" cy="369332"/>
+            <a:off x="276020" y="114148"/>
+            <a:ext cx="8580642" cy="159354"/>
           </a:xfrm>
           <a:prstGeom prst="rect">
             <a:avLst/>
@@ -20457,7 +20412,7 @@
           <a:p>
             <a:pPr algn="l"/>
             <a:r>
-              <a:rPr lang="de-DE" sz="2400" b="1" dirty="0"/>
+              <a:rPr lang="de-DE" sz="3200" b="1" dirty="0"/>
               <a:t>Agenda (4 Angaben)</a:t>
             </a:r>
           </a:p>
@@ -20522,8 +20477,8 @@
         </p:blipFill>
         <p:spPr>
           <a:xfrm>
-            <a:off x="0" y="0"/>
-            <a:ext cx="10171113" cy="4892374"/>
+            <a:off x="0" y="3"/>
+            <a:ext cx="9144000" cy="2110889"/>
           </a:xfrm>
           <a:prstGeom prst="rect">
             <a:avLst/>
@@ -20548,8 +20503,8 @@
         </p:nvSpPr>
         <p:spPr>
           <a:xfrm>
-            <a:off x="6226189" y="1376437"/>
-            <a:ext cx="3954448" cy="763644"/>
+            <a:off x="5597449" y="593886"/>
+            <a:ext cx="3555117" cy="329486"/>
           </a:xfrm>
           <a:custGeom>
             <a:avLst/>
@@ -20686,7 +20641,7 @@
           <a:lstStyle>
             <a:lvl1pPr marL="0" indent="0">
               <a:buNone/>
-              <a:defRPr sz="1800" b="1">
+              <a:defRPr sz="2400" b="1">
                 <a:solidFill>
                   <a:schemeClr val="bg1"/>
                 </a:solidFill>
@@ -20721,8 +20676,8 @@
         </p:nvSpPr>
         <p:spPr>
           <a:xfrm>
-            <a:off x="6614296" y="2195970"/>
-            <a:ext cx="3574875" cy="762926"/>
+            <a:off x="5946367" y="947485"/>
+            <a:ext cx="3213871" cy="329176"/>
           </a:xfrm>
           <a:custGeom>
             <a:avLst/>
@@ -20861,7 +20816,7 @@
           <a:lstStyle>
             <a:lvl1pPr marL="0" indent="0">
               <a:buNone/>
-              <a:defRPr sz="1800" b="1">
+              <a:defRPr sz="2400" b="1">
                 <a:solidFill>
                   <a:schemeClr val="bg1"/>
                 </a:solidFill>
@@ -20896,8 +20851,8 @@
         </p:nvSpPr>
         <p:spPr>
           <a:xfrm>
-            <a:off x="7009096" y="3014784"/>
-            <a:ext cx="3176874" cy="762927"/>
+            <a:off x="6301297" y="1300775"/>
+            <a:ext cx="2856062" cy="329176"/>
           </a:xfrm>
           <a:custGeom>
             <a:avLst/>
@@ -21036,7 +20991,7 @@
           <a:lstStyle>
             <a:lvl1pPr marL="0" indent="0">
               <a:buNone/>
-              <a:defRPr sz="1800" b="1">
+              <a:defRPr sz="2400" b="1">
                 <a:solidFill>
                   <a:schemeClr val="bg1"/>
                 </a:solidFill>
@@ -21071,8 +21026,8 @@
         </p:nvSpPr>
         <p:spPr>
           <a:xfrm>
-            <a:off x="7403895" y="3833600"/>
-            <a:ext cx="2778874" cy="762927"/>
+            <a:off x="6656228" y="1654066"/>
+            <a:ext cx="2498252" cy="329176"/>
           </a:xfrm>
           <a:custGeom>
             <a:avLst/>
@@ -21211,7 +21166,7 @@
           <a:lstStyle>
             <a:lvl1pPr marL="0" indent="0">
               <a:buNone/>
-              <a:defRPr sz="1800" b="1">
+              <a:defRPr sz="2400" b="1">
                 <a:solidFill>
                   <a:schemeClr val="bg1"/>
                 </a:solidFill>
@@ -21246,8 +21201,8 @@
         </p:nvSpPr>
         <p:spPr>
           <a:xfrm>
-            <a:off x="5820456" y="553936"/>
-            <a:ext cx="4356134" cy="766612"/>
+            <a:off x="5232689" y="239009"/>
+            <a:ext cx="3916238" cy="330766"/>
           </a:xfrm>
           <a:custGeom>
             <a:avLst/>
@@ -21364,7 +21319,7 @@
           <a:lstStyle>
             <a:lvl1pPr marL="0" indent="0">
               <a:buNone/>
-              <a:defRPr sz="1800" b="1">
+              <a:defRPr sz="2400" b="1">
                 <a:solidFill>
                   <a:schemeClr val="bg1"/>
                 </a:solidFill>
@@ -21399,8 +21354,8 @@
         </p:nvSpPr>
         <p:spPr>
           <a:xfrm>
-            <a:off x="6621957" y="934395"/>
-            <a:ext cx="3235020" cy="276999"/>
+            <a:off x="5953250" y="403159"/>
+            <a:ext cx="2908338" cy="369332"/>
           </a:xfrm>
           <a:prstGeom prst="rect">
             <a:avLst/>
@@ -21419,7 +21374,7 @@
                 <a:spcPts val="0"/>
               </a:spcBef>
               <a:buNone/>
-              <a:defRPr sz="1800" b="0" i="0" baseline="0">
+              <a:defRPr sz="2400" b="0" i="0" baseline="0">
                 <a:solidFill>
                   <a:schemeClr val="bg1"/>
                 </a:solidFill>
@@ -21454,8 +21409,8 @@
         </p:nvSpPr>
         <p:spPr>
           <a:xfrm flipH="1">
-            <a:off x="5463578" y="688683"/>
-            <a:ext cx="863806" cy="513457"/>
+            <a:off x="4911848" y="297144"/>
+            <a:ext cx="776578" cy="221539"/>
           </a:xfrm>
           <a:custGeom>
             <a:avLst/>
@@ -21610,7 +21565,7 @@
           <a:lstStyle>
             <a:lvl1pPr marL="0" indent="0" algn="ctr">
               <a:buNone/>
-              <a:defRPr sz="2800" b="1">
+              <a:defRPr sz="3734" b="1">
                 <a:solidFill>
                   <a:srgbClr val="DAD9DE"/>
                 </a:solidFill>
@@ -21644,8 +21599,8 @@
         </p:nvSpPr>
         <p:spPr>
           <a:xfrm flipH="1">
-            <a:off x="5875480" y="1503830"/>
-            <a:ext cx="863806" cy="513457"/>
+            <a:off x="5282152" y="648851"/>
+            <a:ext cx="776578" cy="221539"/>
           </a:xfrm>
           <a:custGeom>
             <a:avLst/>
@@ -21800,7 +21755,7 @@
           <a:lstStyle>
             <a:lvl1pPr marL="0" indent="0" algn="ctr">
               <a:buNone/>
-              <a:defRPr sz="2800" b="1">
+              <a:defRPr sz="3734" b="1">
                 <a:solidFill>
                   <a:srgbClr val="DAD9DE"/>
                 </a:solidFill>
@@ -21834,8 +21789,8 @@
         </p:nvSpPr>
         <p:spPr>
           <a:xfrm flipH="1">
-            <a:off x="6261059" y="2327143"/>
-            <a:ext cx="863806" cy="513457"/>
+            <a:off x="5628798" y="1004082"/>
+            <a:ext cx="776578" cy="221539"/>
           </a:xfrm>
           <a:custGeom>
             <a:avLst/>
@@ -21990,7 +21945,7 @@
           <a:lstStyle>
             <a:lvl1pPr marL="0" indent="0" algn="ctr">
               <a:buNone/>
-              <a:defRPr sz="2800" b="1">
+              <a:defRPr sz="3734" b="1">
                 <a:solidFill>
                   <a:srgbClr val="DAD9DE"/>
                 </a:solidFill>
@@ -22024,8 +21979,8 @@
         </p:nvSpPr>
         <p:spPr>
           <a:xfrm flipH="1">
-            <a:off x="6656682" y="3148587"/>
-            <a:ext cx="863806" cy="513457"/>
+            <a:off x="5984469" y="1358507"/>
+            <a:ext cx="776578" cy="221539"/>
           </a:xfrm>
           <a:custGeom>
             <a:avLst/>
@@ -22180,7 +22135,7 @@
           <a:lstStyle>
             <a:lvl1pPr marL="0" indent="0" algn="ctr">
               <a:buNone/>
-              <a:defRPr sz="2800" b="1">
+              <a:defRPr sz="3734" b="1">
                 <a:solidFill>
                   <a:srgbClr val="DAD9DE"/>
                 </a:solidFill>
@@ -22214,8 +22169,8 @@
         </p:nvSpPr>
         <p:spPr>
           <a:xfrm flipH="1">
-            <a:off x="7058929" y="3970335"/>
-            <a:ext cx="863806" cy="513457"/>
+            <a:off x="6346093" y="1713062"/>
+            <a:ext cx="776578" cy="221539"/>
           </a:xfrm>
           <a:custGeom>
             <a:avLst/>
@@ -22370,7 +22325,7 @@
           <a:lstStyle>
             <a:lvl1pPr marL="0" indent="0" algn="ctr">
               <a:buNone/>
-              <a:defRPr sz="2800" b="1">
+              <a:defRPr sz="3734" b="1">
                 <a:solidFill>
                   <a:srgbClr val="DAD9DE"/>
                 </a:solidFill>
@@ -22404,8 +22359,8 @@
         </p:nvSpPr>
         <p:spPr>
           <a:xfrm>
-            <a:off x="8210119" y="4222960"/>
-            <a:ext cx="1646858" cy="276999"/>
+            <a:off x="7381038" y="1822062"/>
+            <a:ext cx="1480552" cy="369332"/>
           </a:xfrm>
           <a:prstGeom prst="rect">
             <a:avLst/>
@@ -22424,7 +22379,7 @@
                 <a:spcPts val="0"/>
               </a:spcBef>
               <a:buNone/>
-              <a:defRPr sz="1800" b="0" i="0" baseline="0">
+              <a:defRPr sz="2400" b="0" i="0" baseline="0">
                 <a:solidFill>
                   <a:schemeClr val="bg1"/>
                 </a:solidFill>
@@ -22459,8 +22414,8 @@
         </p:nvSpPr>
         <p:spPr>
           <a:xfrm>
-            <a:off x="7813509" y="3405316"/>
-            <a:ext cx="2043468" cy="276999"/>
+            <a:off x="7024478" y="1469276"/>
+            <a:ext cx="1837111" cy="369332"/>
           </a:xfrm>
           <a:prstGeom prst="rect">
             <a:avLst/>
@@ -22479,7 +22434,7 @@
                 <a:spcPts val="0"/>
               </a:spcBef>
               <a:buNone/>
-              <a:defRPr sz="1800" b="0" i="0" baseline="0">
+              <a:defRPr sz="2400" b="0" i="0" baseline="0">
                 <a:solidFill>
                   <a:schemeClr val="bg1"/>
                 </a:solidFill>
@@ -22514,8 +22469,8 @@
         </p:nvSpPr>
         <p:spPr>
           <a:xfrm>
-            <a:off x="7415837" y="2578317"/>
-            <a:ext cx="2441141" cy="276999"/>
+            <a:off x="6666964" y="1112455"/>
+            <a:ext cx="2194628" cy="369332"/>
           </a:xfrm>
           <a:prstGeom prst="rect">
             <a:avLst/>
@@ -22534,7 +22489,7 @@
                 <a:spcPts val="0"/>
               </a:spcBef>
               <a:buNone/>
-              <a:defRPr sz="1800" b="0" i="0" baseline="0">
+              <a:defRPr sz="2400" b="0" i="0" baseline="0">
                 <a:solidFill>
                   <a:schemeClr val="bg1"/>
                 </a:solidFill>
@@ -22569,8 +22524,8 @@
         </p:nvSpPr>
         <p:spPr>
           <a:xfrm>
-            <a:off x="7027811" y="1764861"/>
-            <a:ext cx="2829166" cy="276999"/>
+            <a:off x="6318122" y="761477"/>
+            <a:ext cx="2543468" cy="369332"/>
           </a:xfrm>
           <a:prstGeom prst="rect">
             <a:avLst/>
@@ -22589,7 +22544,7 @@
                 <a:spcPts val="0"/>
               </a:spcBef>
               <a:buNone/>
-              <a:defRPr sz="1800" b="0" i="0" baseline="0">
+              <a:defRPr sz="2400" b="0" i="0" baseline="0">
                 <a:solidFill>
                   <a:schemeClr val="bg1"/>
                 </a:solidFill>
@@ -22624,8 +22579,8 @@
         </p:nvSpPr>
         <p:spPr>
           <a:xfrm>
-            <a:off x="307024" y="264556"/>
-            <a:ext cx="9549953" cy="369332"/>
+            <a:off x="276024" y="114148"/>
+            <a:ext cx="8585568" cy="159354"/>
           </a:xfrm>
           <a:prstGeom prst="rect">
             <a:avLst/>
@@ -22641,7 +22596,7 @@
           <a:p>
             <a:pPr algn="l"/>
             <a:r>
-              <a:rPr lang="de-DE" sz="2400" b="1" dirty="0"/>
+              <a:rPr lang="de-DE" sz="3200" b="1" dirty="0"/>
               <a:t>Agenda (5 Angaben)</a:t>
             </a:r>
           </a:p>
@@ -22696,8 +22651,8 @@
         </p:nvSpPr>
         <p:spPr>
           <a:xfrm>
-            <a:off x="1" y="0"/>
-            <a:ext cx="4598191" cy="5721350"/>
+            <a:off x="4" y="0"/>
+            <a:ext cx="4133850" cy="2468563"/>
           </a:xfrm>
           <a:custGeom>
             <a:avLst/>
@@ -22817,13 +22772,13 @@
           </a:fontRef>
         </p:style>
         <p:txBody>
-          <a:bodyPr wrap="none" lIns="120131" tIns="40044" rIns="120131" bIns="40044" rtlCol="0" anchor="ctr" anchorCtr="0">
+          <a:bodyPr wrap="none" lIns="160175" tIns="53392" rIns="160175" bIns="53392" rtlCol="0" anchor="ctr" anchorCtr="0">
             <a:normAutofit/>
           </a:bodyPr>
           <a:lstStyle/>
           <a:p>
             <a:pPr algn="ctr" eaLnBrk="1"/>
-            <a:endParaRPr lang="de-DE" sz="2002" dirty="0">
+            <a:endParaRPr lang="de-DE" sz="2670" dirty="0">
               <a:latin typeface="+mj-lt"/>
             </a:endParaRPr>
           </a:p>
@@ -22847,14 +22802,14 @@
           </p:nvPr>
         </p:nvGraphicFramePr>
         <p:xfrm>
-          <a:off x="1588" y="1588"/>
-          <a:ext cx="1587" cy="1587"/>
+          <a:off x="1430" y="687"/>
+          <a:ext cx="1428" cy="684"/>
         </p:xfrm>
         <a:graphic>
           <a:graphicData uri="http://schemas.openxmlformats.org/presentationml/2006/ole">
             <mc:AlternateContent xmlns:mc="http://schemas.openxmlformats.org/markup-compatibility/2006">
               <mc:Choice xmlns:v="urn:schemas-microsoft-com:vml" Requires="v">
-                <p:oleObj spid="_x0000_s9664" name="think-cell Folie" r:id="rId37" imgW="270" imgH="270" progId="TCLayout.ActiveDocument.1">
+                <p:oleObj spid="_x0000_s9671" name="think-cell Folie" r:id="rId37" imgW="270" imgH="270" progId="TCLayout.ActiveDocument.1">
                   <p:embed/>
                 </p:oleObj>
               </mc:Choice>
@@ -22875,8 +22830,8 @@
                     </p:blipFill>
                     <p:spPr>
                       <a:xfrm>
-                        <a:off x="1588" y="1588"/>
-                        <a:ext cx="1587" cy="1587"/>
+                        <a:off x="1430" y="687"/>
+                        <a:ext cx="1428" cy="684"/>
                       </a:xfrm>
                       <a:prstGeom prst="rect">
                         <a:avLst/>
@@ -22897,8 +22852,8 @@
         </p:nvSpPr>
         <p:spPr>
           <a:xfrm>
-            <a:off x="7899698" y="5408818"/>
-            <a:ext cx="780212" cy="305491"/>
+            <a:off x="7101960" y="2333722"/>
+            <a:ext cx="701422" cy="131809"/>
           </a:xfrm>
           <a:prstGeom prst="rect">
             <a:avLst/>
@@ -22944,7 +22899,7 @@
           <a:p>
             <a:pPr algn="l"/>
             <a:r>
-              <a:rPr lang="de-DE" sz="1400" b="0" dirty="0">
+              <a:rPr lang="de-DE" sz="1866" b="0" dirty="0">
                 <a:solidFill>
                   <a:srgbClr val="658E11"/>
                 </a:solidFill>
@@ -22968,8 +22923,8 @@
         </p:nvSpPr>
         <p:spPr>
           <a:xfrm>
-            <a:off x="-1432" y="5024243"/>
-            <a:ext cx="717356" cy="417896"/>
+            <a:off x="-1283" y="2167790"/>
+            <a:ext cx="644917" cy="180308"/>
           </a:xfrm>
           <a:custGeom>
             <a:avLst/>
@@ -23095,13 +23050,13 @@
           </a:fontRef>
         </p:style>
         <p:txBody>
-          <a:bodyPr wrap="none" lIns="120131" tIns="40044" rIns="120131" bIns="40044" rtlCol="0" anchor="ctr" anchorCtr="0">
-            <a:normAutofit/>
+          <a:bodyPr wrap="none" lIns="160175" tIns="53392" rIns="160175" bIns="53392" rtlCol="0" anchor="ctr" anchorCtr="0">
+            <a:normAutofit fontScale="25000" lnSpcReduction="20000"/>
           </a:bodyPr>
           <a:lstStyle/>
           <a:p>
             <a:pPr algn="ctr"/>
-            <a:endParaRPr lang="de-DE" sz="2002" dirty="0">
+            <a:endParaRPr lang="de-DE" sz="2670" dirty="0">
               <a:latin typeface="+mj-lt"/>
             </a:endParaRPr>
           </a:p>
@@ -23123,8 +23078,8 @@
         </p:nvSpPr>
         <p:spPr>
           <a:xfrm>
-            <a:off x="-1431" y="5092320"/>
-            <a:ext cx="594080" cy="305491"/>
+            <a:off x="-1286" y="2197164"/>
+            <a:ext cx="534089" cy="131809"/>
           </a:xfrm>
           <a:prstGeom prst="rect">
             <a:avLst/>
@@ -23229,11 +23184,11 @@
           </a:lstStyle>
           <a:p>
             <a:fld id="{9A0D4A06-67B2-402C-A949-A68965EC9D40}" type="slidenum">
-              <a:rPr lang="de-DE" sz="900" smtClean="0"/>
+              <a:rPr lang="de-DE" sz="1200" smtClean="0"/>
               <a:t>‹#›</a:t>
             </a:fld>
             <a:r>
-              <a:rPr lang="de-DE" sz="900" dirty="0"/>
+              <a:rPr lang="de-DE" sz="1200" dirty="0"/>
               <a:t>/27</a:t>
             </a:r>
           </a:p>
@@ -23255,8 +23210,8 @@
         </p:nvGrpSpPr>
         <p:grpSpPr>
           <a:xfrm>
-            <a:off x="7893024" y="5192400"/>
-            <a:ext cx="2002188" cy="150797"/>
+            <a:off x="7095960" y="2240344"/>
+            <a:ext cx="1800000" cy="65064"/>
             <a:chOff x="3848100" y="2519363"/>
             <a:chExt cx="1452563" cy="109538"/>
           </a:xfrm>
@@ -23425,7 +23380,7 @@
             </a:bodyPr>
             <a:lstStyle/>
             <a:p>
-              <a:endParaRPr lang="de-DE" sz="2002" dirty="0"/>
+              <a:endParaRPr lang="de-DE" sz="2670" dirty="0"/>
             </a:p>
           </p:txBody>
         </p:sp>
@@ -23609,7 +23564,7 @@
             </a:bodyPr>
             <a:lstStyle/>
             <a:p>
-              <a:endParaRPr lang="de-DE" sz="2002" dirty="0"/>
+              <a:endParaRPr lang="de-DE" sz="2670" dirty="0"/>
             </a:p>
           </p:txBody>
         </p:sp>
@@ -23801,7 +23756,7 @@
             </a:bodyPr>
             <a:lstStyle/>
             <a:p>
-              <a:endParaRPr lang="de-DE" sz="2002" dirty="0"/>
+              <a:endParaRPr lang="de-DE" sz="2670" dirty="0"/>
             </a:p>
           </p:txBody>
         </p:sp>
@@ -24113,7 +24068,7 @@
             </a:bodyPr>
             <a:lstStyle/>
             <a:p>
-              <a:endParaRPr lang="de-DE" sz="2002" dirty="0"/>
+              <a:endParaRPr lang="de-DE" sz="2670" dirty="0"/>
             </a:p>
           </p:txBody>
         </p:sp>
@@ -24412,7 +24367,7 @@
             </a:bodyPr>
             <a:lstStyle/>
             <a:p>
-              <a:endParaRPr lang="de-DE" sz="2002" dirty="0"/>
+              <a:endParaRPr lang="de-DE" sz="2670" dirty="0"/>
             </a:p>
           </p:txBody>
         </p:sp>
@@ -24681,7 +24636,7 @@
             </a:bodyPr>
             <a:lstStyle/>
             <a:p>
-              <a:endParaRPr lang="de-DE" sz="2002" dirty="0"/>
+              <a:endParaRPr lang="de-DE" sz="2670" dirty="0"/>
             </a:p>
           </p:txBody>
         </p:sp>
@@ -24910,7 +24865,7 @@
             </a:bodyPr>
             <a:lstStyle/>
             <a:p>
-              <a:endParaRPr lang="de-DE" sz="2002" dirty="0"/>
+              <a:endParaRPr lang="de-DE" sz="2670" dirty="0"/>
             </a:p>
           </p:txBody>
         </p:sp>
@@ -24931,8 +24886,8 @@
         </p:nvSpPr>
         <p:spPr>
           <a:xfrm>
-            <a:off x="1033463" y="5110052"/>
-            <a:ext cx="1404231" cy="138499"/>
+            <a:off x="929103" y="2142357"/>
+            <a:ext cx="1878656" cy="184666"/>
           </a:xfrm>
           <a:prstGeom prst="rect">
             <a:avLst/>
@@ -25040,7 +24995,7 @@
           <a:p>
             <a:pPr algn="l"/>
             <a:r>
-              <a:rPr lang="de-DE" sz="900" b="0" dirty="0"/>
+              <a:rPr lang="de-DE" sz="1200" b="0" dirty="0"/>
               <a:t>Änderungsdatum: 12.10.2018</a:t>
             </a:r>
           </a:p>
@@ -25062,8 +25017,8 @@
         </p:nvSpPr>
         <p:spPr>
           <a:xfrm>
-            <a:off x="1033463" y="5260951"/>
-            <a:ext cx="1349728" cy="138499"/>
+            <a:off x="929104" y="2207465"/>
+            <a:ext cx="1801391" cy="184666"/>
           </a:xfrm>
           <a:prstGeom prst="rect">
             <a:avLst/>
@@ -25171,10 +25126,10 @@
           <a:p>
             <a:pPr algn="l"/>
             <a:r>
-              <a:rPr lang="de-DE" sz="900" b="0"/>
+              <a:rPr lang="de-DE" sz="1200" b="0"/>
               <a:t>Erstellungsdatum: 3/6/2020</a:t>
             </a:r>
-            <a:endParaRPr lang="de-DE" sz="900" b="0" dirty="0"/>
+            <a:endParaRPr lang="de-DE" sz="1200" b="0" dirty="0"/>
           </a:p>
         </p:txBody>
       </p:sp>
@@ -25198,8 +25153,8 @@
         </p:nvSpPr>
         <p:spPr bwMode="auto">
           <a:xfrm>
-            <a:off x="177800" y="5534399"/>
-            <a:ext cx="65" cy="107722"/>
+            <a:off x="159851" y="2387904"/>
+            <a:ext cx="65" cy="143757"/>
           </a:xfrm>
           <a:prstGeom prst="rect">
             <a:avLst/>
@@ -25252,7 +25207,7 @@
               <a:buFontTx/>
               <a:buNone/>
             </a:pPr>
-            <a:endParaRPr lang="de-DE" sz="700" dirty="0"/>
+            <a:endParaRPr lang="de-DE" sz="934" dirty="0"/>
           </a:p>
         </p:txBody>
       </p:sp>
@@ -25276,8 +25231,8 @@
         </p:nvSpPr>
         <p:spPr bwMode="auto">
           <a:xfrm>
-            <a:off x="254065" y="5534399"/>
-            <a:ext cx="65" cy="107722"/>
+            <a:off x="228417" y="2387904"/>
+            <a:ext cx="65" cy="143757"/>
           </a:xfrm>
           <a:prstGeom prst="rect">
             <a:avLst/>
@@ -25330,7 +25285,7 @@
               <a:buFontTx/>
               <a:buNone/>
             </a:pPr>
-            <a:endParaRPr lang="de-DE" sz="700" dirty="0"/>
+            <a:endParaRPr lang="de-DE" sz="934" dirty="0"/>
           </a:p>
         </p:txBody>
       </p:sp>
@@ -25378,7 +25333,7 @@
   <p:hf hdr="0" ftr="0" dt="0"/>
   <p:txStyles>
     <p:titleStyle>
-      <a:lvl1pPr algn="l" defTabSz="914400" rtl="0" eaLnBrk="1" latinLnBrk="0" hangingPunct="1">
+      <a:lvl1pPr algn="l" defTabSz="1219230" rtl="0" eaLnBrk="1" latinLnBrk="0" hangingPunct="1">
         <a:lnSpc>
           <a:spcPct val="100000"/>
         </a:lnSpc>
@@ -25386,7 +25341,7 @@
           <a:spcPct val="0"/>
         </a:spcBef>
         <a:buNone/>
-        <a:defRPr sz="2400" b="1" kern="1200">
+        <a:defRPr sz="3200" b="1" kern="1200">
           <a:solidFill>
             <a:schemeClr val="tx1"/>
           </a:solidFill>
@@ -25397,7 +25352,7 @@
       </a:lvl1pPr>
     </p:titleStyle>
     <p:bodyStyle>
-      <a:lvl1pPr marL="0" marR="0" indent="0" algn="l" defTabSz="914400" rtl="0" eaLnBrk="1" fontAlgn="auto" latinLnBrk="0" hangingPunct="1">
+      <a:lvl1pPr marL="0" marR="0" indent="0" algn="l" defTabSz="1219230" rtl="0" eaLnBrk="1" fontAlgn="auto" latinLnBrk="0" hangingPunct="1">
         <a:lnSpc>
           <a:spcPct val="106000"/>
         </a:lnSpc>
@@ -25414,7 +25369,7 @@
         <a:buFontTx/>
         <a:buNone/>
         <a:tabLst/>
-        <a:defRPr sz="1800" kern="1200">
+        <a:defRPr sz="2400" kern="1200">
           <a:solidFill>
             <a:schemeClr val="tx1"/>
           </a:solidFill>
@@ -25423,7 +25378,7 @@
           <a:cs typeface="+mn-cs"/>
         </a:defRPr>
       </a:lvl1pPr>
-      <a:lvl2pPr marL="179388" marR="0" indent="-179388" algn="l" defTabSz="914400" rtl="0" eaLnBrk="1" fontAlgn="auto" latinLnBrk="0" hangingPunct="1">
+      <a:lvl2pPr marL="239191" marR="0" indent="-239191" algn="l" defTabSz="1219230" rtl="0" eaLnBrk="1" fontAlgn="auto" latinLnBrk="0" hangingPunct="1">
         <a:lnSpc>
           <a:spcPct val="106000"/>
         </a:lnSpc>
@@ -25438,7 +25393,7 @@
         <a:buFont typeface="Wingdings" panose="05000000000000000000" pitchFamily="2" charset="2"/>
         <a:buChar char="§"/>
         <a:tabLst/>
-        <a:defRPr sz="1800" kern="1200">
+        <a:defRPr sz="2400" kern="1200">
           <a:solidFill>
             <a:schemeClr val="tx1"/>
           </a:solidFill>
@@ -25447,7 +25402,7 @@
           <a:cs typeface="+mn-cs"/>
         </a:defRPr>
       </a:lvl2pPr>
-      <a:lvl3pPr marL="358775" marR="0" indent="-179388" algn="l" defTabSz="358775" rtl="0" eaLnBrk="1" fontAlgn="auto" latinLnBrk="0" hangingPunct="1">
+      <a:lvl3pPr marL="478378" marR="0" indent="-239191" algn="l" defTabSz="478378" rtl="0" eaLnBrk="1" fontAlgn="auto" latinLnBrk="0" hangingPunct="1">
         <a:lnSpc>
           <a:spcPct val="106000"/>
         </a:lnSpc>
@@ -25462,7 +25417,7 @@
         <a:buFont typeface="Porsche News Gothic" panose="02000400000000000000" pitchFamily="2" charset="0"/>
         <a:buChar char="•"/>
         <a:tabLst/>
-        <a:defRPr sz="1800" kern="1200">
+        <a:defRPr sz="2400" kern="1200">
           <a:solidFill>
             <a:schemeClr val="tx1"/>
           </a:solidFill>
@@ -25471,7 +25426,7 @@
           <a:cs typeface="+mn-cs"/>
         </a:defRPr>
       </a:lvl3pPr>
-      <a:lvl4pPr marL="538163" marR="0" indent="-179388" algn="l" defTabSz="538163" rtl="0" eaLnBrk="1" fontAlgn="auto" latinLnBrk="0" hangingPunct="1">
+      <a:lvl4pPr marL="717569" marR="0" indent="-239191" algn="l" defTabSz="717569" rtl="0" eaLnBrk="1" fontAlgn="auto" latinLnBrk="0" hangingPunct="1">
         <a:lnSpc>
           <a:spcPct val="106000"/>
         </a:lnSpc>
@@ -25486,7 +25441,7 @@
         <a:buFont typeface="Symbol" panose="05050102010706020507" pitchFamily="18" charset="2"/>
         <a:buChar char="-"/>
         <a:tabLst/>
-        <a:defRPr sz="1800" kern="1200">
+        <a:defRPr sz="2400" kern="1200">
           <a:solidFill>
             <a:schemeClr val="tx1"/>
           </a:solidFill>
@@ -25495,7 +25450,7 @@
           <a:cs typeface="+mn-cs"/>
         </a:defRPr>
       </a:lvl4pPr>
-      <a:lvl5pPr marL="720000" marR="0" indent="-179388" algn="l" defTabSz="717550" rtl="0" eaLnBrk="1" fontAlgn="auto" latinLnBrk="0" hangingPunct="1">
+      <a:lvl5pPr marL="960023" marR="0" indent="-239191" algn="l" defTabSz="956755" rtl="0" eaLnBrk="1" fontAlgn="auto" latinLnBrk="0" hangingPunct="1">
         <a:lnSpc>
           <a:spcPct val="106000"/>
         </a:lnSpc>
@@ -25510,7 +25465,7 @@
         <a:buFont typeface="NewsGoth for Porsche Com" pitchFamily="34" charset="0"/>
         <a:buChar char="•"/>
         <a:tabLst/>
-        <a:defRPr sz="1800" kern="1200">
+        <a:defRPr sz="2400" kern="1200">
           <a:solidFill>
             <a:schemeClr val="tx1"/>
           </a:solidFill>
@@ -25519,7 +25474,7 @@
           <a:cs typeface="+mn-cs"/>
         </a:defRPr>
       </a:lvl5pPr>
-      <a:lvl6pPr marL="898525" marR="0" indent="-180975" algn="l" defTabSz="914400" rtl="0" eaLnBrk="1" fontAlgn="auto" latinLnBrk="0" hangingPunct="1">
+      <a:lvl6pPr marL="1198062" marR="0" indent="-241306" algn="l" defTabSz="1219230" rtl="0" eaLnBrk="1" fontAlgn="auto" latinLnBrk="0" hangingPunct="1">
         <a:lnSpc>
           <a:spcPct val="106000"/>
         </a:lnSpc>
@@ -25534,7 +25489,7 @@
         <a:buFont typeface="NewsGoth for Porsche Com" pitchFamily="34" charset="0"/>
         <a:buChar char="•"/>
         <a:tabLst/>
-        <a:defRPr sz="1800" kern="1200" baseline="0">
+        <a:defRPr sz="2400" kern="1200" baseline="0">
           <a:solidFill>
             <a:schemeClr val="tx1"/>
           </a:solidFill>
@@ -25543,7 +25498,7 @@
           <a:cs typeface="+mn-cs"/>
         </a:defRPr>
       </a:lvl6pPr>
-      <a:lvl7pPr marL="898525" marR="0" indent="-180975" algn="l" defTabSz="914400" rtl="0" eaLnBrk="1" fontAlgn="auto" latinLnBrk="0" hangingPunct="1">
+      <a:lvl7pPr marL="1198062" marR="0" indent="-241306" algn="l" defTabSz="1219230" rtl="0" eaLnBrk="1" fontAlgn="auto" latinLnBrk="0" hangingPunct="1">
         <a:lnSpc>
           <a:spcPct val="106000"/>
         </a:lnSpc>
@@ -25558,7 +25513,7 @@
         <a:buFont typeface="NewsGoth for Porsche Com" pitchFamily="34" charset="0"/>
         <a:buChar char="•"/>
         <a:tabLst/>
-        <a:defRPr sz="1800" kern="1200" baseline="0">
+        <a:defRPr sz="2400" kern="1200" baseline="0">
           <a:solidFill>
             <a:schemeClr val="tx1"/>
           </a:solidFill>
@@ -25567,7 +25522,7 @@
           <a:cs typeface="+mn-cs"/>
         </a:defRPr>
       </a:lvl7pPr>
-      <a:lvl8pPr marL="898525" marR="0" indent="-180975" algn="l" defTabSz="914400" rtl="0" eaLnBrk="1" fontAlgn="auto" latinLnBrk="0" hangingPunct="1">
+      <a:lvl8pPr marL="1198062" marR="0" indent="-241306" algn="l" defTabSz="1219230" rtl="0" eaLnBrk="1" fontAlgn="auto" latinLnBrk="0" hangingPunct="1">
         <a:lnSpc>
           <a:spcPct val="106000"/>
         </a:lnSpc>
@@ -25582,7 +25537,7 @@
         <a:buFont typeface="NewsGoth for Porsche Com" pitchFamily="34" charset="0"/>
         <a:buChar char="•"/>
         <a:tabLst/>
-        <a:defRPr sz="1800" kern="1200" baseline="0">
+        <a:defRPr sz="2400" kern="1200" baseline="0">
           <a:solidFill>
             <a:schemeClr val="tx1"/>
           </a:solidFill>
@@ -25591,7 +25546,7 @@
           <a:cs typeface="+mn-cs"/>
         </a:defRPr>
       </a:lvl8pPr>
-      <a:lvl9pPr marL="898525" marR="0" indent="-180975" algn="l" defTabSz="914400" rtl="0" eaLnBrk="1" fontAlgn="auto" latinLnBrk="0" hangingPunct="1">
+      <a:lvl9pPr marL="1198062" marR="0" indent="-241306" algn="l" defTabSz="1219230" rtl="0" eaLnBrk="1" fontAlgn="auto" latinLnBrk="0" hangingPunct="1">
         <a:lnSpc>
           <a:spcPct val="106000"/>
         </a:lnSpc>
@@ -25606,7 +25561,7 @@
         <a:buFont typeface="NewsGoth for Porsche Com" pitchFamily="34" charset="0"/>
         <a:buChar char="•"/>
         <a:tabLst/>
-        <a:defRPr sz="1800" kern="1200" baseline="0">
+        <a:defRPr sz="2400" kern="1200" baseline="0">
           <a:solidFill>
             <a:schemeClr val="tx1"/>
           </a:solidFill>
@@ -25620,7 +25575,7 @@
       <a:defPPr>
         <a:defRPr lang="de-DE"/>
       </a:defPPr>
-      <a:lvl1pPr marL="0" indent="0" algn="l" defTabSz="914400" rtl="0" eaLnBrk="1" latinLnBrk="0" hangingPunct="1">
+      <a:lvl1pPr marL="0" indent="0" algn="l" defTabSz="1219230" rtl="0" eaLnBrk="1" latinLnBrk="0" hangingPunct="1">
         <a:lnSpc>
           <a:spcPct val="106000"/>
         </a:lnSpc>
@@ -25633,7 +25588,7 @@
         <a:buSzPct val="90000"/>
         <a:buFontTx/>
         <a:buNone/>
-        <a:defRPr sz="1800" kern="1200">
+        <a:defRPr sz="2400" kern="1200">
           <a:solidFill>
             <a:schemeClr val="tx1"/>
           </a:solidFill>
@@ -25642,7 +25597,7 @@
           <a:cs typeface="+mn-cs"/>
         </a:defRPr>
       </a:lvl1pPr>
-      <a:lvl2pPr marL="180000" indent="-180000" algn="l" defTabSz="914400" rtl="0" eaLnBrk="1" latinLnBrk="0" hangingPunct="1">
+      <a:lvl2pPr marL="240006" indent="-240006" algn="l" defTabSz="1219230" rtl="0" eaLnBrk="1" latinLnBrk="0" hangingPunct="1">
         <a:lnSpc>
           <a:spcPct val="106000"/>
         </a:lnSpc>
@@ -25655,7 +25610,7 @@
         <a:buSzPct val="90000"/>
         <a:buFont typeface="NewsGoth for Porsche Com" pitchFamily="34" charset="0"/>
         <a:buChar char="•"/>
-        <a:defRPr sz="1800" kern="1200">
+        <a:defRPr sz="2400" kern="1200">
           <a:solidFill>
             <a:schemeClr val="tx1"/>
           </a:solidFill>
@@ -25664,7 +25619,7 @@
           <a:cs typeface="+mn-cs"/>
         </a:defRPr>
       </a:lvl2pPr>
-      <a:lvl3pPr marL="540000" indent="-180000" algn="l" defTabSz="914400" rtl="0" eaLnBrk="1" latinLnBrk="0" hangingPunct="1">
+      <a:lvl3pPr marL="720017" indent="-240006" algn="l" defTabSz="1219230" rtl="0" eaLnBrk="1" latinLnBrk="0" hangingPunct="1">
         <a:lnSpc>
           <a:spcPct val="106000"/>
         </a:lnSpc>
@@ -25677,7 +25632,7 @@
         <a:buSzPct val="90000"/>
         <a:buFont typeface="NewsGoth for Porsche Com" pitchFamily="34" charset="0"/>
         <a:buChar char="•"/>
-        <a:defRPr sz="1800" kern="1200">
+        <a:defRPr sz="2400" kern="1200">
           <a:solidFill>
             <a:schemeClr val="tx1"/>
           </a:solidFill>
@@ -25686,7 +25641,7 @@
           <a:cs typeface="+mn-cs"/>
         </a:defRPr>
       </a:lvl3pPr>
-      <a:lvl4pPr marL="900000" indent="-180000" algn="l" defTabSz="914400" rtl="0" eaLnBrk="1" latinLnBrk="0" hangingPunct="1">
+      <a:lvl4pPr marL="1200029" indent="-240006" algn="l" defTabSz="1219230" rtl="0" eaLnBrk="1" latinLnBrk="0" hangingPunct="1">
         <a:lnSpc>
           <a:spcPct val="106000"/>
         </a:lnSpc>
@@ -25699,7 +25654,7 @@
         <a:buSzPct val="90000"/>
         <a:buFont typeface="NewsGoth for Porsche Com" pitchFamily="34" charset="0"/>
         <a:buChar char="•"/>
-        <a:defRPr sz="1800" kern="1200">
+        <a:defRPr sz="2400" kern="1200">
           <a:solidFill>
             <a:schemeClr val="tx1"/>
           </a:solidFill>
@@ -25708,7 +25663,7 @@
           <a:cs typeface="+mn-cs"/>
         </a:defRPr>
       </a:lvl4pPr>
-      <a:lvl5pPr marL="900000" indent="-180000" algn="l" defTabSz="914400" rtl="0" eaLnBrk="1" latinLnBrk="0" hangingPunct="1">
+      <a:lvl5pPr marL="1200029" indent="-240006" algn="l" defTabSz="1219230" rtl="0" eaLnBrk="1" latinLnBrk="0" hangingPunct="1">
         <a:lnSpc>
           <a:spcPct val="106000"/>
         </a:lnSpc>
@@ -25721,7 +25676,7 @@
         <a:buSzPct val="90000"/>
         <a:buFont typeface="NewsGoth for Porsche Com" pitchFamily="34" charset="0"/>
         <a:buChar char="•"/>
-        <a:defRPr sz="1800" kern="1200">
+        <a:defRPr sz="2400" kern="1200">
           <a:solidFill>
             <a:schemeClr val="tx1"/>
           </a:solidFill>
@@ -25730,7 +25685,7 @@
           <a:cs typeface="+mn-cs"/>
         </a:defRPr>
       </a:lvl5pPr>
-      <a:lvl6pPr marL="900000" indent="-180000" algn="l" defTabSz="914400" rtl="0" eaLnBrk="1" latinLnBrk="0" hangingPunct="1">
+      <a:lvl6pPr marL="1200029" indent="-240006" algn="l" defTabSz="1219230" rtl="0" eaLnBrk="1" latinLnBrk="0" hangingPunct="1">
         <a:lnSpc>
           <a:spcPct val="106000"/>
         </a:lnSpc>
@@ -25743,7 +25698,7 @@
         <a:buSzPct val="90000"/>
         <a:buFont typeface="NewsGoth for Porsche Com" pitchFamily="34" charset="0"/>
         <a:buChar char="•"/>
-        <a:defRPr sz="1800" kern="1200" baseline="0">
+        <a:defRPr sz="2400" kern="1200" baseline="0">
           <a:solidFill>
             <a:schemeClr val="tx1"/>
           </a:solidFill>
@@ -25752,7 +25707,7 @@
           <a:cs typeface="+mn-cs"/>
         </a:defRPr>
       </a:lvl6pPr>
-      <a:lvl7pPr marL="900000" indent="-180000" algn="l" defTabSz="914400" rtl="0" eaLnBrk="1" latinLnBrk="0" hangingPunct="1">
+      <a:lvl7pPr marL="1200029" indent="-240006" algn="l" defTabSz="1219230" rtl="0" eaLnBrk="1" latinLnBrk="0" hangingPunct="1">
         <a:lnSpc>
           <a:spcPct val="106000"/>
         </a:lnSpc>
@@ -25765,7 +25720,7 @@
         <a:buSzPct val="90000"/>
         <a:buFont typeface="NewsGoth for Porsche Com" pitchFamily="34" charset="0"/>
         <a:buChar char="•"/>
-        <a:defRPr sz="1800" kern="1200" baseline="0">
+        <a:defRPr sz="2400" kern="1200" baseline="0">
           <a:solidFill>
             <a:schemeClr val="tx1"/>
           </a:solidFill>
@@ -25774,7 +25729,7 @@
           <a:cs typeface="+mn-cs"/>
         </a:defRPr>
       </a:lvl7pPr>
-      <a:lvl8pPr marL="900000" indent="-180000" algn="l" defTabSz="914400" rtl="0" eaLnBrk="1" latinLnBrk="0" hangingPunct="1">
+      <a:lvl8pPr marL="1200029" indent="-240006" algn="l" defTabSz="1219230" rtl="0" eaLnBrk="1" latinLnBrk="0" hangingPunct="1">
         <a:lnSpc>
           <a:spcPct val="106000"/>
         </a:lnSpc>
@@ -25787,7 +25742,7 @@
         <a:buSzPct val="90000"/>
         <a:buFont typeface="NewsGoth for Porsche Com" pitchFamily="34" charset="0"/>
         <a:buChar char="•"/>
-        <a:defRPr sz="1800" kern="1200" baseline="0">
+        <a:defRPr sz="2400" kern="1200" baseline="0">
           <a:solidFill>
             <a:schemeClr val="tx1"/>
           </a:solidFill>
@@ -25796,7 +25751,7 @@
           <a:cs typeface="+mn-cs"/>
         </a:defRPr>
       </a:lvl8pPr>
-      <a:lvl9pPr marL="900000" indent="-180000" algn="l" defTabSz="914400" rtl="0" eaLnBrk="1" latinLnBrk="0" hangingPunct="1">
+      <a:lvl9pPr marL="1200029" indent="-240006" algn="l" defTabSz="1219230" rtl="0" eaLnBrk="1" latinLnBrk="0" hangingPunct="1">
         <a:lnSpc>
           <a:spcPct val="106000"/>
         </a:lnSpc>
@@ -25809,7 +25764,7 @@
         <a:buSzPct val="90000"/>
         <a:buFont typeface="NewsGoth for Porsche Com" pitchFamily="34" charset="0"/>
         <a:buChar char="•"/>
-        <a:defRPr sz="1800" kern="1200" baseline="0">
+        <a:defRPr sz="2400" kern="1200" baseline="0">
           <a:solidFill>
             <a:schemeClr val="tx1"/>
           </a:solidFill>
@@ -25823,92 +25778,92 @@
   <p:extLst>
     <p:ext uri="{27BBF7A9-308A-43DC-89C8-2F10F3537804}">
       <p15:sldGuideLst xmlns:p15="http://schemas.microsoft.com/office/powerpoint/2012/main">
-        <p15:guide id="1" orient="horz" pos="1802" userDrawn="1">
+        <p15:guide id="1" orient="horz" pos="778" userDrawn="1">
           <p15:clr>
             <a:srgbClr val="F26B43"/>
           </p15:clr>
         </p15:guide>
-        <p15:guide id="2" pos="479" userDrawn="1">
+        <p15:guide id="2" pos="430" userDrawn="1">
           <p15:clr>
             <a:srgbClr val="F26B43"/>
           </p15:clr>
         </p15:guide>
-        <p15:guide id="3" orient="horz" pos="529" userDrawn="1">
+        <p15:guide id="3" orient="horz" pos="228" userDrawn="1">
           <p15:clr>
             <a:srgbClr val="F26B43"/>
           </p15:clr>
         </p15:guide>
-        <p15:guide id="4" orient="horz" pos="704" userDrawn="1">
+        <p15:guide id="4" orient="horz" pos="305" userDrawn="1">
           <p15:clr>
             <a:srgbClr val="A4A3A4"/>
           </p15:clr>
         </p15:guide>
-        <p15:guide id="5" orient="horz" pos="3073" userDrawn="1">
+        <p15:guide id="5" orient="horz" pos="1327" userDrawn="1">
           <p15:clr>
             <a:srgbClr val="F26B43"/>
           </p15:clr>
         </p15:guide>
-        <p15:guide id="6" orient="horz" pos="2896" userDrawn="1">
+        <p15:guide id="6" orient="horz" pos="1249" userDrawn="1">
           <p15:clr>
             <a:srgbClr val="A4A3A4"/>
           </p15:clr>
         </p15:guide>
-        <p15:guide id="7" pos="651" userDrawn="1">
+        <p15:guide id="7" pos="587" userDrawn="1">
           <p15:clr>
             <a:srgbClr val="A4A3A4"/>
           </p15:clr>
         </p15:guide>
-        <p15:guide id="8" pos="1438" userDrawn="1">
+        <p15:guide id="8" pos="1292" userDrawn="1">
           <p15:clr>
             <a:srgbClr val="A4A3A4"/>
           </p15:clr>
         </p15:guide>
-        <p15:guide id="9" pos="1613" userDrawn="1">
+        <p15:guide id="9" pos="1450" userDrawn="1">
           <p15:clr>
             <a:srgbClr val="A4A3A4"/>
           </p15:clr>
         </p15:guide>
-        <p15:guide id="10" pos="2397" userDrawn="1">
+        <p15:guide id="10" pos="2157" userDrawn="1">
           <p15:clr>
             <a:srgbClr val="A4A3A4"/>
           </p15:clr>
         </p15:guide>
-        <p15:guide id="11" pos="2572" userDrawn="1">
+        <p15:guide id="11" pos="2311" userDrawn="1">
           <p15:clr>
             <a:srgbClr val="A4A3A4"/>
           </p15:clr>
         </p15:guide>
-        <p15:guide id="12" pos="3356" userDrawn="1">
+        <p15:guide id="12" pos="3018" userDrawn="1">
           <p15:clr>
             <a:srgbClr val="A4A3A4"/>
           </p15:clr>
         </p15:guide>
-        <p15:guide id="13" pos="3531" userDrawn="1">
+        <p15:guide id="13" pos="3177" userDrawn="1">
           <p15:clr>
             <a:srgbClr val="A4A3A4"/>
           </p15:clr>
         </p15:guide>
-        <p15:guide id="14" pos="4315" userDrawn="1">
+        <p15:guide id="14" pos="3880" userDrawn="1">
           <p15:clr>
             <a:srgbClr val="A4A3A4"/>
           </p15:clr>
         </p15:guide>
-        <p15:guide id="15" pos="4493" userDrawn="1">
+        <p15:guide id="15" pos="4040" userDrawn="1">
           <p15:clr>
             <a:srgbClr val="A4A3A4"/>
           </p15:clr>
         </p15:guide>
-        <p15:guide id="16" pos="5277" userDrawn="1">
+        <p15:guide id="16" pos="4742" userDrawn="1">
           <p15:clr>
             <a:srgbClr val="A4A3A4"/>
           </p15:clr>
         </p15:guide>
-        <p15:guide id="17" pos="5452" userDrawn="1">
+        <p15:guide id="17" pos="4901" userDrawn="1">
           <p15:clr>
             <a:srgbClr val="A4A3A4"/>
           </p15:clr>
         </p15:guide>
-        <p15:guide id="18" pos="6236" userDrawn="1">
+        <p15:guide id="18" pos="5608" userDrawn="1">
           <p15:clr>
             <a:srgbClr val="A4A3A4"/>
           </p15:clr>
@@ -25938,55 +25893,6 @@
       </p:grpSpPr>
       <p:sp>
         <p:nvSpPr>
-          <p:cNvPr id="8" name="Titel 1">
-            <a:extLst>
-              <a:ext uri="{FF2B5EF4-FFF2-40B4-BE49-F238E27FC236}">
-                <a16:creationId xmlns:a16="http://schemas.microsoft.com/office/drawing/2014/main" id="{E23E83AB-8AE3-4DC5-88E4-0ECEAC024625}"/>
-              </a:ext>
-            </a:extLst>
-          </p:cNvPr>
-          <p:cNvSpPr txBox="1">
-            <a:spLocks/>
-          </p:cNvSpPr>
-          <p:nvPr/>
-        </p:nvSpPr>
-        <p:spPr>
-          <a:xfrm>
-            <a:off x="2228847" y="262577"/>
-            <a:ext cx="7561697" cy="369332"/>
-          </a:xfrm>
-          <a:prstGeom prst="rect">
-            <a:avLst/>
-          </a:prstGeom>
-        </p:spPr>
-        <p:txBody>
-          <a:bodyPr lIns="0" tIns="0" rIns="0" bIns="0"/>
-          <a:lstStyle>
-            <a:lvl1pPr algn="l" defTabSz="914400" rtl="0" eaLnBrk="1" latinLnBrk="0" hangingPunct="1">
-              <a:lnSpc>
-                <a:spcPct val="100000"/>
-              </a:lnSpc>
-              <a:spcBef>
-                <a:spcPct val="0"/>
-              </a:spcBef>
-              <a:buNone/>
-              <a:defRPr sz="2400" b="1" kern="1200">
-                <a:solidFill>
-                  <a:schemeClr val="tx1"/>
-                </a:solidFill>
-                <a:latin typeface="+mj-lt"/>
-                <a:ea typeface="+mj-ea"/>
-                <a:cs typeface="+mj-cs"/>
-              </a:defRPr>
-            </a:lvl1pPr>
-          </a:lstStyle>
-          <a:p>
-            <a:endParaRPr lang="en-US" sz="2000" b="0" dirty="0"/>
-          </a:p>
-        </p:txBody>
-      </p:sp>
-      <p:sp>
-        <p:nvSpPr>
           <p:cNvPr id="10" name="textBoxChapter">
             <a:extLst>
               <a:ext uri="{FF2B5EF4-FFF2-40B4-BE49-F238E27FC236}">
@@ -25999,8 +25905,8 @@
         </p:nvSpPr>
         <p:spPr>
           <a:xfrm>
-            <a:off x="0" y="1437054"/>
-            <a:ext cx="10171113" cy="309600"/>
+            <a:off x="-2468659" y="-59755"/>
+            <a:ext cx="13561485" cy="345590"/>
           </a:xfrm>
           <a:prstGeom prst="rect">
             <a:avLst/>
@@ -26014,11 +25920,11 @@
           <a:lstStyle/>
           <a:p>
             <a:r>
-              <a:rPr lang="en-US" sz="1400" dirty="0">
+              <a:rPr lang="en-US" sz="1866" dirty="0">
                 <a:latin typeface="Roboto" panose="02000000000000000000" pitchFamily="2" charset="0"/>
                 <a:ea typeface="Roboto" panose="02000000000000000000" pitchFamily="2" charset="0"/>
               </a:rPr>
-              <a:t>All unit tests in literature</a:t>
+              <a:t>All unit tests in the literature</a:t>
             </a:r>
           </a:p>
         </p:txBody>
@@ -26037,8 +25943,8 @@
         </p:nvGrpSpPr>
         <p:grpSpPr>
           <a:xfrm>
-            <a:off x="2518821" y="2014094"/>
-            <a:ext cx="5133470" cy="2101678"/>
+            <a:off x="1564244" y="442428"/>
+            <a:ext cx="5629730" cy="1968687"/>
             <a:chOff x="2338122" y="2002545"/>
             <a:chExt cx="5494867" cy="2101678"/>
           </a:xfrm>
@@ -26093,7 +25999,7 @@
             <a:lstStyle/>
             <a:p>
               <a:pPr algn="ctr"/>
-              <a:endParaRPr lang="en-US" dirty="0" err="1">
+              <a:endParaRPr lang="en-US" sz="2245" dirty="0" err="1">
                 <a:solidFill>
                   <a:schemeClr val="tx1"/>
                 </a:solidFill>
@@ -26115,8 +26021,8 @@
           </p:nvSpPr>
           <p:spPr>
             <a:xfrm>
-              <a:off x="2423804" y="3794623"/>
-              <a:ext cx="2189312" cy="309600"/>
+              <a:off x="2423804" y="3680625"/>
+              <a:ext cx="2735877" cy="423598"/>
             </a:xfrm>
             <a:prstGeom prst="rect">
               <a:avLst/>
@@ -26130,7 +26036,7 @@
             <a:lstStyle/>
             <a:p>
               <a:r>
-                <a:rPr lang="en-US" sz="1400" dirty="0">
+                <a:rPr lang="en-US" sz="1866" dirty="0">
                   <a:latin typeface="Roboto" panose="02000000000000000000" pitchFamily="2" charset="0"/>
                   <a:ea typeface="Roboto" panose="02000000000000000000" pitchFamily="2" charset="0"/>
                 </a:rPr>
@@ -26153,8 +26059,8 @@
           </p:nvSpPr>
           <p:spPr>
             <a:xfrm>
-              <a:off x="3958598" y="2797264"/>
-              <a:ext cx="2253916" cy="502142"/>
+              <a:off x="3894693" y="2837947"/>
+              <a:ext cx="2253916" cy="502141"/>
             </a:xfrm>
             <a:prstGeom prst="rect">
               <a:avLst/>
@@ -26181,7 +26087,7 @@
             <a:p>
               <a:pPr algn="ctr"/>
               <a:r>
-                <a:rPr lang="en-US" sz="1600" b="1" spc="50" dirty="0">
+                <a:rPr lang="en-US" sz="1866" b="1" spc="66" dirty="0">
                   <a:ln w="9525" cmpd="sng">
                     <a:solidFill>
                       <a:schemeClr val="accent1"/>
@@ -26223,8 +26129,8 @@
         </p:nvSpPr>
         <p:spPr>
           <a:xfrm>
-            <a:off x="0" y="2183342"/>
-            <a:ext cx="10171113" cy="309600"/>
+            <a:off x="-2468659" y="626185"/>
+            <a:ext cx="13561485" cy="341376"/>
           </a:xfrm>
           <a:prstGeom prst="rect">
             <a:avLst/>
@@ -26238,11 +26144,11 @@
           <a:lstStyle/>
           <a:p>
             <a:r>
-              <a:rPr lang="en-US" sz="1400" dirty="0">
+              <a:rPr lang="en-US" sz="1866" dirty="0">
                 <a:latin typeface="Roboto" panose="02000000000000000000" pitchFamily="2" charset="0"/>
                 <a:ea typeface="Roboto" panose="02000000000000000000" pitchFamily="2" charset="0"/>
               </a:rPr>
-              <a:t>A selection of fair unit tests </a:t>
+              <a:t>A selection of exclusive unit tests </a:t>
             </a:r>
           </a:p>
         </p:txBody>
@@ -26261,8 +26167,8 @@
         </p:nvSpPr>
         <p:spPr>
           <a:xfrm>
-            <a:off x="1515976" y="2898584"/>
-            <a:ext cx="859910" cy="309600"/>
+            <a:off x="171545" y="1243074"/>
+            <a:ext cx="1146545" cy="418546"/>
           </a:xfrm>
           <a:prstGeom prst="rect">
             <a:avLst/>
@@ -26277,7 +26183,7 @@
           <a:p>
             <a:pPr algn="ctr"/>
             <a:r>
-              <a:rPr lang="en-US" sz="1400" dirty="0">
+              <a:rPr lang="en-US" sz="1866" dirty="0">
                 <a:latin typeface="Roboto" panose="02000000000000000000" pitchFamily="2" charset="0"/>
                 <a:ea typeface="Roboto" panose="02000000000000000000" pitchFamily="2" charset="0"/>
               </a:rPr>
@@ -26300,8 +26206,8 @@
         </p:nvSpPr>
         <p:spPr>
           <a:xfrm>
-            <a:off x="6423342" y="2905084"/>
-            <a:ext cx="1012175" cy="309600"/>
+            <a:off x="5931516" y="1261305"/>
+            <a:ext cx="921990" cy="412800"/>
           </a:xfrm>
           <a:prstGeom prst="rect">
             <a:avLst/>
@@ -26314,12 +26220,26 @@
           </a:bodyPr>
           <a:lstStyle/>
           <a:p>
+            <a:pPr algn="ctr"/>
             <a:r>
-              <a:rPr lang="en-US" sz="1400" dirty="0">
+              <a:rPr lang="en-US" sz="1866" dirty="0">
                 <a:latin typeface="Roboto" panose="02000000000000000000" pitchFamily="2" charset="0"/>
                 <a:ea typeface="Roboto" panose="02000000000000000000" pitchFamily="2" charset="0"/>
               </a:rPr>
-              <a:t>Raw results</a:t>
+              <a:t>Raw</a:t>
+            </a:r>
+            <a:br>
+              <a:rPr lang="en-US" sz="1866" dirty="0">
+                <a:latin typeface="Roboto" panose="02000000000000000000" pitchFamily="2" charset="0"/>
+                <a:ea typeface="Roboto" panose="02000000000000000000" pitchFamily="2" charset="0"/>
+              </a:rPr>
+            </a:br>
+            <a:r>
+              <a:rPr lang="en-US" sz="1866" dirty="0">
+                <a:latin typeface="Roboto" panose="02000000000000000000" pitchFamily="2" charset="0"/>
+                <a:ea typeface="Roboto" panose="02000000000000000000" pitchFamily="2" charset="0"/>
+              </a:rPr>
+              <a:t>results</a:t>
             </a:r>
           </a:p>
         </p:txBody>
@@ -26338,8 +26258,8 @@
         </p:nvSpPr>
         <p:spPr>
           <a:xfrm>
-            <a:off x="7871919" y="2808087"/>
-            <a:ext cx="1037311" cy="502142"/>
+            <a:off x="7378490" y="1132944"/>
+            <a:ext cx="1383081" cy="669522"/>
           </a:xfrm>
           <a:prstGeom prst="rect">
             <a:avLst/>
@@ -26354,7 +26274,7 @@
           <a:p>
             <a:pPr algn="ctr"/>
             <a:r>
-              <a:rPr lang="en-US" sz="1400" dirty="0">
+              <a:rPr lang="en-US" sz="1866" dirty="0">
                 <a:latin typeface="Roboto" panose="02000000000000000000" pitchFamily="2" charset="0"/>
                 <a:ea typeface="Roboto" panose="02000000000000000000" pitchFamily="2" charset="0"/>
               </a:rPr>
@@ -26380,8 +26300,8 @@
         </p:nvCxnSpPr>
         <p:spPr>
           <a:xfrm>
-            <a:off x="5085557" y="1746654"/>
-            <a:ext cx="0" cy="436688"/>
+            <a:off x="4312082" y="285843"/>
+            <a:ext cx="0" cy="340351"/>
           </a:xfrm>
           <a:prstGeom prst="straightConnector1">
             <a:avLst/>
@@ -26426,8 +26346,8 @@
         </p:nvCxnSpPr>
         <p:spPr>
           <a:xfrm>
-            <a:off x="2375886" y="3053384"/>
-            <a:ext cx="1656832" cy="6500"/>
+            <a:off x="1318088" y="1452356"/>
+            <a:ext cx="1840930" cy="7797"/>
           </a:xfrm>
           <a:prstGeom prst="straightConnector1">
             <a:avLst/>
@@ -26471,9 +26391,9 @@
           <p:nvPr/>
         </p:nvCxnSpPr>
         <p:spPr>
-          <a:xfrm flipH="1">
-            <a:off x="5085556" y="2492942"/>
-            <a:ext cx="1" cy="315871"/>
+          <a:xfrm>
+            <a:off x="4312090" y="967569"/>
+            <a:ext cx="1551" cy="257399"/>
           </a:xfrm>
           <a:prstGeom prst="straightConnector1">
             <a:avLst/>
@@ -26518,8 +26438,8 @@
         </p:nvCxnSpPr>
         <p:spPr>
           <a:xfrm>
-            <a:off x="6138394" y="3059884"/>
-            <a:ext cx="284948" cy="0"/>
+            <a:off x="5468254" y="1460151"/>
+            <a:ext cx="463264" cy="7561"/>
           </a:xfrm>
           <a:prstGeom prst="straightConnector1">
             <a:avLst/>
@@ -26563,9 +26483,9 @@
           <p:nvPr/>
         </p:nvCxnSpPr>
         <p:spPr>
-          <a:xfrm flipV="1">
-            <a:off x="7435517" y="3059158"/>
-            <a:ext cx="436402" cy="726"/>
+          <a:xfrm>
+            <a:off x="6853505" y="1467705"/>
+            <a:ext cx="524978" cy="0"/>
           </a:xfrm>
           <a:prstGeom prst="straightConnector1">
             <a:avLst/>
@@ -26606,8 +26526,8 @@
         </p:nvSpPr>
         <p:spPr>
           <a:xfrm>
-            <a:off x="5958121" y="2340707"/>
-            <a:ext cx="439535" cy="402998"/>
+            <a:off x="6066023" y="635559"/>
+            <a:ext cx="586047" cy="537330"/>
           </a:xfrm>
           <a:prstGeom prst="rect">
             <a:avLst/>
@@ -26621,16 +26541,15 @@
           <a:lstStyle/>
           <a:p>
             <a:r>
-              <a:rPr lang="de-DE" sz="2800" b="0" i="0" dirty="0">
+              <a:rPr lang="de-DE" sz="3734" dirty="0">
                 <a:solidFill>
                   <a:schemeClr val="accent2"/>
                 </a:solidFill>
-                <a:effectLst/>
                 <a:latin typeface="Arial" panose="020B0604020202020204" pitchFamily="34" charset="0"/>
               </a:rPr>
               <a:t>➀</a:t>
             </a:r>
-            <a:endParaRPr lang="en-US" sz="1400" dirty="0">
+            <a:endParaRPr lang="en-US" sz="1866" dirty="0">
               <a:solidFill>
                 <a:schemeClr val="accent2"/>
               </a:solidFill>
@@ -26653,8 +26572,8 @@
         </p:nvSpPr>
         <p:spPr>
           <a:xfrm>
-            <a:off x="7231524" y="3087369"/>
-            <a:ext cx="502012" cy="402998"/>
+            <a:off x="6625292" y="1617174"/>
+            <a:ext cx="669350" cy="537330"/>
           </a:xfrm>
           <a:prstGeom prst="rect">
             <a:avLst/>
@@ -26668,16 +26587,15 @@
           <a:lstStyle/>
           <a:p>
             <a:r>
-              <a:rPr lang="de-DE" sz="2800" b="0" i="0" dirty="0">
+              <a:rPr lang="de-DE" sz="3734" dirty="0">
                 <a:solidFill>
                   <a:schemeClr val="accent2"/>
                 </a:solidFill>
-                <a:effectLst/>
                 <a:latin typeface="Arial" panose="020B0604020202020204" pitchFamily="34" charset="0"/>
               </a:rPr>
               <a:t>➁</a:t>
             </a:r>
-            <a:endParaRPr lang="en-US" sz="1400" dirty="0">
+            <a:endParaRPr lang="en-US" sz="1866" dirty="0">
               <a:solidFill>
                 <a:schemeClr val="accent2"/>
               </a:solidFill>
@@ -26700,8 +26618,8 @@
         </p:nvSpPr>
         <p:spPr>
           <a:xfrm>
-            <a:off x="8566909" y="3079348"/>
-            <a:ext cx="620199" cy="402991"/>
+            <a:off x="8444398" y="1617189"/>
+            <a:ext cx="826933" cy="537321"/>
           </a:xfrm>
           <a:prstGeom prst="rect">
             <a:avLst/>
@@ -26715,16 +26633,15 @@
           <a:lstStyle/>
           <a:p>
             <a:r>
-              <a:rPr lang="de-DE" sz="2800" b="0" i="0" dirty="0">
+              <a:rPr lang="de-DE" sz="3734" dirty="0">
                 <a:solidFill>
                   <a:schemeClr val="accent2"/>
                 </a:solidFill>
-                <a:effectLst/>
                 <a:latin typeface="Arial" panose="020B0604020202020204" pitchFamily="34" charset="0"/>
               </a:rPr>
               <a:t>➂</a:t>
             </a:r>
-            <a:endParaRPr lang="en-US" sz="1400" dirty="0">
+            <a:endParaRPr lang="en-US" sz="1866" dirty="0">
               <a:solidFill>
                 <a:schemeClr val="accent2"/>
               </a:solidFill>
@@ -26772,7 +26689,7 @@
 
 <file path=ppt/tags/tag5.xml><?xml version="1.0" encoding="utf-8"?>
 <p:tagLst xmlns:a="http://schemas.openxmlformats.org/drawingml/2006/main" xmlns:r="http://schemas.openxmlformats.org/officeDocument/2006/relationships" xmlns:p="http://schemas.openxmlformats.org/presentationml/2006/main">
-  <p:tag name="THINKCELLSHAPEDONOTDELETE" val="pJZocuhhelEKvHp4cNI02zA"/>
+  <p:tag name="THINKCELLSHAPEDONOTDELETE" val="thinkcellActiveDocDoNotDelete"/>
 </p:tagLst>
 </file>
 
@@ -26784,17 +26701,11 @@
 
 <file path=ppt/tags/tag7.xml><?xml version="1.0" encoding="utf-8"?>
 <p:tagLst xmlns:a="http://schemas.openxmlformats.org/drawingml/2006/main" xmlns:r="http://schemas.openxmlformats.org/officeDocument/2006/relationships" xmlns:p="http://schemas.openxmlformats.org/presentationml/2006/main">
-  <p:tag name="THINKCELLSHAPEDONOTDELETE" val="thinkcellActiveDocDoNotDelete"/>
+  <p:tag name="THINKCELLSHAPEDONOTDELETE" val="pflUGzIpWukGrFUQY2_1Z7Q"/>
 </p:tagLst>
 </file>
 
 <file path=ppt/tags/tag8.xml><?xml version="1.0" encoding="utf-8"?>
-<p:tagLst xmlns:a="http://schemas.openxmlformats.org/drawingml/2006/main" xmlns:r="http://schemas.openxmlformats.org/officeDocument/2006/relationships" xmlns:p="http://schemas.openxmlformats.org/presentationml/2006/main">
-  <p:tag name="THINKCELLSHAPEDONOTDELETE" val="pflUGzIpWukGrFUQY2_1Z7Q"/>
-</p:tagLst>
-</file>
-
-<file path=ppt/tags/tag9.xml><?xml version="1.0" encoding="utf-8"?>
 <p:tagLst xmlns:a="http://schemas.openxmlformats.org/drawingml/2006/main" xmlns:r="http://schemas.openxmlformats.org/officeDocument/2006/relationships" xmlns:p="http://schemas.openxmlformats.org/presentationml/2006/main">
   <p:tag name="THINKCELLSHAPEDONOTDELETE" val="pflUGzIpWukGrFUQY2_1Z7Q"/>
 </p:tagLst>
